--- a/מצגת לסמינר/מצגת הפרויקט.pptx
+++ b/מצגת לסמינר/מצגת הפרויקט.pptx
@@ -409,24 +409,24 @@
           </c:val>
         </c:ser>
         <c:marker val="1"/>
-        <c:axId val="144338304"/>
-        <c:axId val="144340096"/>
+        <c:axId val="99111296"/>
+        <c:axId val="99112832"/>
       </c:lineChart>
       <c:catAx>
-        <c:axId val="144338304"/>
+        <c:axId val="99111296"/>
         <c:scaling>
           <c:orientation val="minMax"/>
         </c:scaling>
         <c:axPos val="b"/>
         <c:tickLblPos val="nextTo"/>
-        <c:crossAx val="144340096"/>
+        <c:crossAx val="99112832"/>
         <c:crosses val="autoZero"/>
         <c:auto val="1"/>
         <c:lblAlgn val="ctr"/>
         <c:lblOffset val="100"/>
       </c:catAx>
       <c:valAx>
-        <c:axId val="144340096"/>
+        <c:axId val="99112832"/>
         <c:scaling>
           <c:orientation val="minMax"/>
         </c:scaling>
@@ -434,7 +434,7 @@
         <c:majorGridlines/>
         <c:numFmt formatCode="General" sourceLinked="1"/>
         <c:tickLblPos val="nextTo"/>
-        <c:crossAx val="144338304"/>
+        <c:crossAx val="99111296"/>
         <c:crosses val="autoZero"/>
         <c:crossBetween val="between"/>
       </c:valAx>
@@ -641,7 +641,7 @@
             <a:fld id="{A77FC5A8-C000-4ACE-838B-EAA86945B01D}" type="datetimeFigureOut">
               <a:rPr lang="he-IL" smtClean="0"/>
               <a:pPr/>
-              <a:t>ד'/כסלו/תשע"ז</a:t>
+              <a:t>ו'/כסלו/תשע"ז</a:t>
             </a:fld>
             <a:endParaRPr lang="he-IL"/>
           </a:p>
@@ -808,7 +808,7 @@
             <a:fld id="{A77FC5A8-C000-4ACE-838B-EAA86945B01D}" type="datetimeFigureOut">
               <a:rPr lang="he-IL" smtClean="0"/>
               <a:pPr/>
-              <a:t>ד'/כסלו/תשע"ז</a:t>
+              <a:t>ו'/כסלו/תשע"ז</a:t>
             </a:fld>
             <a:endParaRPr lang="he-IL"/>
           </a:p>
@@ -985,7 +985,7 @@
             <a:fld id="{A77FC5A8-C000-4ACE-838B-EAA86945B01D}" type="datetimeFigureOut">
               <a:rPr lang="he-IL" smtClean="0"/>
               <a:pPr/>
-              <a:t>ד'/כסלו/תשע"ז</a:t>
+              <a:t>ו'/כסלו/תשע"ז</a:t>
             </a:fld>
             <a:endParaRPr lang="he-IL"/>
           </a:p>
@@ -1152,7 +1152,7 @@
             <a:fld id="{A77FC5A8-C000-4ACE-838B-EAA86945B01D}" type="datetimeFigureOut">
               <a:rPr lang="he-IL" smtClean="0"/>
               <a:pPr/>
-              <a:t>ד'/כסלו/תשע"ז</a:t>
+              <a:t>ו'/כסלו/תשע"ז</a:t>
             </a:fld>
             <a:endParaRPr lang="he-IL"/>
           </a:p>
@@ -1395,7 +1395,7 @@
             <a:fld id="{A77FC5A8-C000-4ACE-838B-EAA86945B01D}" type="datetimeFigureOut">
               <a:rPr lang="he-IL" smtClean="0"/>
               <a:pPr/>
-              <a:t>ד'/כסלו/תשע"ז</a:t>
+              <a:t>ו'/כסלו/תשע"ז</a:t>
             </a:fld>
             <a:endParaRPr lang="he-IL"/>
           </a:p>
@@ -1680,7 +1680,7 @@
             <a:fld id="{A77FC5A8-C000-4ACE-838B-EAA86945B01D}" type="datetimeFigureOut">
               <a:rPr lang="he-IL" smtClean="0"/>
               <a:pPr/>
-              <a:t>ד'/כסלו/תשע"ז</a:t>
+              <a:t>ו'/כסלו/תשע"ז</a:t>
             </a:fld>
             <a:endParaRPr lang="he-IL"/>
           </a:p>
@@ -2099,7 +2099,7 @@
             <a:fld id="{A77FC5A8-C000-4ACE-838B-EAA86945B01D}" type="datetimeFigureOut">
               <a:rPr lang="he-IL" smtClean="0"/>
               <a:pPr/>
-              <a:t>ד'/כסלו/תשע"ז</a:t>
+              <a:t>ו'/כסלו/תשע"ז</a:t>
             </a:fld>
             <a:endParaRPr lang="he-IL"/>
           </a:p>
@@ -2214,7 +2214,7 @@
             <a:fld id="{A77FC5A8-C000-4ACE-838B-EAA86945B01D}" type="datetimeFigureOut">
               <a:rPr lang="he-IL" smtClean="0"/>
               <a:pPr/>
-              <a:t>ד'/כסלו/תשע"ז</a:t>
+              <a:t>ו'/כסלו/תשע"ז</a:t>
             </a:fld>
             <a:endParaRPr lang="he-IL"/>
           </a:p>
@@ -2306,7 +2306,7 @@
             <a:fld id="{A77FC5A8-C000-4ACE-838B-EAA86945B01D}" type="datetimeFigureOut">
               <a:rPr lang="he-IL" smtClean="0"/>
               <a:pPr/>
-              <a:t>ד'/כסלו/תשע"ז</a:t>
+              <a:t>ו'/כסלו/תשע"ז</a:t>
             </a:fld>
             <a:endParaRPr lang="he-IL"/>
           </a:p>
@@ -2580,7 +2580,7 @@
             <a:fld id="{A77FC5A8-C000-4ACE-838B-EAA86945B01D}" type="datetimeFigureOut">
               <a:rPr lang="he-IL" smtClean="0"/>
               <a:pPr/>
-              <a:t>ד'/כסלו/תשע"ז</a:t>
+              <a:t>ו'/כסלו/תשע"ז</a:t>
             </a:fld>
             <a:endParaRPr lang="he-IL"/>
           </a:p>
@@ -2830,7 +2830,7 @@
             <a:fld id="{A77FC5A8-C000-4ACE-838B-EAA86945B01D}" type="datetimeFigureOut">
               <a:rPr lang="he-IL" smtClean="0"/>
               <a:pPr/>
-              <a:t>ד'/כסלו/תשע"ז</a:t>
+              <a:t>ו'/כסלו/תשע"ז</a:t>
             </a:fld>
             <a:endParaRPr lang="he-IL"/>
           </a:p>
@@ -3049,7 +3049,7 @@
             <a:fld id="{A77FC5A8-C000-4ACE-838B-EAA86945B01D}" type="datetimeFigureOut">
               <a:rPr lang="he-IL" smtClean="0"/>
               <a:pPr/>
-              <a:t>ד'/כסלו/תשע"ז</a:t>
+              <a:t>ו'/כסלו/תשע"ז</a:t>
             </a:fld>
             <a:endParaRPr lang="he-IL"/>
           </a:p>
@@ -6930,7 +6930,7 @@
           <a:blip r:embed="rId2" cstate="print">
             <a:extLst>
               <a:ext uri="{28A0092B-C50C-407E-A947-70E740481C1C}">
-                <a14:useLocalDpi xmlns:lc="http://schemas.openxmlformats.org/drawingml/2006/lockedCanvas" xmlns:pic="http://schemas.openxmlformats.org/drawingml/2006/picture" xmlns:a14="http://schemas.microsoft.com/office/drawing/2010/main" xmlns:wps="http://schemas.microsoft.com/office/word/2010/wordprocessingShape" xmlns:wne="http://schemas.microsoft.com/office/word/2006/wordml" xmlns:wpi="http://schemas.microsoft.com/office/word/2010/wordprocessingInk" xmlns:wpg="http://schemas.microsoft.com/office/word/2010/wordprocessingGroup" xmlns:w15="http://schemas.microsoft.com/office/word/2012/wordml" xmlns:w14="http://schemas.microsoft.com/office/word/2010/wordml" xmlns:w="http://schemas.openxmlformats.org/wordprocessingml/2006/main" xmlns:w10="urn:schemas-microsoft-com:office:word" xmlns:wp="http://schemas.openxmlformats.org/drawingml/2006/wordprocessingDrawing" xmlns:wp14="http://schemas.microsoft.com/office/word/2010/wordprocessingDrawing" xmlns:v="urn:schemas-microsoft-com:vml" xmlns:m="http://schemas.openxmlformats.org/officeDocument/2006/math" xmlns:o="urn:schemas-microsoft-com:office:office" xmlns:mc="http://schemas.openxmlformats.org/markup-compatibility/2006" xmlns:wpc="http://schemas.microsoft.com/office/word/2010/wordprocessingCanvas" xmlns="" val="0"/>
+                <a14:useLocalDpi xmlns="" xmlns:wpc="http://schemas.microsoft.com/office/word/2010/wordprocessingCanvas" xmlns:mc="http://schemas.openxmlformats.org/markup-compatibility/2006" xmlns:o="urn:schemas-microsoft-com:office:office" xmlns:m="http://schemas.openxmlformats.org/officeDocument/2006/math" xmlns:v="urn:schemas-microsoft-com:vml" xmlns:wp14="http://schemas.microsoft.com/office/word/2010/wordprocessingDrawing" xmlns:wp="http://schemas.openxmlformats.org/drawingml/2006/wordprocessingDrawing" xmlns:w10="urn:schemas-microsoft-com:office:word" xmlns:w="http://schemas.openxmlformats.org/wordprocessingml/2006/main" xmlns:w14="http://schemas.microsoft.com/office/word/2010/wordml" xmlns:w15="http://schemas.microsoft.com/office/word/2012/wordml" xmlns:wpg="http://schemas.microsoft.com/office/word/2010/wordprocessingGroup" xmlns:wpi="http://schemas.microsoft.com/office/word/2010/wordprocessingInk" xmlns:wne="http://schemas.microsoft.com/office/word/2006/wordml" xmlns:wps="http://schemas.microsoft.com/office/word/2010/wordprocessingShape" xmlns:a14="http://schemas.microsoft.com/office/drawing/2010/main" xmlns:pic="http://schemas.openxmlformats.org/drawingml/2006/picture" xmlns:lc="http://schemas.openxmlformats.org/drawingml/2006/lockedCanvas" val="0"/>
               </a:ext>
             </a:extLst>
           </a:blip>
@@ -7025,29 +7025,8 @@
             </a:pPr>
             <a:r>
               <a:rPr lang="he-IL" sz="2400" b="1" dirty="0" smtClean="0"/>
-              <a:t> כלי </a:t>
-            </a:r>
-            <a:r>
-              <a:rPr lang="he-IL" sz="2400" b="1" dirty="0" smtClean="0"/>
-              <a:t>המשמש גלגלי </a:t>
-            </a:r>
-            <a:r>
-              <a:rPr lang="he-IL" sz="2400" b="1" dirty="0" smtClean="0"/>
-              <a:t>עזר לתלמידים </a:t>
-            </a:r>
-            <a:r>
-              <a:rPr lang="he-IL" sz="2400" b="1" dirty="0" smtClean="0"/>
-              <a:t>לפיתוח </a:t>
-            </a:r>
-            <a:r>
-              <a:rPr lang="he-IL" sz="2400" b="1" dirty="0" smtClean="0"/>
-              <a:t>מיומנויות </a:t>
-            </a:r>
-            <a:r>
-              <a:rPr lang="he-IL" sz="2400" b="1" dirty="0" smtClean="0"/>
-              <a:t>כתיבה על ידי שימוש בתיבת כתיבה חכמה</a:t>
-            </a:r>
-            <a:endParaRPr lang="he-IL" sz="2400" b="1" dirty="0" smtClean="0"/>
+              <a:t> כלי המשמש גלגלי עזר לתלמידים לפיתוח מיומנויות כתיבה על ידי שימוש בתיבת כתיבה חכמה</a:t>
+            </a:r>
           </a:p>
           <a:p>
             <a:pPr>
@@ -7063,13 +7042,8 @@
             </a:pPr>
             <a:r>
               <a:rPr lang="he-IL" sz="2400" b="1" dirty="0" smtClean="0"/>
-              <a:t> </a:t>
-            </a:r>
-            <a:r>
-              <a:rPr lang="he-IL" sz="2400" b="1" dirty="0" smtClean="0"/>
-              <a:t>כלי ידידותי המספק חווית למידה על ידי משחקי למידה, הקראת טקסטים וליווי בכתיבת מטלות</a:t>
-            </a:r>
-            <a:endParaRPr lang="he-IL" sz="2400" b="1" dirty="0" smtClean="0"/>
+              <a:t> כלי ידידותי המספק חווית למידה על ידי משחקי למידה, הקראת טקסטים וליווי בכתיבת מטלות</a:t>
+            </a:r>
           </a:p>
           <a:p>
             <a:pPr>
@@ -7085,37 +7059,8 @@
             </a:pPr>
             <a:r>
               <a:rPr lang="he-IL" sz="2400" b="1" dirty="0" smtClean="0"/>
-              <a:t> </a:t>
-            </a:r>
-            <a:r>
-              <a:rPr lang="he-IL" sz="2400" b="1" dirty="0" smtClean="0"/>
-              <a:t>כלי המייעל </a:t>
-            </a:r>
-            <a:r>
-              <a:rPr lang="he-IL" sz="2400" b="1" dirty="0" smtClean="0"/>
-              <a:t>את ה</a:t>
-            </a:r>
-            <a:r>
-              <a:rPr lang="he-IL" sz="2400" b="1" dirty="0" smtClean="0"/>
-              <a:t>אינטרקציה </a:t>
-            </a:r>
-            <a:r>
-              <a:rPr lang="he-IL" sz="2400" b="1" dirty="0" smtClean="0"/>
-              <a:t>בין </a:t>
-            </a:r>
-            <a:r>
-              <a:rPr lang="he-IL" sz="2400" b="1" dirty="0" smtClean="0"/>
-              <a:t>המורה לתלמידים </a:t>
-            </a:r>
-            <a:r>
-              <a:rPr lang="he-IL" sz="2400" b="1" dirty="0" smtClean="0"/>
-              <a:t>בעזרת יכולות אנליזה </a:t>
-            </a:r>
-            <a:r>
-              <a:rPr lang="he-IL" sz="2400" b="1" dirty="0" smtClean="0"/>
-              <a:t>ומעקב אחר התקדמות התלמידים</a:t>
-            </a:r>
-            <a:endParaRPr lang="he-IL" sz="2400" b="1" dirty="0" smtClean="0"/>
+              <a:t> כלי המייעל את האינטרקציה בין המורה לתלמידים בעזרת יכולות אנליזה ומעקב אחר התקדמות התלמידים</a:t>
+            </a:r>
           </a:p>
           <a:p>
             <a:endParaRPr lang="en-US" sz="2400" b="1" dirty="0"/>
@@ -7201,62 +7146,7 @@
                   </a:outerShdw>
                 </a:effectLst>
               </a:rPr>
-              <a:t>רקע </a:t>
-            </a:r>
-            <a:r>
-              <a:rPr lang="he-IL" sz="5400" b="1" cap="none" spc="0" dirty="0" smtClean="0">
-                <a:ln w="17780" cmpd="sng">
-                  <a:solidFill>
-                    <a:srgbClr val="FFFFFF"/>
-                  </a:solidFill>
-                  <a:prstDash val="solid"/>
-                  <a:miter lim="800000"/>
-                </a:ln>
-                <a:gradFill rotWithShape="1">
-                  <a:gsLst>
-                    <a:gs pos="0">
-                      <a:srgbClr val="000000">
-                        <a:tint val="92000"/>
-                        <a:shade val="100000"/>
-                        <a:satMod val="150000"/>
-                      </a:srgbClr>
-                    </a:gs>
-                    <a:gs pos="49000">
-                      <a:srgbClr val="000000">
-                        <a:tint val="89000"/>
-                        <a:shade val="90000"/>
-                        <a:satMod val="150000"/>
-                      </a:srgbClr>
-                    </a:gs>
-                    <a:gs pos="50000">
-                      <a:srgbClr val="000000">
-                        <a:tint val="100000"/>
-                        <a:shade val="75000"/>
-                        <a:satMod val="150000"/>
-                      </a:srgbClr>
-                    </a:gs>
-                    <a:gs pos="95000">
-                      <a:srgbClr val="000000">
-                        <a:shade val="47000"/>
-                        <a:satMod val="150000"/>
-                      </a:srgbClr>
-                    </a:gs>
-                    <a:gs pos="100000">
-                      <a:srgbClr val="000000">
-                        <a:shade val="39000"/>
-                        <a:satMod val="150000"/>
-                      </a:srgbClr>
-                    </a:gs>
-                  </a:gsLst>
-                  <a:lin ang="5400000"/>
-                </a:gradFill>
-                <a:effectLst>
-                  <a:outerShdw blurRad="50800" algn="tl" rotWithShape="0">
-                    <a:srgbClr val="000000"/>
-                  </a:outerShdw>
-                </a:effectLst>
-              </a:rPr>
-              <a:t>כללי</a:t>
+              <a:t>רקע כללי</a:t>
             </a:r>
             <a:endParaRPr lang="he-IL" sz="5400" b="1" cap="none" spc="0" dirty="0">
               <a:ln w="17780" cmpd="sng">
@@ -10872,13 +10762,8 @@
             </a:pPr>
             <a:r>
               <a:rPr lang="he-IL" sz="2400" b="1" dirty="0" smtClean="0"/>
-              <a:t> </a:t>
-            </a:r>
-            <a:r>
-              <a:rPr lang="he-IL" sz="2400" b="1" dirty="0" smtClean="0"/>
-              <a:t>פיתוח שיטת לימוד מודרנית ויעילה לפיתוח מהיר ואפקטיבי של מיומנויות כתיבה</a:t>
-            </a:r>
-            <a:endParaRPr lang="he-IL" sz="2400" b="1" dirty="0" smtClean="0"/>
+              <a:t> פיתוח שיטת לימוד מודרנית ויעילה לפיתוח מהיר ואפקטיבי של מיומנויות כתיבה</a:t>
+            </a:r>
           </a:p>
           <a:p>
             <a:pPr>
@@ -10894,13 +10779,8 @@
             </a:pPr>
             <a:r>
               <a:rPr lang="he-IL" sz="2400" b="1" dirty="0" smtClean="0"/>
-              <a:t> </a:t>
-            </a:r>
-            <a:r>
-              <a:rPr lang="he-IL" sz="2400" b="1" dirty="0" smtClean="0"/>
-              <a:t>פיתוח שיטת לימוד אטרקטיבית וידידותית לתלמידים שמעצימה את חווית הלמידה</a:t>
-            </a:r>
-            <a:endParaRPr lang="he-IL" sz="2400" b="1" dirty="0" smtClean="0"/>
+              <a:t> פיתוח שיטת לימוד אטרקטיבית וידידותית לתלמידים שמעצימה את חווית הלמידה</a:t>
+            </a:r>
           </a:p>
           <a:p>
             <a:pPr>
@@ -10920,11 +10800,7 @@
             </a:r>
             <a:r>
               <a:rPr lang="he-IL" sz="2400" b="1" dirty="0" smtClean="0"/>
-              <a:t>הבאת התלמידים</a:t>
-            </a:r>
-            <a:r>
-              <a:rPr lang="he-IL" sz="2400" b="1" dirty="0" smtClean="0"/>
-              <a:t> לרמה גבוהה של כתיבה שתפתח דלת לאפשרויות רבות ולמימוש עצמי</a:t>
+              <a:t>הבאת התלמידים לרמה גבוהה של כתיבה שתפתח דלת לאפשרויות רבות ולמימוש עצמי</a:t>
             </a:r>
             <a:endParaRPr lang="he-IL" sz="2400" b="1" dirty="0"/>
           </a:p>
@@ -13388,11 +13264,7 @@
             </a:pPr>
             <a:r>
               <a:rPr lang="he-IL" sz="2400" b="1" dirty="0" smtClean="0"/>
-              <a:t> </a:t>
-            </a:r>
-            <a:r>
-              <a:rPr lang="he-IL" sz="2400" b="1" dirty="0" smtClean="0"/>
-              <a:t>מחקר קיים על תחום מיומנויות הכתיבה והלמידה</a:t>
+              <a:t> מחקר קיים על תחום מיומנויות הכתיבה והלמידה</a:t>
             </a:r>
           </a:p>
           <a:p>
@@ -13476,11 +13348,7 @@
             </a:pPr>
             <a:r>
               <a:rPr lang="he-IL" sz="2400" b="1" dirty="0" smtClean="0"/>
-              <a:t> דיאגרמת מידע של צד </a:t>
-            </a:r>
-            <a:r>
-              <a:rPr lang="he-IL" sz="2400" b="1" dirty="0" smtClean="0"/>
-              <a:t>השרת (</a:t>
+              <a:t> דיאגרמת מידע של צד השרת (</a:t>
             </a:r>
             <a:r>
               <a:rPr lang="en-US" sz="2400" b="1" dirty="0" smtClean="0"/>
@@ -13711,11 +13579,7 @@
             </a:pPr>
             <a:r>
               <a:rPr lang="he-IL" sz="2400" b="1" dirty="0" smtClean="0"/>
-              <a:t> </a:t>
-            </a:r>
-            <a:r>
-              <a:rPr lang="he-IL" sz="2400" b="1" dirty="0" smtClean="0"/>
-              <a:t>התממשקות למערכות חיצוניות:</a:t>
+              <a:t> התממשקות למערכות חיצוניות:</a:t>
             </a:r>
           </a:p>
           <a:p>
@@ -13749,11 +13613,7 @@
             </a:pPr>
             <a:r>
               <a:rPr lang="he-IL" sz="2400" b="1" dirty="0" smtClean="0"/>
-              <a:t> </a:t>
-            </a:r>
-            <a:r>
-              <a:rPr lang="he-IL" sz="2400" b="1" dirty="0" smtClean="0"/>
-              <a:t>משחקי </a:t>
+              <a:t> משחקי </a:t>
             </a:r>
             <a:r>
               <a:rPr lang="en-US" sz="2400" b="1" dirty="0" smtClean="0"/>
@@ -13763,7 +13623,6 @@
               <a:rPr lang="he-IL" sz="2400" b="1" dirty="0" smtClean="0"/>
               <a:t> חיצוניים (לצורכי מעקב אחר צבירת נקודות)</a:t>
             </a:r>
-            <a:endParaRPr lang="he-IL" sz="2400" b="1" dirty="0" smtClean="0"/>
           </a:p>
         </p:txBody>
       </p:sp>
@@ -14142,6 +14001,99 @@
                 </a:outerShdw>
               </a:effectLst>
             </a:endParaRPr>
+          </a:p>
+        </p:txBody>
+      </p:sp>
+      <p:sp>
+        <p:nvSpPr>
+          <p:cNvPr id="6" name="TextBox 5"/>
+          <p:cNvSpPr txBox="1"/>
+          <p:nvPr/>
+        </p:nvSpPr>
+        <p:spPr>
+          <a:xfrm>
+            <a:off x="539552" y="2636912"/>
+            <a:ext cx="7858180" cy="3785652"/>
+          </a:xfrm>
+          <a:prstGeom prst="rect">
+            <a:avLst/>
+          </a:prstGeom>
+          <a:noFill/>
+        </p:spPr>
+        <p:txBody>
+          <a:bodyPr wrap="square" rtlCol="1">
+            <a:spAutoFit/>
+          </a:bodyPr>
+          <a:lstStyle/>
+          <a:p>
+            <a:pPr>
+              <a:buFont typeface="Arial" pitchFamily="34" charset="0"/>
+              <a:buChar char="•"/>
+            </a:pPr>
+            <a:r>
+              <a:rPr lang="he-IL" sz="2400" b="1" dirty="0" smtClean="0"/>
+              <a:t> </a:t>
+            </a:r>
+            <a:r>
+              <a:rPr lang="he-IL" sz="2400" b="1" dirty="0" smtClean="0"/>
+              <a:t>ליקויי כתיבה גורמים פער משמעותי בין הכתיבה לבין מיומנויות אחרות, כגון חשיבה, היזכרות ויכולת-הניסוח</a:t>
+            </a:r>
+            <a:r>
+              <a:rPr lang="he-IL" sz="2400" b="1" dirty="0" smtClean="0"/>
+              <a:t>.</a:t>
+            </a:r>
+          </a:p>
+          <a:p>
+            <a:pPr>
+              <a:buFont typeface="Arial" pitchFamily="34" charset="0"/>
+              <a:buChar char="•"/>
+            </a:pPr>
+            <a:endParaRPr lang="he-IL" sz="2400" b="1" dirty="0"/>
+          </a:p>
+          <a:p>
+            <a:pPr>
+              <a:buFont typeface="Arial" pitchFamily="34" charset="0"/>
+              <a:buChar char="•"/>
+            </a:pPr>
+            <a:r>
+              <a:rPr lang="he-IL" sz="2400" b="1" dirty="0" smtClean="0"/>
+              <a:t> </a:t>
+            </a:r>
+            <a:r>
+              <a:rPr lang="he-IL" sz="2400" b="1" dirty="0" smtClean="0"/>
+              <a:t>ליקויי כתיבה </a:t>
+            </a:r>
+            <a:r>
+              <a:rPr lang="he-IL" sz="2400" b="1" dirty="0" smtClean="0"/>
+              <a:t>מנמיכים את התיפקוד במבחנים בכתב, וכאשר הם משמעותיים, הם אינם מאפשרים לכותב להפגין את הידע והיכולת האמיתיים שלו באמצעות </a:t>
+            </a:r>
+            <a:r>
+              <a:rPr lang="he-IL" sz="2400" b="1" dirty="0" smtClean="0"/>
+              <a:t>הכתיבה.</a:t>
+            </a:r>
+            <a:endParaRPr lang="he-IL" sz="2400" b="1" dirty="0" smtClean="0"/>
+          </a:p>
+          <a:p>
+            <a:pPr>
+              <a:buFont typeface="Arial" pitchFamily="34" charset="0"/>
+              <a:buChar char="•"/>
+            </a:pPr>
+            <a:endParaRPr lang="he-IL" sz="2400" b="1" dirty="0"/>
+          </a:p>
+          <a:p>
+            <a:pPr>
+              <a:buFont typeface="Arial" pitchFamily="34" charset="0"/>
+              <a:buChar char="•"/>
+            </a:pPr>
+            <a:r>
+              <a:rPr lang="he-IL" sz="2400" b="1" dirty="0"/>
+              <a:t> </a:t>
+            </a:r>
+            <a:r>
+              <a:rPr lang="he-IL" sz="2400" b="1" dirty="0" smtClean="0"/>
+              <a:t>ניתן לשפר את מיומנות הכתיבה על ידי מתן אסטרטגיות כתיבה וטיפים לכתיבה שימושית, בין אם כתיבה בהבעת עמדה ובין אם תשובה לגבי שאלה ספציפית.</a:t>
+            </a:r>
+            <a:endParaRPr lang="he-IL" sz="2400" b="1" dirty="0"/>
           </a:p>
         </p:txBody>
       </p:sp>
@@ -16019,11 +15971,7 @@
             </a:pPr>
             <a:r>
               <a:rPr lang="he-IL" sz="2400" b="1" dirty="0" smtClean="0"/>
-              <a:t> </a:t>
-            </a:r>
-            <a:r>
-              <a:rPr lang="he-IL" sz="2400" b="1" dirty="0" smtClean="0"/>
-              <a:t>הקראת טקסטים בקול</a:t>
+              <a:t> הקראת טקסטים בקול</a:t>
             </a:r>
           </a:p>
           <a:p>
@@ -16057,11 +16005,7 @@
             </a:pPr>
             <a:r>
               <a:rPr lang="he-IL" sz="2400" b="1" dirty="0" smtClean="0"/>
-              <a:t> </a:t>
-            </a:r>
-            <a:r>
-              <a:rPr lang="he-IL" sz="2400" b="1" dirty="0" smtClean="0"/>
-              <a:t>הצגת מילים נרדפות להעשרת הכתיבה</a:t>
+              <a:t> הצגת מילים נרדפות להעשרת הכתיבה</a:t>
             </a:r>
           </a:p>
           <a:p>
@@ -16322,11 +16266,7 @@
             </a:pPr>
             <a:r>
               <a:rPr lang="he-IL" sz="2400" b="1" dirty="0" smtClean="0"/>
-              <a:t> </a:t>
-            </a:r>
-            <a:r>
-              <a:rPr lang="he-IL" sz="2400" b="1" dirty="0" smtClean="0"/>
-              <a:t>ממשקי משתמש בעברית</a:t>
+              <a:t> ממשקי משתמש בעברית</a:t>
             </a:r>
           </a:p>
           <a:p>
@@ -16382,11 +16322,7 @@
             </a:pPr>
             <a:r>
               <a:rPr lang="he-IL" sz="2400" b="1" dirty="0" smtClean="0"/>
-              <a:t> </a:t>
-            </a:r>
-            <a:r>
-              <a:rPr lang="he-IL" sz="2400" b="1" dirty="0" smtClean="0"/>
-              <a:t>תמיכה בכמות גדולה של משתמשים בו-זמנית</a:t>
+              <a:t> תמיכה בכמות גדולה של משתמשים בו-זמנית</a:t>
             </a:r>
           </a:p>
           <a:p>

--- a/מצגת לסמינר/מצגת הפרויקט.pptx
+++ b/מצגת לסמינר/מצגת הפרויקט.pptx
@@ -6,45 +6,49 @@
   </p:sldMasterIdLst>
   <p:sldIdLst>
     <p:sldId id="256" r:id="rId2"/>
-    <p:sldId id="285" r:id="rId3"/>
+    <p:sldId id="289" r:id="rId3"/>
     <p:sldId id="286" r:id="rId4"/>
-    <p:sldId id="289" r:id="rId5"/>
+    <p:sldId id="285" r:id="rId5"/>
     <p:sldId id="287" r:id="rId6"/>
-    <p:sldId id="288" r:id="rId7"/>
-    <p:sldId id="294" r:id="rId8"/>
-    <p:sldId id="295" r:id="rId9"/>
-    <p:sldId id="257" r:id="rId10"/>
-    <p:sldId id="258" r:id="rId11"/>
-    <p:sldId id="259" r:id="rId12"/>
-    <p:sldId id="260" r:id="rId13"/>
-    <p:sldId id="261" r:id="rId14"/>
-    <p:sldId id="262" r:id="rId15"/>
-    <p:sldId id="263" r:id="rId16"/>
-    <p:sldId id="264" r:id="rId17"/>
-    <p:sldId id="265" r:id="rId18"/>
-    <p:sldId id="266" r:id="rId19"/>
-    <p:sldId id="267" r:id="rId20"/>
-    <p:sldId id="268" r:id="rId21"/>
-    <p:sldId id="269" r:id="rId22"/>
-    <p:sldId id="270" r:id="rId23"/>
-    <p:sldId id="271" r:id="rId24"/>
-    <p:sldId id="272" r:id="rId25"/>
-    <p:sldId id="273" r:id="rId26"/>
-    <p:sldId id="274" r:id="rId27"/>
-    <p:sldId id="275" r:id="rId28"/>
-    <p:sldId id="276" r:id="rId29"/>
-    <p:sldId id="277" r:id="rId30"/>
-    <p:sldId id="278" r:id="rId31"/>
-    <p:sldId id="279" r:id="rId32"/>
-    <p:sldId id="280" r:id="rId33"/>
-    <p:sldId id="281" r:id="rId34"/>
-    <p:sldId id="282" r:id="rId35"/>
-    <p:sldId id="283" r:id="rId36"/>
-    <p:sldId id="284" r:id="rId37"/>
-    <p:sldId id="291" r:id="rId38"/>
-    <p:sldId id="292" r:id="rId39"/>
-    <p:sldId id="293" r:id="rId40"/>
-    <p:sldId id="290" r:id="rId41"/>
+    <p:sldId id="296" r:id="rId7"/>
+    <p:sldId id="297" r:id="rId8"/>
+    <p:sldId id="298" r:id="rId9"/>
+    <p:sldId id="299" r:id="rId10"/>
+    <p:sldId id="295" r:id="rId11"/>
+    <p:sldId id="257" r:id="rId12"/>
+    <p:sldId id="258" r:id="rId13"/>
+    <p:sldId id="259" r:id="rId14"/>
+    <p:sldId id="260" r:id="rId15"/>
+    <p:sldId id="261" r:id="rId16"/>
+    <p:sldId id="262" r:id="rId17"/>
+    <p:sldId id="263" r:id="rId18"/>
+    <p:sldId id="264" r:id="rId19"/>
+    <p:sldId id="265" r:id="rId20"/>
+    <p:sldId id="266" r:id="rId21"/>
+    <p:sldId id="267" r:id="rId22"/>
+    <p:sldId id="268" r:id="rId23"/>
+    <p:sldId id="269" r:id="rId24"/>
+    <p:sldId id="270" r:id="rId25"/>
+    <p:sldId id="271" r:id="rId26"/>
+    <p:sldId id="272" r:id="rId27"/>
+    <p:sldId id="273" r:id="rId28"/>
+    <p:sldId id="274" r:id="rId29"/>
+    <p:sldId id="275" r:id="rId30"/>
+    <p:sldId id="276" r:id="rId31"/>
+    <p:sldId id="277" r:id="rId32"/>
+    <p:sldId id="278" r:id="rId33"/>
+    <p:sldId id="279" r:id="rId34"/>
+    <p:sldId id="280" r:id="rId35"/>
+    <p:sldId id="281" r:id="rId36"/>
+    <p:sldId id="282" r:id="rId37"/>
+    <p:sldId id="283" r:id="rId38"/>
+    <p:sldId id="284" r:id="rId39"/>
+    <p:sldId id="288" r:id="rId40"/>
+    <p:sldId id="294" r:id="rId41"/>
+    <p:sldId id="291" r:id="rId42"/>
+    <p:sldId id="292" r:id="rId43"/>
+    <p:sldId id="293" r:id="rId44"/>
+    <p:sldId id="290" r:id="rId45"/>
   </p:sldIdLst>
   <p:sldSz cx="9144000" cy="6858000" type="screen4x3"/>
   <p:notesSz cx="6858000" cy="9144000"/>
@@ -409,24 +413,24 @@
           </c:val>
         </c:ser>
         <c:marker val="1"/>
-        <c:axId val="99111296"/>
-        <c:axId val="99112832"/>
+        <c:axId val="94413184"/>
+        <c:axId val="94414720"/>
       </c:lineChart>
       <c:catAx>
-        <c:axId val="99111296"/>
+        <c:axId val="94413184"/>
         <c:scaling>
           <c:orientation val="minMax"/>
         </c:scaling>
         <c:axPos val="b"/>
         <c:tickLblPos val="nextTo"/>
-        <c:crossAx val="99112832"/>
+        <c:crossAx val="94414720"/>
         <c:crosses val="autoZero"/>
         <c:auto val="1"/>
         <c:lblAlgn val="ctr"/>
         <c:lblOffset val="100"/>
       </c:catAx>
       <c:valAx>
-        <c:axId val="99112832"/>
+        <c:axId val="94414720"/>
         <c:scaling>
           <c:orientation val="minMax"/>
         </c:scaling>
@@ -434,7 +438,7 @@
         <c:majorGridlines/>
         <c:numFmt formatCode="General" sourceLinked="1"/>
         <c:tickLblPos val="nextTo"/>
-        <c:crossAx val="99111296"/>
+        <c:crossAx val="94413184"/>
         <c:crosses val="autoZero"/>
         <c:crossBetween val="between"/>
       </c:valAx>
@@ -641,7 +645,7 @@
             <a:fld id="{A77FC5A8-C000-4ACE-838B-EAA86945B01D}" type="datetimeFigureOut">
               <a:rPr lang="he-IL" smtClean="0"/>
               <a:pPr/>
-              <a:t>ו'/כסלו/תשע"ז</a:t>
+              <a:t>י'/כסלו/תשע"ז</a:t>
             </a:fld>
             <a:endParaRPr lang="he-IL"/>
           </a:p>
@@ -808,7 +812,7 @@
             <a:fld id="{A77FC5A8-C000-4ACE-838B-EAA86945B01D}" type="datetimeFigureOut">
               <a:rPr lang="he-IL" smtClean="0"/>
               <a:pPr/>
-              <a:t>ו'/כסלו/תשע"ז</a:t>
+              <a:t>י'/כסלו/תשע"ז</a:t>
             </a:fld>
             <a:endParaRPr lang="he-IL"/>
           </a:p>
@@ -985,7 +989,7 @@
             <a:fld id="{A77FC5A8-C000-4ACE-838B-EAA86945B01D}" type="datetimeFigureOut">
               <a:rPr lang="he-IL" smtClean="0"/>
               <a:pPr/>
-              <a:t>ו'/כסלו/תשע"ז</a:t>
+              <a:t>י'/כסלו/תשע"ז</a:t>
             </a:fld>
             <a:endParaRPr lang="he-IL"/>
           </a:p>
@@ -1152,7 +1156,7 @@
             <a:fld id="{A77FC5A8-C000-4ACE-838B-EAA86945B01D}" type="datetimeFigureOut">
               <a:rPr lang="he-IL" smtClean="0"/>
               <a:pPr/>
-              <a:t>ו'/כסלו/תשע"ז</a:t>
+              <a:t>י'/כסלו/תשע"ז</a:t>
             </a:fld>
             <a:endParaRPr lang="he-IL"/>
           </a:p>
@@ -1395,7 +1399,7 @@
             <a:fld id="{A77FC5A8-C000-4ACE-838B-EAA86945B01D}" type="datetimeFigureOut">
               <a:rPr lang="he-IL" smtClean="0"/>
               <a:pPr/>
-              <a:t>ו'/כסלו/תשע"ז</a:t>
+              <a:t>י'/כסלו/תשע"ז</a:t>
             </a:fld>
             <a:endParaRPr lang="he-IL"/>
           </a:p>
@@ -1680,7 +1684,7 @@
             <a:fld id="{A77FC5A8-C000-4ACE-838B-EAA86945B01D}" type="datetimeFigureOut">
               <a:rPr lang="he-IL" smtClean="0"/>
               <a:pPr/>
-              <a:t>ו'/כסלו/תשע"ז</a:t>
+              <a:t>י'/כסלו/תשע"ז</a:t>
             </a:fld>
             <a:endParaRPr lang="he-IL"/>
           </a:p>
@@ -2099,7 +2103,7 @@
             <a:fld id="{A77FC5A8-C000-4ACE-838B-EAA86945B01D}" type="datetimeFigureOut">
               <a:rPr lang="he-IL" smtClean="0"/>
               <a:pPr/>
-              <a:t>ו'/כסלו/תשע"ז</a:t>
+              <a:t>י'/כסלו/תשע"ז</a:t>
             </a:fld>
             <a:endParaRPr lang="he-IL"/>
           </a:p>
@@ -2214,7 +2218,7 @@
             <a:fld id="{A77FC5A8-C000-4ACE-838B-EAA86945B01D}" type="datetimeFigureOut">
               <a:rPr lang="he-IL" smtClean="0"/>
               <a:pPr/>
-              <a:t>ו'/כסלו/תשע"ז</a:t>
+              <a:t>י'/כסלו/תשע"ז</a:t>
             </a:fld>
             <a:endParaRPr lang="he-IL"/>
           </a:p>
@@ -2306,7 +2310,7 @@
             <a:fld id="{A77FC5A8-C000-4ACE-838B-EAA86945B01D}" type="datetimeFigureOut">
               <a:rPr lang="he-IL" smtClean="0"/>
               <a:pPr/>
-              <a:t>ו'/כסלו/תשע"ז</a:t>
+              <a:t>י'/כסלו/תשע"ז</a:t>
             </a:fld>
             <a:endParaRPr lang="he-IL"/>
           </a:p>
@@ -2580,7 +2584,7 @@
             <a:fld id="{A77FC5A8-C000-4ACE-838B-EAA86945B01D}" type="datetimeFigureOut">
               <a:rPr lang="he-IL" smtClean="0"/>
               <a:pPr/>
-              <a:t>ו'/כסלו/תשע"ז</a:t>
+              <a:t>י'/כסלו/תשע"ז</a:t>
             </a:fld>
             <a:endParaRPr lang="he-IL"/>
           </a:p>
@@ -2830,7 +2834,7 @@
             <a:fld id="{A77FC5A8-C000-4ACE-838B-EAA86945B01D}" type="datetimeFigureOut">
               <a:rPr lang="he-IL" smtClean="0"/>
               <a:pPr/>
-              <a:t>ו'/כסלו/תשע"ז</a:t>
+              <a:t>י'/כסלו/תשע"ז</a:t>
             </a:fld>
             <a:endParaRPr lang="he-IL"/>
           </a:p>
@@ -3049,7 +3053,7 @@
             <a:fld id="{A77FC5A8-C000-4ACE-838B-EAA86945B01D}" type="datetimeFigureOut">
               <a:rPr lang="he-IL" smtClean="0"/>
               <a:pPr/>
-              <a:t>ו'/כסלו/תשע"ז</a:t>
+              <a:t>י'/כסלו/תשע"ז</a:t>
             </a:fld>
             <a:endParaRPr lang="he-IL"/>
           </a:p>
@@ -3514,7 +3518,7 @@
       </p:grpSpPr>
       <p:pic>
         <p:nvPicPr>
-          <p:cNvPr id="4" name="Picture 3" descr="1a.png"/>
+          <p:cNvPr id="4" name="תמונה 3" descr="2.png"/>
           <p:cNvPicPr>
             <a:picLocks noChangeAspect="1"/>
           </p:cNvPicPr>
@@ -3528,6 +3532,195 @@
         </p:blipFill>
         <p:spPr>
           <a:xfrm>
+            <a:off x="0" y="0"/>
+            <a:ext cx="2176813" cy="2355312"/>
+          </a:xfrm>
+          <a:prstGeom prst="rect">
+            <a:avLst/>
+          </a:prstGeom>
+        </p:spPr>
+      </p:pic>
+      <p:sp>
+        <p:nvSpPr>
+          <p:cNvPr id="3" name="מלבן 16"/>
+          <p:cNvSpPr/>
+          <p:nvPr/>
+        </p:nvSpPr>
+        <p:spPr>
+          <a:xfrm>
+            <a:off x="1691680" y="2636912"/>
+            <a:ext cx="6012160" cy="1754326"/>
+          </a:xfrm>
+          <a:prstGeom prst="rect">
+            <a:avLst/>
+          </a:prstGeom>
+          <a:noFill/>
+        </p:spPr>
+        <p:txBody>
+          <a:bodyPr wrap="square" lIns="91440" tIns="45720" rIns="91440" bIns="45720">
+            <a:spAutoFit/>
+          </a:bodyPr>
+          <a:lstStyle/>
+          <a:p>
+            <a:pPr algn="ctr"/>
+            <a:r>
+              <a:rPr lang="he-IL" sz="5400" b="1" cap="none" spc="0" dirty="0" smtClean="0">
+                <a:ln w="17780" cmpd="sng">
+                  <a:solidFill>
+                    <a:srgbClr val="FFFFFF"/>
+                  </a:solidFill>
+                  <a:prstDash val="solid"/>
+                  <a:miter lim="800000"/>
+                </a:ln>
+                <a:gradFill rotWithShape="1">
+                  <a:gsLst>
+                    <a:gs pos="0">
+                      <a:srgbClr val="000000">
+                        <a:tint val="92000"/>
+                        <a:shade val="100000"/>
+                        <a:satMod val="150000"/>
+                      </a:srgbClr>
+                    </a:gs>
+                    <a:gs pos="49000">
+                      <a:srgbClr val="000000">
+                        <a:tint val="89000"/>
+                        <a:shade val="90000"/>
+                        <a:satMod val="150000"/>
+                      </a:srgbClr>
+                    </a:gs>
+                    <a:gs pos="50000">
+                      <a:srgbClr val="000000">
+                        <a:tint val="100000"/>
+                        <a:shade val="75000"/>
+                        <a:satMod val="150000"/>
+                      </a:srgbClr>
+                    </a:gs>
+                    <a:gs pos="95000">
+                      <a:srgbClr val="000000">
+                        <a:shade val="47000"/>
+                        <a:satMod val="150000"/>
+                      </a:srgbClr>
+                    </a:gs>
+                    <a:gs pos="100000">
+                      <a:srgbClr val="000000">
+                        <a:shade val="39000"/>
+                        <a:satMod val="150000"/>
+                      </a:srgbClr>
+                    </a:gs>
+                  </a:gsLst>
+                  <a:lin ang="5400000"/>
+                </a:gradFill>
+                <a:effectLst>
+                  <a:outerShdw blurRad="50800" algn="tl" rotWithShape="0">
+                    <a:srgbClr val="000000"/>
+                  </a:outerShdw>
+                </a:effectLst>
+              </a:rPr>
+              <a:t>אב-טיפוס והדגמת תרחישי שימוש</a:t>
+            </a:r>
+            <a:endParaRPr lang="he-IL" sz="5400" b="1" cap="none" spc="0" dirty="0">
+              <a:ln w="17780" cmpd="sng">
+                <a:solidFill>
+                  <a:srgbClr val="FFFFFF"/>
+                </a:solidFill>
+                <a:prstDash val="solid"/>
+                <a:miter lim="800000"/>
+              </a:ln>
+              <a:gradFill rotWithShape="1">
+                <a:gsLst>
+                  <a:gs pos="0">
+                    <a:srgbClr val="000000">
+                      <a:tint val="92000"/>
+                      <a:shade val="100000"/>
+                      <a:satMod val="150000"/>
+                    </a:srgbClr>
+                  </a:gs>
+                  <a:gs pos="49000">
+                    <a:srgbClr val="000000">
+                      <a:tint val="89000"/>
+                      <a:shade val="90000"/>
+                      <a:satMod val="150000"/>
+                    </a:srgbClr>
+                  </a:gs>
+                  <a:gs pos="50000">
+                    <a:srgbClr val="000000">
+                      <a:tint val="100000"/>
+                      <a:shade val="75000"/>
+                      <a:satMod val="150000"/>
+                    </a:srgbClr>
+                  </a:gs>
+                  <a:gs pos="95000">
+                    <a:srgbClr val="000000">
+                      <a:shade val="47000"/>
+                      <a:satMod val="150000"/>
+                    </a:srgbClr>
+                  </a:gs>
+                  <a:gs pos="100000">
+                    <a:srgbClr val="000000">
+                      <a:shade val="39000"/>
+                      <a:satMod val="150000"/>
+                    </a:srgbClr>
+                  </a:gs>
+                </a:gsLst>
+                <a:lin ang="5400000"/>
+              </a:gradFill>
+              <a:effectLst>
+                <a:outerShdw blurRad="50800" algn="tl" rotWithShape="0">
+                  <a:srgbClr val="000000"/>
+                </a:outerShdw>
+              </a:effectLst>
+            </a:endParaRPr>
+          </a:p>
+        </p:txBody>
+      </p:sp>
+    </p:spTree>
+  </p:cSld>
+  <p:clrMapOvr>
+    <a:masterClrMapping/>
+  </p:clrMapOvr>
+  <p:timing>
+    <p:tnLst>
+      <p:par>
+        <p:cTn id="1" dur="indefinite" restart="never" nodeType="tmRoot"/>
+      </p:par>
+    </p:tnLst>
+  </p:timing>
+</p:sld>
+</file>
+
+<file path=ppt/slides/slide11.xml><?xml version="1.0" encoding="utf-8"?>
+<p:sld xmlns:a="http://schemas.openxmlformats.org/drawingml/2006/main" xmlns:r="http://schemas.openxmlformats.org/officeDocument/2006/relationships" xmlns:p="http://schemas.openxmlformats.org/presentationml/2006/main">
+  <p:cSld>
+    <p:spTree>
+      <p:nvGrpSpPr>
+        <p:cNvPr id="1" name=""/>
+        <p:cNvGrpSpPr/>
+        <p:nvPr/>
+      </p:nvGrpSpPr>
+      <p:grpSpPr>
+        <a:xfrm>
+          <a:off x="0" y="0"/>
+          <a:ext cx="0" cy="0"/>
+          <a:chOff x="0" y="0"/>
+          <a:chExt cx="0" cy="0"/>
+        </a:xfrm>
+      </p:grpSpPr>
+      <p:pic>
+        <p:nvPicPr>
+          <p:cNvPr id="5" name="Picture 4" descr="1a.png"/>
+          <p:cNvPicPr>
+            <a:picLocks noChangeAspect="1"/>
+          </p:cNvPicPr>
+          <p:nvPr/>
+        </p:nvPicPr>
+        <p:blipFill>
+          <a:blip r:embed="rId2" cstate="print"/>
+          <a:stretch>
+            <a:fillRect/>
+          </a:stretch>
+        </p:blipFill>
+        <p:spPr>
+          <a:xfrm>
             <a:off x="2438400" y="0"/>
             <a:ext cx="4762500" cy="2743200"/>
           </a:xfrm>
@@ -3538,100 +3731,16 @@
       </p:pic>
       <p:sp>
         <p:nvSpPr>
-          <p:cNvPr id="5" name="Rounded Rectangle 4"/>
-          <p:cNvSpPr/>
-          <p:nvPr/>
-        </p:nvSpPr>
-        <p:spPr>
-          <a:xfrm>
-            <a:off x="2895600" y="2819400"/>
-            <a:ext cx="3352800" cy="685800"/>
+          <p:cNvPr id="6" name="Rounded Rectangle 5"/>
+          <p:cNvSpPr/>
+          <p:nvPr/>
+        </p:nvSpPr>
+        <p:spPr>
+          <a:xfrm>
+            <a:off x="990600" y="3124200"/>
+            <a:ext cx="2971800" cy="1752600"/>
           </a:xfrm>
           <a:prstGeom prst="roundRect">
-            <a:avLst/>
-          </a:prstGeom>
-        </p:spPr>
-        <p:style>
-          <a:lnRef idx="1">
-            <a:schemeClr val="accent3"/>
-          </a:lnRef>
-          <a:fillRef idx="2">
-            <a:schemeClr val="accent3"/>
-          </a:fillRef>
-          <a:effectRef idx="1">
-            <a:schemeClr val="accent3"/>
-          </a:effectRef>
-          <a:fontRef idx="minor">
-            <a:schemeClr val="dk1"/>
-          </a:fontRef>
-        </p:style>
-        <p:txBody>
-          <a:bodyPr rtlCol="1" anchor="ctr"/>
-          <a:lstStyle/>
-          <a:p>
-            <a:pPr algn="ctr"/>
-            <a:r>
-              <a:rPr lang="he-IL" sz="2400" dirty="0" smtClean="0"/>
-              <a:t>שם משתמש</a:t>
-            </a:r>
-            <a:endParaRPr lang="he-IL" sz="2400" dirty="0"/>
-          </a:p>
-        </p:txBody>
-      </p:sp>
-      <p:sp>
-        <p:nvSpPr>
-          <p:cNvPr id="6" name="Rounded Rectangle 5"/>
-          <p:cNvSpPr/>
-          <p:nvPr/>
-        </p:nvSpPr>
-        <p:spPr>
-          <a:xfrm>
-            <a:off x="2895600" y="3581400"/>
-            <a:ext cx="3352800" cy="685800"/>
-          </a:xfrm>
-          <a:prstGeom prst="roundRect">
-            <a:avLst/>
-          </a:prstGeom>
-        </p:spPr>
-        <p:style>
-          <a:lnRef idx="1">
-            <a:schemeClr val="accent3"/>
-          </a:lnRef>
-          <a:fillRef idx="2">
-            <a:schemeClr val="accent3"/>
-          </a:fillRef>
-          <a:effectRef idx="1">
-            <a:schemeClr val="accent3"/>
-          </a:effectRef>
-          <a:fontRef idx="minor">
-            <a:schemeClr val="dk1"/>
-          </a:fontRef>
-        </p:style>
-        <p:txBody>
-          <a:bodyPr rtlCol="1" anchor="ctr"/>
-          <a:lstStyle/>
-          <a:p>
-            <a:pPr algn="ctr"/>
-            <a:r>
-              <a:rPr lang="he-IL" sz="2400" dirty="0" smtClean="0"/>
-              <a:t>סיסמא</a:t>
-            </a:r>
-            <a:endParaRPr lang="he-IL" sz="2400" dirty="0"/>
-          </a:p>
-        </p:txBody>
-      </p:sp>
-      <p:sp>
-        <p:nvSpPr>
-          <p:cNvPr id="7" name="Oval 6"/>
-          <p:cNvSpPr/>
-          <p:nvPr/>
-        </p:nvSpPr>
-        <p:spPr>
-          <a:xfrm>
-            <a:off x="3657600" y="4495800"/>
-            <a:ext cx="1905000" cy="1143000"/>
-          </a:xfrm>
-          <a:prstGeom prst="ellipse">
             <a:avLst/>
           </a:prstGeom>
         </p:spPr>
@@ -3658,6 +3767,234 @@
             <a:pPr algn="ctr"/>
             <a:r>
               <a:rPr lang="he-IL" sz="3600" dirty="0" smtClean="0"/>
+              <a:t>כניסה למורה</a:t>
+            </a:r>
+            <a:endParaRPr lang="he-IL" sz="3600" dirty="0"/>
+          </a:p>
+        </p:txBody>
+      </p:sp>
+      <p:sp>
+        <p:nvSpPr>
+          <p:cNvPr id="7" name="Rounded Rectangle 6"/>
+          <p:cNvSpPr/>
+          <p:nvPr/>
+        </p:nvSpPr>
+        <p:spPr>
+          <a:xfrm>
+            <a:off x="4876800" y="3124200"/>
+            <a:ext cx="2971800" cy="1752600"/>
+          </a:xfrm>
+          <a:prstGeom prst="roundRect">
+            <a:avLst/>
+          </a:prstGeom>
+        </p:spPr>
+        <p:style>
+          <a:lnRef idx="2">
+            <a:schemeClr val="accent6">
+              <a:shade val="50000"/>
+            </a:schemeClr>
+          </a:lnRef>
+          <a:fillRef idx="1">
+            <a:schemeClr val="accent6"/>
+          </a:fillRef>
+          <a:effectRef idx="0">
+            <a:schemeClr val="accent6"/>
+          </a:effectRef>
+          <a:fontRef idx="minor">
+            <a:schemeClr val="lt1"/>
+          </a:fontRef>
+        </p:style>
+        <p:txBody>
+          <a:bodyPr rtlCol="1" anchor="ctr"/>
+          <a:lstStyle/>
+          <a:p>
+            <a:pPr algn="ctr"/>
+            <a:r>
+              <a:rPr lang="he-IL" sz="3600" dirty="0" smtClean="0"/>
+              <a:t>כניסה לתלמיד</a:t>
+            </a:r>
+            <a:endParaRPr lang="he-IL" sz="3600" dirty="0"/>
+          </a:p>
+        </p:txBody>
+      </p:sp>
+    </p:spTree>
+  </p:cSld>
+  <p:clrMapOvr>
+    <a:masterClrMapping/>
+  </p:clrMapOvr>
+  <p:timing>
+    <p:tnLst>
+      <p:par>
+        <p:cTn id="1" dur="indefinite" restart="never" nodeType="tmRoot"/>
+      </p:par>
+    </p:tnLst>
+  </p:timing>
+</p:sld>
+</file>
+
+<file path=ppt/slides/slide12.xml><?xml version="1.0" encoding="utf-8"?>
+<p:sld xmlns:a="http://schemas.openxmlformats.org/drawingml/2006/main" xmlns:r="http://schemas.openxmlformats.org/officeDocument/2006/relationships" xmlns:p="http://schemas.openxmlformats.org/presentationml/2006/main">
+  <p:cSld>
+    <p:spTree>
+      <p:nvGrpSpPr>
+        <p:cNvPr id="1" name=""/>
+        <p:cNvGrpSpPr/>
+        <p:nvPr/>
+      </p:nvGrpSpPr>
+      <p:grpSpPr>
+        <a:xfrm>
+          <a:off x="0" y="0"/>
+          <a:ext cx="0" cy="0"/>
+          <a:chOff x="0" y="0"/>
+          <a:chExt cx="0" cy="0"/>
+        </a:xfrm>
+      </p:grpSpPr>
+      <p:pic>
+        <p:nvPicPr>
+          <p:cNvPr id="4" name="Picture 3" descr="1a.png"/>
+          <p:cNvPicPr>
+            <a:picLocks noChangeAspect="1"/>
+          </p:cNvPicPr>
+          <p:nvPr/>
+        </p:nvPicPr>
+        <p:blipFill>
+          <a:blip r:embed="rId2" cstate="print"/>
+          <a:stretch>
+            <a:fillRect/>
+          </a:stretch>
+        </p:blipFill>
+        <p:spPr>
+          <a:xfrm>
+            <a:off x="2438400" y="0"/>
+            <a:ext cx="4762500" cy="2743200"/>
+          </a:xfrm>
+          <a:prstGeom prst="rect">
+            <a:avLst/>
+          </a:prstGeom>
+        </p:spPr>
+      </p:pic>
+      <p:sp>
+        <p:nvSpPr>
+          <p:cNvPr id="5" name="Rounded Rectangle 4"/>
+          <p:cNvSpPr/>
+          <p:nvPr/>
+        </p:nvSpPr>
+        <p:spPr>
+          <a:xfrm>
+            <a:off x="2895600" y="2819400"/>
+            <a:ext cx="3352800" cy="685800"/>
+          </a:xfrm>
+          <a:prstGeom prst="roundRect">
+            <a:avLst/>
+          </a:prstGeom>
+        </p:spPr>
+        <p:style>
+          <a:lnRef idx="1">
+            <a:schemeClr val="accent3"/>
+          </a:lnRef>
+          <a:fillRef idx="2">
+            <a:schemeClr val="accent3"/>
+          </a:fillRef>
+          <a:effectRef idx="1">
+            <a:schemeClr val="accent3"/>
+          </a:effectRef>
+          <a:fontRef idx="minor">
+            <a:schemeClr val="dk1"/>
+          </a:fontRef>
+        </p:style>
+        <p:txBody>
+          <a:bodyPr rtlCol="1" anchor="ctr"/>
+          <a:lstStyle/>
+          <a:p>
+            <a:pPr algn="ctr"/>
+            <a:r>
+              <a:rPr lang="he-IL" sz="2400" dirty="0" smtClean="0"/>
+              <a:t>שם משתמש</a:t>
+            </a:r>
+            <a:endParaRPr lang="he-IL" sz="2400" dirty="0"/>
+          </a:p>
+        </p:txBody>
+      </p:sp>
+      <p:sp>
+        <p:nvSpPr>
+          <p:cNvPr id="6" name="Rounded Rectangle 5"/>
+          <p:cNvSpPr/>
+          <p:nvPr/>
+        </p:nvSpPr>
+        <p:spPr>
+          <a:xfrm>
+            <a:off x="2895600" y="3581400"/>
+            <a:ext cx="3352800" cy="685800"/>
+          </a:xfrm>
+          <a:prstGeom prst="roundRect">
+            <a:avLst/>
+          </a:prstGeom>
+        </p:spPr>
+        <p:style>
+          <a:lnRef idx="1">
+            <a:schemeClr val="accent3"/>
+          </a:lnRef>
+          <a:fillRef idx="2">
+            <a:schemeClr val="accent3"/>
+          </a:fillRef>
+          <a:effectRef idx="1">
+            <a:schemeClr val="accent3"/>
+          </a:effectRef>
+          <a:fontRef idx="minor">
+            <a:schemeClr val="dk1"/>
+          </a:fontRef>
+        </p:style>
+        <p:txBody>
+          <a:bodyPr rtlCol="1" anchor="ctr"/>
+          <a:lstStyle/>
+          <a:p>
+            <a:pPr algn="ctr"/>
+            <a:r>
+              <a:rPr lang="he-IL" sz="2400" dirty="0" smtClean="0"/>
+              <a:t>סיסמא</a:t>
+            </a:r>
+            <a:endParaRPr lang="he-IL" sz="2400" dirty="0"/>
+          </a:p>
+        </p:txBody>
+      </p:sp>
+      <p:sp>
+        <p:nvSpPr>
+          <p:cNvPr id="7" name="Oval 6"/>
+          <p:cNvSpPr/>
+          <p:nvPr/>
+        </p:nvSpPr>
+        <p:spPr>
+          <a:xfrm>
+            <a:off x="3657600" y="4495800"/>
+            <a:ext cx="1905000" cy="1143000"/>
+          </a:xfrm>
+          <a:prstGeom prst="ellipse">
+            <a:avLst/>
+          </a:prstGeom>
+        </p:spPr>
+        <p:style>
+          <a:lnRef idx="2">
+            <a:schemeClr val="accent6">
+              <a:shade val="50000"/>
+            </a:schemeClr>
+          </a:lnRef>
+          <a:fillRef idx="1">
+            <a:schemeClr val="accent6"/>
+          </a:fillRef>
+          <a:effectRef idx="0">
+            <a:schemeClr val="accent6"/>
+          </a:effectRef>
+          <a:fontRef idx="minor">
+            <a:schemeClr val="lt1"/>
+          </a:fontRef>
+        </p:style>
+        <p:txBody>
+          <a:bodyPr rtlCol="1" anchor="ctr"/>
+          <a:lstStyle/>
+          <a:p>
+            <a:pPr algn="ctr"/>
+            <a:r>
+              <a:rPr lang="he-IL" sz="3600" dirty="0" smtClean="0"/>
               <a:t>כניסה</a:t>
             </a:r>
             <a:endParaRPr lang="he-IL" sz="3600" dirty="0"/>
@@ -3750,10 +4087,17 @@
   <p:clrMapOvr>
     <a:masterClrMapping/>
   </p:clrMapOvr>
+  <p:timing>
+    <p:tnLst>
+      <p:par>
+        <p:cTn id="1" dur="indefinite" restart="never" nodeType="tmRoot"/>
+      </p:par>
+    </p:tnLst>
+  </p:timing>
 </p:sld>
 </file>
 
-<file path=ppt/slides/slide11.xml><?xml version="1.0" encoding="utf-8"?>
+<file path=ppt/slides/slide13.xml><?xml version="1.0" encoding="utf-8"?>
 <p:sld xmlns:a="http://schemas.openxmlformats.org/drawingml/2006/main" xmlns:r="http://schemas.openxmlformats.org/officeDocument/2006/relationships" xmlns:p="http://schemas.openxmlformats.org/presentationml/2006/main">
   <p:cSld>
     <p:spTree>
@@ -3908,10 +4252,17 @@
   <p:clrMapOvr>
     <a:masterClrMapping/>
   </p:clrMapOvr>
+  <p:timing>
+    <p:tnLst>
+      <p:par>
+        <p:cTn id="1" dur="indefinite" restart="never" nodeType="tmRoot"/>
+      </p:par>
+    </p:tnLst>
+  </p:timing>
 </p:sld>
 </file>
 
-<file path=ppt/slides/slide12.xml><?xml version="1.0" encoding="utf-8"?>
+<file path=ppt/slides/slide14.xml><?xml version="1.0" encoding="utf-8"?>
 <p:sld xmlns:a="http://schemas.openxmlformats.org/drawingml/2006/main" xmlns:r="http://schemas.openxmlformats.org/officeDocument/2006/relationships" xmlns:p="http://schemas.openxmlformats.org/presentationml/2006/main">
   <p:cSld>
     <p:spTree>
@@ -4251,7 +4602,7 @@
 </p:sld>
 </file>
 
-<file path=ppt/slides/slide13.xml><?xml version="1.0" encoding="utf-8"?>
+<file path=ppt/slides/slide15.xml><?xml version="1.0" encoding="utf-8"?>
 <p:sld xmlns:a="http://schemas.openxmlformats.org/drawingml/2006/main" xmlns:r="http://schemas.openxmlformats.org/officeDocument/2006/relationships" xmlns:p="http://schemas.openxmlformats.org/presentationml/2006/main">
   <p:cSld>
     <p:spTree>
@@ -4911,7 +5262,7 @@
 </p:sld>
 </file>
 
-<file path=ppt/slides/slide14.xml><?xml version="1.0" encoding="utf-8"?>
+<file path=ppt/slides/slide16.xml><?xml version="1.0" encoding="utf-8"?>
 <p:sld xmlns:a="http://schemas.openxmlformats.org/drawingml/2006/main" xmlns:r="http://schemas.openxmlformats.org/officeDocument/2006/relationships" xmlns:p="http://schemas.openxmlformats.org/presentationml/2006/main">
   <p:cSld>
     <p:spTree>
@@ -5305,7 +5656,7 @@
 </p:sld>
 </file>
 
-<file path=ppt/slides/slide15.xml><?xml version="1.0" encoding="utf-8"?>
+<file path=ppt/slides/slide17.xml><?xml version="1.0" encoding="utf-8"?>
 <p:sld xmlns:a="http://schemas.openxmlformats.org/drawingml/2006/main" xmlns:r="http://schemas.openxmlformats.org/officeDocument/2006/relationships" xmlns:p="http://schemas.openxmlformats.org/presentationml/2006/main">
   <p:cSld>
     <p:spTree>
@@ -5514,7 +5865,7 @@
             <a:pPr algn="ctr"/>
             <a:r>
               <a:rPr lang="he-IL" sz="2800" b="1" dirty="0" smtClean="0"/>
-              <a:t>תרגול כתיבה</a:t>
+              <a:t>אתגר כתיבה</a:t>
             </a:r>
             <a:endParaRPr lang="he-IL" sz="2800" b="1" dirty="0"/>
           </a:p>
@@ -5697,7 +6048,7 @@
 </p:sld>
 </file>
 
-<file path=ppt/slides/slide16.xml><?xml version="1.0" encoding="utf-8"?>
+<file path=ppt/slides/slide18.xml><?xml version="1.0" encoding="utf-8"?>
 <p:sld xmlns:a="http://schemas.openxmlformats.org/drawingml/2006/main" xmlns:r="http://schemas.openxmlformats.org/officeDocument/2006/relationships" xmlns:p="http://schemas.openxmlformats.org/presentationml/2006/main">
   <p:cSld>
     <p:spTree>
@@ -6059,7 +6410,7 @@
 </p:sld>
 </file>
 
-<file path=ppt/slides/slide17.xml><?xml version="1.0" encoding="utf-8"?>
+<file path=ppt/slides/slide19.xml><?xml version="1.0" encoding="utf-8"?>
 <p:sld xmlns:a="http://schemas.openxmlformats.org/drawingml/2006/main" xmlns:r="http://schemas.openxmlformats.org/officeDocument/2006/relationships" xmlns:p="http://schemas.openxmlformats.org/presentationml/2006/main">
   <p:cSld>
     <p:spTree>
@@ -6503,459 +6854,6 @@
 </p:sld>
 </file>
 
-<file path=ppt/slides/slide18.xml><?xml version="1.0" encoding="utf-8"?>
-<p:sld xmlns:a="http://schemas.openxmlformats.org/drawingml/2006/main" xmlns:r="http://schemas.openxmlformats.org/officeDocument/2006/relationships" xmlns:p="http://schemas.openxmlformats.org/presentationml/2006/main">
-  <p:cSld>
-    <p:spTree>
-      <p:nvGrpSpPr>
-        <p:cNvPr id="1" name=""/>
-        <p:cNvGrpSpPr/>
-        <p:nvPr/>
-      </p:nvGrpSpPr>
-      <p:grpSpPr>
-        <a:xfrm>
-          <a:off x="0" y="0"/>
-          <a:ext cx="0" cy="0"/>
-          <a:chOff x="0" y="0"/>
-          <a:chExt cx="0" cy="0"/>
-        </a:xfrm>
-      </p:grpSpPr>
-      <p:sp>
-        <p:nvSpPr>
-          <p:cNvPr id="4" name="Rectangle 3"/>
-          <p:cNvSpPr/>
-          <p:nvPr/>
-        </p:nvSpPr>
-        <p:spPr>
-          <a:xfrm>
-            <a:off x="2286000" y="2438400"/>
-            <a:ext cx="4430176" cy="1200329"/>
-          </a:xfrm>
-          <a:prstGeom prst="rect">
-            <a:avLst/>
-          </a:prstGeom>
-          <a:noFill/>
-        </p:spPr>
-        <p:txBody>
-          <a:bodyPr wrap="square" lIns="91440" tIns="45720" rIns="91440" bIns="45720">
-            <a:spAutoFit/>
-            <a:scene3d>
-              <a:camera prst="orthographicFront"/>
-              <a:lightRig rig="glow" dir="tl">
-                <a:rot lat="0" lon="0" rev="5400000"/>
-              </a:lightRig>
-            </a:scene3d>
-            <a:sp3d contourW="12700">
-              <a:bevelT w="25400" h="25400"/>
-              <a:contourClr>
-                <a:schemeClr val="accent6">
-                  <a:shade val="73000"/>
-                </a:schemeClr>
-              </a:contourClr>
-            </a:sp3d>
-          </a:bodyPr>
-          <a:lstStyle/>
-          <a:p>
-            <a:pPr algn="ctr"/>
-            <a:r>
-              <a:rPr lang="he-IL" sz="3600" b="1" cap="none" spc="0" dirty="0" smtClean="0">
-                <a:ln w="11430"/>
-                <a:gradFill>
-                  <a:gsLst>
-                    <a:gs pos="0">
-                      <a:schemeClr val="accent6">
-                        <a:tint val="90000"/>
-                        <a:satMod val="120000"/>
-                      </a:schemeClr>
-                    </a:gs>
-                    <a:gs pos="25000">
-                      <a:schemeClr val="accent6">
-                        <a:tint val="93000"/>
-                        <a:satMod val="120000"/>
-                      </a:schemeClr>
-                    </a:gs>
-                    <a:gs pos="50000">
-                      <a:schemeClr val="accent6">
-                        <a:shade val="89000"/>
-                        <a:satMod val="110000"/>
-                      </a:schemeClr>
-                    </a:gs>
-                    <a:gs pos="75000">
-                      <a:schemeClr val="accent6">
-                        <a:tint val="93000"/>
-                        <a:satMod val="120000"/>
-                      </a:schemeClr>
-                    </a:gs>
-                    <a:gs pos="100000">
-                      <a:schemeClr val="accent6">
-                        <a:tint val="90000"/>
-                        <a:satMod val="120000"/>
-                      </a:schemeClr>
-                    </a:gs>
-                  </a:gsLst>
-                  <a:lin ang="5400000"/>
-                </a:gradFill>
-                <a:effectLst>
-                  <a:outerShdw blurRad="80000" dist="40000" dir="5040000" algn="tl">
-                    <a:srgbClr val="000000">
-                      <a:alpha val="30000"/>
-                    </a:srgbClr>
-                  </a:outerShdw>
-                </a:effectLst>
-              </a:rPr>
-              <a:t>המסמר / נאווי אליהו – </a:t>
-            </a:r>
-            <a:r>
-              <a:rPr lang="he-IL" sz="3600" b="1" dirty="0" smtClean="0">
-                <a:ln w="11430"/>
-                <a:gradFill>
-                  <a:gsLst>
-                    <a:gs pos="0">
-                      <a:schemeClr val="accent6">
-                        <a:tint val="90000"/>
-                        <a:satMod val="120000"/>
-                      </a:schemeClr>
-                    </a:gs>
-                    <a:gs pos="25000">
-                      <a:schemeClr val="accent6">
-                        <a:tint val="93000"/>
-                        <a:satMod val="120000"/>
-                      </a:schemeClr>
-                    </a:gs>
-                    <a:gs pos="50000">
-                      <a:schemeClr val="accent6">
-                        <a:shade val="89000"/>
-                        <a:satMod val="110000"/>
-                      </a:schemeClr>
-                    </a:gs>
-                    <a:gs pos="75000">
-                      <a:schemeClr val="accent6">
-                        <a:tint val="93000"/>
-                        <a:satMod val="120000"/>
-                      </a:schemeClr>
-                    </a:gs>
-                    <a:gs pos="100000">
-                      <a:schemeClr val="accent6">
-                        <a:tint val="90000"/>
-                        <a:satMod val="120000"/>
-                      </a:schemeClr>
-                    </a:gs>
-                  </a:gsLst>
-                  <a:lin ang="5400000"/>
-                </a:gradFill>
-                <a:effectLst>
-                  <a:outerShdw blurRad="80000" dist="40000" dir="5040000" algn="tl">
-                    <a:srgbClr val="000000">
-                      <a:alpha val="30000"/>
-                    </a:srgbClr>
-                  </a:outerShdw>
-                </a:effectLst>
-              </a:rPr>
-              <a:t>תרגול כתיבה</a:t>
-            </a:r>
-            <a:endParaRPr lang="he-IL" sz="3600" b="1" cap="none" spc="0" dirty="0" smtClean="0">
-              <a:ln w="11430"/>
-              <a:gradFill>
-                <a:gsLst>
-                  <a:gs pos="0">
-                    <a:schemeClr val="accent6">
-                      <a:tint val="90000"/>
-                      <a:satMod val="120000"/>
-                    </a:schemeClr>
-                  </a:gs>
-                  <a:gs pos="25000">
-                    <a:schemeClr val="accent6">
-                      <a:tint val="93000"/>
-                      <a:satMod val="120000"/>
-                    </a:schemeClr>
-                  </a:gs>
-                  <a:gs pos="50000">
-                    <a:schemeClr val="accent6">
-                      <a:shade val="89000"/>
-                      <a:satMod val="110000"/>
-                    </a:schemeClr>
-                  </a:gs>
-                  <a:gs pos="75000">
-                    <a:schemeClr val="accent6">
-                      <a:tint val="93000"/>
-                      <a:satMod val="120000"/>
-                    </a:schemeClr>
-                  </a:gs>
-                  <a:gs pos="100000">
-                    <a:schemeClr val="accent6">
-                      <a:tint val="90000"/>
-                      <a:satMod val="120000"/>
-                    </a:schemeClr>
-                  </a:gs>
-                </a:gsLst>
-                <a:lin ang="5400000"/>
-              </a:gradFill>
-              <a:effectLst>
-                <a:outerShdw blurRad="80000" dist="40000" dir="5040000" algn="tl">
-                  <a:srgbClr val="000000">
-                    <a:alpha val="30000"/>
-                  </a:srgbClr>
-                </a:outerShdw>
-              </a:effectLst>
-            </a:endParaRPr>
-          </a:p>
-        </p:txBody>
-      </p:sp>
-      <p:sp>
-        <p:nvSpPr>
-          <p:cNvPr id="5" name="Right Arrow 4"/>
-          <p:cNvSpPr/>
-          <p:nvPr/>
-        </p:nvSpPr>
-        <p:spPr>
-          <a:xfrm>
-            <a:off x="7924800" y="381000"/>
-            <a:ext cx="1143000" cy="762000"/>
-          </a:xfrm>
-          <a:prstGeom prst="rightArrow">
-            <a:avLst/>
-          </a:prstGeom>
-        </p:spPr>
-        <p:style>
-          <a:lnRef idx="0">
-            <a:schemeClr val="accent2"/>
-          </a:lnRef>
-          <a:fillRef idx="3">
-            <a:schemeClr val="accent2"/>
-          </a:fillRef>
-          <a:effectRef idx="3">
-            <a:schemeClr val="accent2"/>
-          </a:effectRef>
-          <a:fontRef idx="minor">
-            <a:schemeClr val="lt1"/>
-          </a:fontRef>
-        </p:style>
-        <p:txBody>
-          <a:bodyPr rtlCol="1" anchor="ctr"/>
-          <a:lstStyle/>
-          <a:p>
-            <a:pPr algn="ctr"/>
-            <a:r>
-              <a:rPr lang="he-IL" b="1" dirty="0" smtClean="0"/>
-              <a:t>חזור</a:t>
-            </a:r>
-            <a:endParaRPr lang="he-IL" b="1" dirty="0"/>
-          </a:p>
-        </p:txBody>
-      </p:sp>
-      <p:pic>
-        <p:nvPicPr>
-          <p:cNvPr id="8" name="Picture 7" descr="1a.png"/>
-          <p:cNvPicPr>
-            <a:picLocks noChangeAspect="1"/>
-          </p:cNvPicPr>
-          <p:nvPr/>
-        </p:nvPicPr>
-        <p:blipFill>
-          <a:blip r:embed="rId2" cstate="print"/>
-          <a:stretch>
-            <a:fillRect/>
-          </a:stretch>
-        </p:blipFill>
-        <p:spPr>
-          <a:xfrm>
-            <a:off x="2209800" y="0"/>
-            <a:ext cx="4762500" cy="2743200"/>
-          </a:xfrm>
-          <a:prstGeom prst="rect">
-            <a:avLst/>
-          </a:prstGeom>
-        </p:spPr>
-      </p:pic>
-      <p:sp>
-        <p:nvSpPr>
-          <p:cNvPr id="13" name="Up Ribbon 12"/>
-          <p:cNvSpPr/>
-          <p:nvPr/>
-        </p:nvSpPr>
-        <p:spPr>
-          <a:xfrm>
-            <a:off x="2057400" y="4038600"/>
-            <a:ext cx="5029200" cy="1752600"/>
-          </a:xfrm>
-          <a:prstGeom prst="ribbon2">
-            <a:avLst/>
-          </a:prstGeom>
-        </p:spPr>
-        <p:style>
-          <a:lnRef idx="2">
-            <a:schemeClr val="accent3">
-              <a:shade val="50000"/>
-            </a:schemeClr>
-          </a:lnRef>
-          <a:fillRef idx="1">
-            <a:schemeClr val="accent3"/>
-          </a:fillRef>
-          <a:effectRef idx="0">
-            <a:schemeClr val="accent3"/>
-          </a:effectRef>
-          <a:fontRef idx="minor">
-            <a:schemeClr val="lt1"/>
-          </a:fontRef>
-        </p:style>
-        <p:txBody>
-          <a:bodyPr rtlCol="1" anchor="ctr"/>
-          <a:lstStyle/>
-          <a:p>
-            <a:pPr algn="ctr"/>
-            <a:r>
-              <a:rPr lang="he-IL" sz="3600" b="1" dirty="0" smtClean="0"/>
-              <a:t>המשך לשאלות</a:t>
-            </a:r>
-            <a:endParaRPr lang="he-IL" sz="3600" b="1" dirty="0"/>
-          </a:p>
-        </p:txBody>
-      </p:sp>
-      <p:sp>
-        <p:nvSpPr>
-          <p:cNvPr id="14" name="Rounded Rectangle 13"/>
-          <p:cNvSpPr/>
-          <p:nvPr/>
-        </p:nvSpPr>
-        <p:spPr>
-          <a:xfrm>
-            <a:off x="152400" y="152400"/>
-            <a:ext cx="1371600" cy="457200"/>
-          </a:xfrm>
-          <a:prstGeom prst="roundRect">
-            <a:avLst/>
-          </a:prstGeom>
-        </p:spPr>
-        <p:style>
-          <a:lnRef idx="0">
-            <a:schemeClr val="accent2"/>
-          </a:lnRef>
-          <a:fillRef idx="3">
-            <a:schemeClr val="accent2"/>
-          </a:fillRef>
-          <a:effectRef idx="3">
-            <a:schemeClr val="accent2"/>
-          </a:effectRef>
-          <a:fontRef idx="minor">
-            <a:schemeClr val="lt1"/>
-          </a:fontRef>
-        </p:style>
-        <p:txBody>
-          <a:bodyPr rtlCol="1" anchor="ctr"/>
-          <a:lstStyle/>
-          <a:p>
-            <a:pPr algn="ctr"/>
-            <a:r>
-              <a:rPr lang="he-IL" sz="2000" b="1" dirty="0" smtClean="0"/>
-              <a:t>התנתק</a:t>
-            </a:r>
-            <a:endParaRPr lang="he-IL" sz="2000" b="1" dirty="0"/>
-          </a:p>
-        </p:txBody>
-      </p:sp>
-      <p:sp>
-        <p:nvSpPr>
-          <p:cNvPr id="15" name="Rounded Rectangle 14"/>
-          <p:cNvSpPr/>
-          <p:nvPr/>
-        </p:nvSpPr>
-        <p:spPr>
-          <a:xfrm>
-            <a:off x="1600200" y="152400"/>
-            <a:ext cx="1600200" cy="457200"/>
-          </a:xfrm>
-          <a:prstGeom prst="roundRect">
-            <a:avLst/>
-          </a:prstGeom>
-        </p:spPr>
-        <p:style>
-          <a:lnRef idx="0">
-            <a:schemeClr val="accent3"/>
-          </a:lnRef>
-          <a:fillRef idx="3">
-            <a:schemeClr val="accent3"/>
-          </a:fillRef>
-          <a:effectRef idx="3">
-            <a:schemeClr val="accent3"/>
-          </a:effectRef>
-          <a:fontRef idx="minor">
-            <a:schemeClr val="lt1"/>
-          </a:fontRef>
-        </p:style>
-        <p:txBody>
-          <a:bodyPr rtlCol="1" anchor="ctr"/>
-          <a:lstStyle/>
-          <a:p>
-            <a:pPr algn="ctr"/>
-            <a:r>
-              <a:rPr lang="he-IL" sz="2000" b="1" dirty="0" smtClean="0"/>
-              <a:t>פרופיל אישי</a:t>
-            </a:r>
-            <a:endParaRPr lang="he-IL" sz="2000" b="1" dirty="0"/>
-          </a:p>
-        </p:txBody>
-      </p:sp>
-    </p:spTree>
-  </p:cSld>
-  <p:clrMapOvr>
-    <a:masterClrMapping/>
-  </p:clrMapOvr>
-</p:sld>
-</file>
-
-<file path=ppt/slides/slide19.xml><?xml version="1.0" encoding="utf-8"?>
-<p:sld xmlns:a="http://schemas.openxmlformats.org/drawingml/2006/main" xmlns:r="http://schemas.openxmlformats.org/officeDocument/2006/relationships" xmlns:p="http://schemas.openxmlformats.org/presentationml/2006/main">
-  <p:cSld>
-    <p:spTree>
-      <p:nvGrpSpPr>
-        <p:cNvPr id="1" name=""/>
-        <p:cNvGrpSpPr/>
-        <p:nvPr/>
-      </p:nvGrpSpPr>
-      <p:grpSpPr>
-        <a:xfrm>
-          <a:off x="0" y="0"/>
-          <a:ext cx="0" cy="0"/>
-          <a:chOff x="0" y="0"/>
-          <a:chExt cx="0" cy="0"/>
-        </a:xfrm>
-      </p:grpSpPr>
-      <p:pic>
-        <p:nvPicPr>
-          <p:cNvPr id="4" name="תמונה 4"/>
-          <p:cNvPicPr/>
-          <p:nvPr/>
-        </p:nvPicPr>
-        <p:blipFill>
-          <a:blip r:embed="rId2" cstate="print">
-            <a:extLst>
-              <a:ext uri="{28A0092B-C50C-407E-A947-70E740481C1C}">
-                <a14:useLocalDpi xmlns="" xmlns:wpc="http://schemas.microsoft.com/office/word/2010/wordprocessingCanvas" xmlns:mc="http://schemas.openxmlformats.org/markup-compatibility/2006" xmlns:o="urn:schemas-microsoft-com:office:office" xmlns:m="http://schemas.openxmlformats.org/officeDocument/2006/math" xmlns:v="urn:schemas-microsoft-com:vml" xmlns:wp14="http://schemas.microsoft.com/office/word/2010/wordprocessingDrawing" xmlns:wp="http://schemas.openxmlformats.org/drawingml/2006/wordprocessingDrawing" xmlns:w10="urn:schemas-microsoft-com:office:word" xmlns:w="http://schemas.openxmlformats.org/wordprocessingml/2006/main" xmlns:w14="http://schemas.microsoft.com/office/word/2010/wordml" xmlns:w15="http://schemas.microsoft.com/office/word/2012/wordml" xmlns:wpg="http://schemas.microsoft.com/office/word/2010/wordprocessingGroup" xmlns:wpi="http://schemas.microsoft.com/office/word/2010/wordprocessingInk" xmlns:wne="http://schemas.microsoft.com/office/word/2006/wordml" xmlns:wps="http://schemas.microsoft.com/office/word/2010/wordprocessingShape" xmlns:a14="http://schemas.microsoft.com/office/drawing/2010/main" xmlns:pic="http://schemas.openxmlformats.org/drawingml/2006/picture" xmlns:lc="http://schemas.openxmlformats.org/drawingml/2006/lockedCanvas" val="0"/>
-              </a:ext>
-            </a:extLst>
-          </a:blip>
-          <a:stretch>
-            <a:fillRect/>
-          </a:stretch>
-        </p:blipFill>
-        <p:spPr>
-          <a:xfrm>
-            <a:off x="0" y="0"/>
-            <a:ext cx="9144000" cy="6858000"/>
-          </a:xfrm>
-          <a:prstGeom prst="rect">
-            <a:avLst/>
-          </a:prstGeom>
-        </p:spPr>
-      </p:pic>
-    </p:spTree>
-  </p:cSld>
-  <p:clrMapOvr>
-    <a:masterClrMapping/>
-  </p:clrMapOvr>
-</p:sld>
-</file>
-
 <file path=ppt/slides/slide2.xml><?xml version="1.0" encoding="utf-8"?>
 <p:sld xmlns:a="http://schemas.openxmlformats.org/drawingml/2006/main" xmlns:r="http://schemas.openxmlformats.org/officeDocument/2006/relationships" xmlns:p="http://schemas.openxmlformats.org/presentationml/2006/main">
   <p:cSld>
@@ -6999,14 +6897,14 @@
       </p:pic>
       <p:sp>
         <p:nvSpPr>
-          <p:cNvPr id="7" name="TextBox 6"/>
-          <p:cNvSpPr txBox="1"/>
-          <p:nvPr/>
-        </p:nvSpPr>
-        <p:spPr>
-          <a:xfrm>
-            <a:off x="899592" y="2708920"/>
-            <a:ext cx="7429552" cy="3785652"/>
+          <p:cNvPr id="5" name="מלבן 4"/>
+          <p:cNvSpPr/>
+          <p:nvPr/>
+        </p:nvSpPr>
+        <p:spPr>
+          <a:xfrm>
+            <a:off x="3131840" y="620688"/>
+            <a:ext cx="4414148" cy="923330"/>
           </a:xfrm>
           <a:prstGeom prst="rect">
             <a:avLst/>
@@ -7014,80 +6912,7 @@
           <a:noFill/>
         </p:spPr>
         <p:txBody>
-          <a:bodyPr wrap="square" rtlCol="1">
-            <a:spAutoFit/>
-          </a:bodyPr>
-          <a:lstStyle/>
-          <a:p>
-            <a:pPr>
-              <a:buFont typeface="Arial" pitchFamily="34" charset="0"/>
-              <a:buChar char="•"/>
-            </a:pPr>
-            <a:r>
-              <a:rPr lang="he-IL" sz="2400" b="1" dirty="0" smtClean="0"/>
-              <a:t> כלי המשמש גלגלי עזר לתלמידים לפיתוח מיומנויות כתיבה על ידי שימוש בתיבת כתיבה חכמה</a:t>
-            </a:r>
-          </a:p>
-          <a:p>
-            <a:pPr>
-              <a:buFont typeface="Arial" pitchFamily="34" charset="0"/>
-              <a:buChar char="•"/>
-            </a:pPr>
-            <a:endParaRPr lang="he-IL" sz="2400" b="1" dirty="0" smtClean="0"/>
-          </a:p>
-          <a:p>
-            <a:pPr>
-              <a:buFont typeface="Arial" pitchFamily="34" charset="0"/>
-              <a:buChar char="•"/>
-            </a:pPr>
-            <a:r>
-              <a:rPr lang="he-IL" sz="2400" b="1" dirty="0" smtClean="0"/>
-              <a:t> כלי ידידותי המספק חווית למידה על ידי משחקי למידה, הקראת טקסטים וליווי בכתיבת מטלות</a:t>
-            </a:r>
-          </a:p>
-          <a:p>
-            <a:pPr>
-              <a:buFont typeface="Arial" pitchFamily="34" charset="0"/>
-              <a:buChar char="•"/>
-            </a:pPr>
-            <a:endParaRPr lang="he-IL" sz="2400" b="1" dirty="0" smtClean="0"/>
-          </a:p>
-          <a:p>
-            <a:pPr>
-              <a:buFont typeface="Arial" pitchFamily="34" charset="0"/>
-              <a:buChar char="•"/>
-            </a:pPr>
-            <a:r>
-              <a:rPr lang="he-IL" sz="2400" b="1" dirty="0" smtClean="0"/>
-              <a:t> כלי המייעל את האינטרקציה בין המורה לתלמידים בעזרת יכולות אנליזה ומעקב אחר התקדמות התלמידים</a:t>
-            </a:r>
-          </a:p>
-          <a:p>
-            <a:endParaRPr lang="en-US" sz="2400" b="1" dirty="0"/>
-          </a:p>
-          <a:p>
-            <a:endParaRPr lang="he-IL" sz="2400" b="1" dirty="0"/>
-          </a:p>
-        </p:txBody>
-      </p:sp>
-      <p:sp>
-        <p:nvSpPr>
-          <p:cNvPr id="8" name="מלבן 7"/>
-          <p:cNvSpPr/>
-          <p:nvPr/>
-        </p:nvSpPr>
-        <p:spPr>
-          <a:xfrm>
-            <a:off x="3779912" y="764704"/>
-            <a:ext cx="2725425" cy="923330"/>
-          </a:xfrm>
-          <a:prstGeom prst="rect">
-            <a:avLst/>
-          </a:prstGeom>
-          <a:noFill/>
-        </p:spPr>
-        <p:txBody>
-          <a:bodyPr wrap="none" lIns="91440" tIns="45720" rIns="91440" bIns="45720">
+          <a:bodyPr wrap="square" lIns="91440" tIns="45720" rIns="91440" bIns="45720">
             <a:spAutoFit/>
           </a:bodyPr>
           <a:lstStyle/>
@@ -7203,6 +7028,86 @@
           </a:p>
         </p:txBody>
       </p:sp>
+      <p:sp>
+        <p:nvSpPr>
+          <p:cNvPr id="6" name="TextBox 5"/>
+          <p:cNvSpPr txBox="1"/>
+          <p:nvPr/>
+        </p:nvSpPr>
+        <p:spPr>
+          <a:xfrm>
+            <a:off x="683568" y="2348880"/>
+            <a:ext cx="7858180" cy="3785652"/>
+          </a:xfrm>
+          <a:prstGeom prst="rect">
+            <a:avLst/>
+          </a:prstGeom>
+          <a:noFill/>
+        </p:spPr>
+        <p:txBody>
+          <a:bodyPr wrap="square" rtlCol="1">
+            <a:spAutoFit/>
+          </a:bodyPr>
+          <a:lstStyle/>
+          <a:p>
+            <a:pPr>
+              <a:buFont typeface="Arial" pitchFamily="34" charset="0"/>
+              <a:buChar char="•"/>
+            </a:pPr>
+            <a:r>
+              <a:rPr lang="he-IL" sz="2400" b="1" dirty="0" smtClean="0"/>
+              <a:t> ליקויי כתיבה גורמים פער משמעותי בין הכתיבה לבין מיומנויות אחרות, כגון חשיבה, היזכרות ויכולת-הניסוח.</a:t>
+            </a:r>
+          </a:p>
+          <a:p>
+            <a:pPr>
+              <a:buFont typeface="Arial" pitchFamily="34" charset="0"/>
+              <a:buChar char="•"/>
+            </a:pPr>
+            <a:endParaRPr lang="he-IL" sz="2400" b="1" dirty="0"/>
+          </a:p>
+          <a:p>
+            <a:pPr>
+              <a:buFont typeface="Arial" pitchFamily="34" charset="0"/>
+              <a:buChar char="•"/>
+            </a:pPr>
+            <a:r>
+              <a:rPr lang="he-IL" sz="2400" b="1" dirty="0" smtClean="0"/>
+              <a:t> ליקויי כתיבה מנמיכים את התיפקוד במבחנים </a:t>
+            </a:r>
+            <a:r>
+              <a:rPr lang="he-IL" sz="2400" b="1" dirty="0" smtClean="0"/>
+              <a:t>בכתב ואינם </a:t>
+            </a:r>
+            <a:r>
+              <a:rPr lang="he-IL" sz="2400" b="1" dirty="0" smtClean="0"/>
+              <a:t>מאפשרים לכותב להפגין את הידע והיכולת האמיתיים שלו באמצעות הכתיבה.</a:t>
+            </a:r>
+          </a:p>
+          <a:p>
+            <a:pPr>
+              <a:buFont typeface="Arial" pitchFamily="34" charset="0"/>
+              <a:buChar char="•"/>
+            </a:pPr>
+            <a:endParaRPr lang="he-IL" sz="2400" b="1" dirty="0"/>
+          </a:p>
+          <a:p>
+            <a:pPr>
+              <a:buFont typeface="Arial" pitchFamily="34" charset="0"/>
+              <a:buChar char="•"/>
+            </a:pPr>
+            <a:r>
+              <a:rPr lang="he-IL" sz="2400" b="1" dirty="0"/>
+              <a:t> </a:t>
+            </a:r>
+            <a:r>
+              <a:rPr lang="he-IL" sz="2400" b="1" dirty="0" smtClean="0"/>
+              <a:t>ניתן לשפר את מיומנות הכתיבה על ידי מתן אסטרטגיות כתיבה וטיפים לכתיבה שימושית, בין אם כתיבה בהבעת עמדה ובין אם תשובה לגבי שאלה ספציפית.</a:t>
+            </a:r>
+            <a:endParaRPr lang="he-IL" sz="2400" b="1" dirty="0"/>
+          </a:p>
+        </p:txBody>
+      </p:sp>
     </p:spTree>
   </p:cSld>
   <p:clrMapOvr>
@@ -7237,6 +7142,187 @@
       </p:grpSpPr>
       <p:sp>
         <p:nvSpPr>
+          <p:cNvPr id="4" name="Rectangle 3"/>
+          <p:cNvSpPr/>
+          <p:nvPr/>
+        </p:nvSpPr>
+        <p:spPr>
+          <a:xfrm>
+            <a:off x="2286000" y="2438400"/>
+            <a:ext cx="4430176" cy="1200329"/>
+          </a:xfrm>
+          <a:prstGeom prst="rect">
+            <a:avLst/>
+          </a:prstGeom>
+          <a:noFill/>
+        </p:spPr>
+        <p:txBody>
+          <a:bodyPr wrap="square" lIns="91440" tIns="45720" rIns="91440" bIns="45720">
+            <a:spAutoFit/>
+            <a:scene3d>
+              <a:camera prst="orthographicFront"/>
+              <a:lightRig rig="glow" dir="tl">
+                <a:rot lat="0" lon="0" rev="5400000"/>
+              </a:lightRig>
+            </a:scene3d>
+            <a:sp3d contourW="12700">
+              <a:bevelT w="25400" h="25400"/>
+              <a:contourClr>
+                <a:schemeClr val="accent6">
+                  <a:shade val="73000"/>
+                </a:schemeClr>
+              </a:contourClr>
+            </a:sp3d>
+          </a:bodyPr>
+          <a:lstStyle/>
+          <a:p>
+            <a:pPr algn="ctr"/>
+            <a:r>
+              <a:rPr lang="he-IL" sz="3600" b="1" cap="none" spc="0" dirty="0" smtClean="0">
+                <a:ln w="11430"/>
+                <a:gradFill>
+                  <a:gsLst>
+                    <a:gs pos="0">
+                      <a:schemeClr val="accent6">
+                        <a:tint val="90000"/>
+                        <a:satMod val="120000"/>
+                      </a:schemeClr>
+                    </a:gs>
+                    <a:gs pos="25000">
+                      <a:schemeClr val="accent6">
+                        <a:tint val="93000"/>
+                        <a:satMod val="120000"/>
+                      </a:schemeClr>
+                    </a:gs>
+                    <a:gs pos="50000">
+                      <a:schemeClr val="accent6">
+                        <a:shade val="89000"/>
+                        <a:satMod val="110000"/>
+                      </a:schemeClr>
+                    </a:gs>
+                    <a:gs pos="75000">
+                      <a:schemeClr val="accent6">
+                        <a:tint val="93000"/>
+                        <a:satMod val="120000"/>
+                      </a:schemeClr>
+                    </a:gs>
+                    <a:gs pos="100000">
+                      <a:schemeClr val="accent6">
+                        <a:tint val="90000"/>
+                        <a:satMod val="120000"/>
+                      </a:schemeClr>
+                    </a:gs>
+                  </a:gsLst>
+                  <a:lin ang="5400000"/>
+                </a:gradFill>
+                <a:effectLst>
+                  <a:outerShdw blurRad="80000" dist="40000" dir="5040000" algn="tl">
+                    <a:srgbClr val="000000">
+                      <a:alpha val="30000"/>
+                    </a:srgbClr>
+                  </a:outerShdw>
+                </a:effectLst>
+              </a:rPr>
+              <a:t>המסמר / נאווי אליהו – </a:t>
+            </a:r>
+            <a:r>
+              <a:rPr lang="he-IL" sz="3600" b="1" dirty="0" smtClean="0">
+                <a:ln w="11430"/>
+                <a:gradFill>
+                  <a:gsLst>
+                    <a:gs pos="0">
+                      <a:schemeClr val="accent6">
+                        <a:tint val="90000"/>
+                        <a:satMod val="120000"/>
+                      </a:schemeClr>
+                    </a:gs>
+                    <a:gs pos="25000">
+                      <a:schemeClr val="accent6">
+                        <a:tint val="93000"/>
+                        <a:satMod val="120000"/>
+                      </a:schemeClr>
+                    </a:gs>
+                    <a:gs pos="50000">
+                      <a:schemeClr val="accent6">
+                        <a:shade val="89000"/>
+                        <a:satMod val="110000"/>
+                      </a:schemeClr>
+                    </a:gs>
+                    <a:gs pos="75000">
+                      <a:schemeClr val="accent6">
+                        <a:tint val="93000"/>
+                        <a:satMod val="120000"/>
+                      </a:schemeClr>
+                    </a:gs>
+                    <a:gs pos="100000">
+                      <a:schemeClr val="accent6">
+                        <a:tint val="90000"/>
+                        <a:satMod val="120000"/>
+                      </a:schemeClr>
+                    </a:gs>
+                  </a:gsLst>
+                  <a:lin ang="5400000"/>
+                </a:gradFill>
+                <a:effectLst>
+                  <a:outerShdw blurRad="80000" dist="40000" dir="5040000" algn="tl">
+                    <a:srgbClr val="000000">
+                      <a:alpha val="30000"/>
+                    </a:srgbClr>
+                  </a:outerShdw>
+                </a:effectLst>
+              </a:rPr>
+              <a:t>תרגול כתיבה</a:t>
+            </a:r>
+            <a:endParaRPr lang="he-IL" sz="3600" b="1" cap="none" spc="0" dirty="0" smtClean="0">
+              <a:ln w="11430"/>
+              <a:gradFill>
+                <a:gsLst>
+                  <a:gs pos="0">
+                    <a:schemeClr val="accent6">
+                      <a:tint val="90000"/>
+                      <a:satMod val="120000"/>
+                    </a:schemeClr>
+                  </a:gs>
+                  <a:gs pos="25000">
+                    <a:schemeClr val="accent6">
+                      <a:tint val="93000"/>
+                      <a:satMod val="120000"/>
+                    </a:schemeClr>
+                  </a:gs>
+                  <a:gs pos="50000">
+                    <a:schemeClr val="accent6">
+                      <a:shade val="89000"/>
+                      <a:satMod val="110000"/>
+                    </a:schemeClr>
+                  </a:gs>
+                  <a:gs pos="75000">
+                    <a:schemeClr val="accent6">
+                      <a:tint val="93000"/>
+                      <a:satMod val="120000"/>
+                    </a:schemeClr>
+                  </a:gs>
+                  <a:gs pos="100000">
+                    <a:schemeClr val="accent6">
+                      <a:tint val="90000"/>
+                      <a:satMod val="120000"/>
+                    </a:schemeClr>
+                  </a:gs>
+                </a:gsLst>
+                <a:lin ang="5400000"/>
+              </a:gradFill>
+              <a:effectLst>
+                <a:outerShdw blurRad="80000" dist="40000" dir="5040000" algn="tl">
+                  <a:srgbClr val="000000">
+                    <a:alpha val="30000"/>
+                  </a:srgbClr>
+                </a:outerShdw>
+              </a:effectLst>
+            </a:endParaRPr>
+          </a:p>
+        </p:txBody>
+      </p:sp>
+      <p:sp>
+        <p:nvSpPr>
           <p:cNvPr id="5" name="Right Arrow 4"/>
           <p:cNvSpPr/>
           <p:nvPr/>
@@ -7303,6 +7389,50 @@
       </p:pic>
       <p:sp>
         <p:nvSpPr>
+          <p:cNvPr id="13" name="Up Ribbon 12"/>
+          <p:cNvSpPr/>
+          <p:nvPr/>
+        </p:nvSpPr>
+        <p:spPr>
+          <a:xfrm>
+            <a:off x="2057400" y="4038600"/>
+            <a:ext cx="5029200" cy="1752600"/>
+          </a:xfrm>
+          <a:prstGeom prst="ribbon2">
+            <a:avLst/>
+          </a:prstGeom>
+        </p:spPr>
+        <p:style>
+          <a:lnRef idx="2">
+            <a:schemeClr val="accent3">
+              <a:shade val="50000"/>
+            </a:schemeClr>
+          </a:lnRef>
+          <a:fillRef idx="1">
+            <a:schemeClr val="accent3"/>
+          </a:fillRef>
+          <a:effectRef idx="0">
+            <a:schemeClr val="accent3"/>
+          </a:effectRef>
+          <a:fontRef idx="minor">
+            <a:schemeClr val="lt1"/>
+          </a:fontRef>
+        </p:style>
+        <p:txBody>
+          <a:bodyPr rtlCol="1" anchor="ctr"/>
+          <a:lstStyle/>
+          <a:p>
+            <a:pPr algn="ctr"/>
+            <a:r>
+              <a:rPr lang="he-IL" sz="3600" b="1" dirty="0" smtClean="0"/>
+              <a:t>המשך לשאלות</a:t>
+            </a:r>
+            <a:endParaRPr lang="he-IL" sz="3600" b="1" dirty="0"/>
+          </a:p>
+        </p:txBody>
+      </p:sp>
+      <p:sp>
+        <p:nvSpPr>
           <p:cNvPr id="14" name="Rounded Rectangle 13"/>
           <p:cNvSpPr/>
           <p:nvPr/>
@@ -7351,8 +7481,8 @@
         </p:nvSpPr>
         <p:spPr>
           <a:xfrm>
-            <a:off x="2590800" y="2438400"/>
-            <a:ext cx="4114800" cy="1143000"/>
+            <a:off x="1600200" y="152400"/>
+            <a:ext cx="1600200" cy="457200"/>
           </a:xfrm>
           <a:prstGeom prst="roundRect">
             <a:avLst/>
@@ -7378,186 +7508,10 @@
           <a:p>
             <a:pPr algn="ctr"/>
             <a:r>
-              <a:rPr lang="he-IL" sz="4000" b="1" dirty="0" smtClean="0"/>
+              <a:rPr lang="he-IL" sz="2000" b="1" dirty="0" smtClean="0"/>
               <a:t>פרופיל אישי</a:t>
             </a:r>
-            <a:endParaRPr lang="he-IL" sz="4000" b="1" dirty="0"/>
-          </a:p>
-        </p:txBody>
-      </p:sp>
-      <p:sp>
-        <p:nvSpPr>
-          <p:cNvPr id="9" name="Rounded Rectangle 8"/>
-          <p:cNvSpPr/>
-          <p:nvPr/>
-        </p:nvSpPr>
-        <p:spPr>
-          <a:xfrm>
-            <a:off x="3429000" y="5638800"/>
-            <a:ext cx="2438400" cy="609600"/>
-          </a:xfrm>
-          <a:prstGeom prst="roundRect">
-            <a:avLst/>
-          </a:prstGeom>
-        </p:spPr>
-        <p:style>
-          <a:lnRef idx="2">
-            <a:schemeClr val="accent6">
-              <a:shade val="50000"/>
-            </a:schemeClr>
-          </a:lnRef>
-          <a:fillRef idx="1">
-            <a:schemeClr val="accent6"/>
-          </a:fillRef>
-          <a:effectRef idx="0">
-            <a:schemeClr val="accent6"/>
-          </a:effectRef>
-          <a:fontRef idx="minor">
-            <a:schemeClr val="lt1"/>
-          </a:fontRef>
-        </p:style>
-        <p:txBody>
-          <a:bodyPr rtlCol="1" anchor="ctr"/>
-          <a:lstStyle/>
-          <a:p>
-            <a:pPr algn="ctr"/>
-            <a:r>
-              <a:rPr lang="he-IL" sz="2800" b="1" dirty="0" smtClean="0"/>
-              <a:t>ספרות</a:t>
-            </a:r>
-            <a:endParaRPr lang="he-IL" sz="2800" b="1" dirty="0"/>
-          </a:p>
-        </p:txBody>
-      </p:sp>
-      <p:sp>
-        <p:nvSpPr>
-          <p:cNvPr id="10" name="Rounded Rectangle 9"/>
-          <p:cNvSpPr/>
-          <p:nvPr/>
-        </p:nvSpPr>
-        <p:spPr>
-          <a:xfrm>
-            <a:off x="3429000" y="5029200"/>
-            <a:ext cx="2438400" cy="609600"/>
-          </a:xfrm>
-          <a:prstGeom prst="roundRect">
-            <a:avLst/>
-          </a:prstGeom>
-        </p:spPr>
-        <p:style>
-          <a:lnRef idx="2">
-            <a:schemeClr val="accent6">
-              <a:shade val="50000"/>
-            </a:schemeClr>
-          </a:lnRef>
-          <a:fillRef idx="1">
-            <a:schemeClr val="accent6"/>
-          </a:fillRef>
-          <a:effectRef idx="0">
-            <a:schemeClr val="accent6"/>
-          </a:effectRef>
-          <a:fontRef idx="minor">
-            <a:schemeClr val="lt1"/>
-          </a:fontRef>
-        </p:style>
-        <p:txBody>
-          <a:bodyPr rtlCol="1" anchor="ctr"/>
-          <a:lstStyle/>
-          <a:p>
-            <a:pPr algn="ctr"/>
-            <a:r>
-              <a:rPr lang="he-IL" sz="2800" b="1" dirty="0" smtClean="0"/>
-              <a:t>תרבות ישראל</a:t>
-            </a:r>
-            <a:endParaRPr lang="he-IL" sz="2800" b="1" dirty="0"/>
-          </a:p>
-        </p:txBody>
-      </p:sp>
-      <p:sp>
-        <p:nvSpPr>
-          <p:cNvPr id="11" name="Rounded Rectangle 10"/>
-          <p:cNvSpPr/>
-          <p:nvPr/>
-        </p:nvSpPr>
-        <p:spPr>
-          <a:xfrm>
-            <a:off x="3429000" y="4419600"/>
-            <a:ext cx="2438400" cy="609600"/>
-          </a:xfrm>
-          <a:prstGeom prst="roundRect">
-            <a:avLst/>
-          </a:prstGeom>
-        </p:spPr>
-        <p:style>
-          <a:lnRef idx="2">
-            <a:schemeClr val="accent6">
-              <a:shade val="50000"/>
-            </a:schemeClr>
-          </a:lnRef>
-          <a:fillRef idx="1">
-            <a:schemeClr val="accent6"/>
-          </a:fillRef>
-          <a:effectRef idx="0">
-            <a:schemeClr val="accent6"/>
-          </a:effectRef>
-          <a:fontRef idx="minor">
-            <a:schemeClr val="lt1"/>
-          </a:fontRef>
-        </p:style>
-        <p:txBody>
-          <a:bodyPr rtlCol="1" anchor="ctr"/>
-          <a:lstStyle/>
-          <a:p>
-            <a:pPr algn="ctr"/>
-            <a:r>
-              <a:rPr lang="he-IL" sz="2800" b="1" dirty="0" smtClean="0"/>
-              <a:t>הסטוריה</a:t>
-            </a:r>
-            <a:endParaRPr lang="he-IL" sz="2800" b="1" dirty="0"/>
-          </a:p>
-        </p:txBody>
-      </p:sp>
-      <p:sp>
-        <p:nvSpPr>
-          <p:cNvPr id="12" name="Rounded Rectangle 11"/>
-          <p:cNvSpPr/>
-          <p:nvPr/>
-        </p:nvSpPr>
-        <p:spPr>
-          <a:xfrm>
-            <a:off x="3429000" y="3810000"/>
-            <a:ext cx="2438400" cy="609600"/>
-          </a:xfrm>
-          <a:prstGeom prst="roundRect">
-            <a:avLst/>
-          </a:prstGeom>
-        </p:spPr>
-        <p:style>
-          <a:lnRef idx="2">
-            <a:schemeClr val="accent6">
-              <a:shade val="50000"/>
-            </a:schemeClr>
-          </a:lnRef>
-          <a:fillRef idx="1">
-            <a:schemeClr val="accent6"/>
-          </a:fillRef>
-          <a:effectRef idx="0">
-            <a:schemeClr val="accent6"/>
-          </a:effectRef>
-          <a:fontRef idx="minor">
-            <a:schemeClr val="lt1"/>
-          </a:fontRef>
-        </p:style>
-        <p:txBody>
-          <a:bodyPr rtlCol="1" anchor="ctr"/>
-          <a:lstStyle/>
-          <a:p>
-            <a:pPr algn="ctr"/>
-            <a:r>
-              <a:rPr lang="he-IL" sz="2800" b="1" dirty="0" smtClean="0"/>
-              <a:t>מדעים</a:t>
-            </a:r>
-            <a:endParaRPr lang="he-IL" sz="2800" b="1" dirty="0"/>
+            <a:endParaRPr lang="he-IL" sz="2000" b="1" dirty="0"/>
           </a:p>
         </p:txBody>
       </p:sp>
@@ -7586,6 +7540,410 @@
           <a:chExt cx="0" cy="0"/>
         </a:xfrm>
       </p:grpSpPr>
+      <p:pic>
+        <p:nvPicPr>
+          <p:cNvPr id="4" name="תמונה 4"/>
+          <p:cNvPicPr/>
+          <p:nvPr/>
+        </p:nvPicPr>
+        <p:blipFill>
+          <a:blip r:embed="rId2" cstate="print">
+            <a:extLst>
+              <a:ext uri="{28A0092B-C50C-407E-A947-70E740481C1C}">
+                <a14:useLocalDpi xmlns:lc="http://schemas.openxmlformats.org/drawingml/2006/lockedCanvas" xmlns:pic="http://schemas.openxmlformats.org/drawingml/2006/picture" xmlns:a14="http://schemas.microsoft.com/office/drawing/2010/main" xmlns:wps="http://schemas.microsoft.com/office/word/2010/wordprocessingShape" xmlns:wne="http://schemas.microsoft.com/office/word/2006/wordml" xmlns:wpi="http://schemas.microsoft.com/office/word/2010/wordprocessingInk" xmlns:wpg="http://schemas.microsoft.com/office/word/2010/wordprocessingGroup" xmlns:w15="http://schemas.microsoft.com/office/word/2012/wordml" xmlns:w14="http://schemas.microsoft.com/office/word/2010/wordml" xmlns:w="http://schemas.openxmlformats.org/wordprocessingml/2006/main" xmlns:w10="urn:schemas-microsoft-com:office:word" xmlns:wp="http://schemas.openxmlformats.org/drawingml/2006/wordprocessingDrawing" xmlns:wp14="http://schemas.microsoft.com/office/word/2010/wordprocessingDrawing" xmlns:v="urn:schemas-microsoft-com:vml" xmlns:m="http://schemas.openxmlformats.org/officeDocument/2006/math" xmlns:o="urn:schemas-microsoft-com:office:office" xmlns:mc="http://schemas.openxmlformats.org/markup-compatibility/2006" xmlns:wpc="http://schemas.microsoft.com/office/word/2010/wordprocessingCanvas" xmlns="" val="0"/>
+              </a:ext>
+            </a:extLst>
+          </a:blip>
+          <a:stretch>
+            <a:fillRect/>
+          </a:stretch>
+        </p:blipFill>
+        <p:spPr>
+          <a:xfrm>
+            <a:off x="0" y="0"/>
+            <a:ext cx="9144000" cy="6858000"/>
+          </a:xfrm>
+          <a:prstGeom prst="rect">
+            <a:avLst/>
+          </a:prstGeom>
+        </p:spPr>
+      </p:pic>
+    </p:spTree>
+  </p:cSld>
+  <p:clrMapOvr>
+    <a:masterClrMapping/>
+  </p:clrMapOvr>
+</p:sld>
+</file>
+
+<file path=ppt/slides/slide22.xml><?xml version="1.0" encoding="utf-8"?>
+<p:sld xmlns:a="http://schemas.openxmlformats.org/drawingml/2006/main" xmlns:r="http://schemas.openxmlformats.org/officeDocument/2006/relationships" xmlns:p="http://schemas.openxmlformats.org/presentationml/2006/main">
+  <p:cSld>
+    <p:spTree>
+      <p:nvGrpSpPr>
+        <p:cNvPr id="1" name=""/>
+        <p:cNvGrpSpPr/>
+        <p:nvPr/>
+      </p:nvGrpSpPr>
+      <p:grpSpPr>
+        <a:xfrm>
+          <a:off x="0" y="0"/>
+          <a:ext cx="0" cy="0"/>
+          <a:chOff x="0" y="0"/>
+          <a:chExt cx="0" cy="0"/>
+        </a:xfrm>
+      </p:grpSpPr>
+      <p:sp>
+        <p:nvSpPr>
+          <p:cNvPr id="5" name="Right Arrow 4"/>
+          <p:cNvSpPr/>
+          <p:nvPr/>
+        </p:nvSpPr>
+        <p:spPr>
+          <a:xfrm>
+            <a:off x="7924800" y="381000"/>
+            <a:ext cx="1143000" cy="762000"/>
+          </a:xfrm>
+          <a:prstGeom prst="rightArrow">
+            <a:avLst/>
+          </a:prstGeom>
+        </p:spPr>
+        <p:style>
+          <a:lnRef idx="0">
+            <a:schemeClr val="accent2"/>
+          </a:lnRef>
+          <a:fillRef idx="3">
+            <a:schemeClr val="accent2"/>
+          </a:fillRef>
+          <a:effectRef idx="3">
+            <a:schemeClr val="accent2"/>
+          </a:effectRef>
+          <a:fontRef idx="minor">
+            <a:schemeClr val="lt1"/>
+          </a:fontRef>
+        </p:style>
+        <p:txBody>
+          <a:bodyPr rtlCol="1" anchor="ctr"/>
+          <a:lstStyle/>
+          <a:p>
+            <a:pPr algn="ctr"/>
+            <a:r>
+              <a:rPr lang="he-IL" b="1" dirty="0" smtClean="0"/>
+              <a:t>חזור</a:t>
+            </a:r>
+            <a:endParaRPr lang="he-IL" b="1" dirty="0"/>
+          </a:p>
+        </p:txBody>
+      </p:sp>
+      <p:pic>
+        <p:nvPicPr>
+          <p:cNvPr id="8" name="Picture 7" descr="1a.png"/>
+          <p:cNvPicPr>
+            <a:picLocks noChangeAspect="1"/>
+          </p:cNvPicPr>
+          <p:nvPr/>
+        </p:nvPicPr>
+        <p:blipFill>
+          <a:blip r:embed="rId2" cstate="print"/>
+          <a:stretch>
+            <a:fillRect/>
+          </a:stretch>
+        </p:blipFill>
+        <p:spPr>
+          <a:xfrm>
+            <a:off x="2209800" y="0"/>
+            <a:ext cx="4762500" cy="2743200"/>
+          </a:xfrm>
+          <a:prstGeom prst="rect">
+            <a:avLst/>
+          </a:prstGeom>
+        </p:spPr>
+      </p:pic>
+      <p:sp>
+        <p:nvSpPr>
+          <p:cNvPr id="14" name="Rounded Rectangle 13"/>
+          <p:cNvSpPr/>
+          <p:nvPr/>
+        </p:nvSpPr>
+        <p:spPr>
+          <a:xfrm>
+            <a:off x="152400" y="152400"/>
+            <a:ext cx="1371600" cy="457200"/>
+          </a:xfrm>
+          <a:prstGeom prst="roundRect">
+            <a:avLst/>
+          </a:prstGeom>
+        </p:spPr>
+        <p:style>
+          <a:lnRef idx="0">
+            <a:schemeClr val="accent2"/>
+          </a:lnRef>
+          <a:fillRef idx="3">
+            <a:schemeClr val="accent2"/>
+          </a:fillRef>
+          <a:effectRef idx="3">
+            <a:schemeClr val="accent2"/>
+          </a:effectRef>
+          <a:fontRef idx="minor">
+            <a:schemeClr val="lt1"/>
+          </a:fontRef>
+        </p:style>
+        <p:txBody>
+          <a:bodyPr rtlCol="1" anchor="ctr"/>
+          <a:lstStyle/>
+          <a:p>
+            <a:pPr algn="ctr"/>
+            <a:r>
+              <a:rPr lang="he-IL" sz="2000" b="1" dirty="0" smtClean="0"/>
+              <a:t>התנתק</a:t>
+            </a:r>
+            <a:endParaRPr lang="he-IL" sz="2000" b="1" dirty="0"/>
+          </a:p>
+        </p:txBody>
+      </p:sp>
+      <p:sp>
+        <p:nvSpPr>
+          <p:cNvPr id="15" name="Rounded Rectangle 14"/>
+          <p:cNvSpPr/>
+          <p:nvPr/>
+        </p:nvSpPr>
+        <p:spPr>
+          <a:xfrm>
+            <a:off x="2590800" y="2438400"/>
+            <a:ext cx="4114800" cy="1143000"/>
+          </a:xfrm>
+          <a:prstGeom prst="roundRect">
+            <a:avLst/>
+          </a:prstGeom>
+        </p:spPr>
+        <p:style>
+          <a:lnRef idx="0">
+            <a:schemeClr val="accent3"/>
+          </a:lnRef>
+          <a:fillRef idx="3">
+            <a:schemeClr val="accent3"/>
+          </a:fillRef>
+          <a:effectRef idx="3">
+            <a:schemeClr val="accent3"/>
+          </a:effectRef>
+          <a:fontRef idx="minor">
+            <a:schemeClr val="lt1"/>
+          </a:fontRef>
+        </p:style>
+        <p:txBody>
+          <a:bodyPr rtlCol="1" anchor="ctr"/>
+          <a:lstStyle/>
+          <a:p>
+            <a:pPr algn="ctr"/>
+            <a:r>
+              <a:rPr lang="he-IL" sz="4000" b="1" dirty="0" smtClean="0"/>
+              <a:t>פרופיל אישי</a:t>
+            </a:r>
+            <a:endParaRPr lang="he-IL" sz="4000" b="1" dirty="0"/>
+          </a:p>
+        </p:txBody>
+      </p:sp>
+      <p:sp>
+        <p:nvSpPr>
+          <p:cNvPr id="9" name="Rounded Rectangle 8"/>
+          <p:cNvSpPr/>
+          <p:nvPr/>
+        </p:nvSpPr>
+        <p:spPr>
+          <a:xfrm>
+            <a:off x="3429000" y="5638800"/>
+            <a:ext cx="2438400" cy="609600"/>
+          </a:xfrm>
+          <a:prstGeom prst="roundRect">
+            <a:avLst/>
+          </a:prstGeom>
+        </p:spPr>
+        <p:style>
+          <a:lnRef idx="2">
+            <a:schemeClr val="accent6">
+              <a:shade val="50000"/>
+            </a:schemeClr>
+          </a:lnRef>
+          <a:fillRef idx="1">
+            <a:schemeClr val="accent6"/>
+          </a:fillRef>
+          <a:effectRef idx="0">
+            <a:schemeClr val="accent6"/>
+          </a:effectRef>
+          <a:fontRef idx="minor">
+            <a:schemeClr val="lt1"/>
+          </a:fontRef>
+        </p:style>
+        <p:txBody>
+          <a:bodyPr rtlCol="1" anchor="ctr"/>
+          <a:lstStyle/>
+          <a:p>
+            <a:pPr algn="ctr"/>
+            <a:r>
+              <a:rPr lang="he-IL" sz="2800" b="1" dirty="0" smtClean="0"/>
+              <a:t>ספרות</a:t>
+            </a:r>
+            <a:endParaRPr lang="he-IL" sz="2800" b="1" dirty="0"/>
+          </a:p>
+        </p:txBody>
+      </p:sp>
+      <p:sp>
+        <p:nvSpPr>
+          <p:cNvPr id="10" name="Rounded Rectangle 9"/>
+          <p:cNvSpPr/>
+          <p:nvPr/>
+        </p:nvSpPr>
+        <p:spPr>
+          <a:xfrm>
+            <a:off x="3429000" y="5029200"/>
+            <a:ext cx="2438400" cy="609600"/>
+          </a:xfrm>
+          <a:prstGeom prst="roundRect">
+            <a:avLst/>
+          </a:prstGeom>
+        </p:spPr>
+        <p:style>
+          <a:lnRef idx="2">
+            <a:schemeClr val="accent6">
+              <a:shade val="50000"/>
+            </a:schemeClr>
+          </a:lnRef>
+          <a:fillRef idx="1">
+            <a:schemeClr val="accent6"/>
+          </a:fillRef>
+          <a:effectRef idx="0">
+            <a:schemeClr val="accent6"/>
+          </a:effectRef>
+          <a:fontRef idx="minor">
+            <a:schemeClr val="lt1"/>
+          </a:fontRef>
+        </p:style>
+        <p:txBody>
+          <a:bodyPr rtlCol="1" anchor="ctr"/>
+          <a:lstStyle/>
+          <a:p>
+            <a:pPr algn="ctr"/>
+            <a:r>
+              <a:rPr lang="he-IL" sz="2800" b="1" dirty="0" smtClean="0"/>
+              <a:t>תרבות ישראל</a:t>
+            </a:r>
+            <a:endParaRPr lang="he-IL" sz="2800" b="1" dirty="0"/>
+          </a:p>
+        </p:txBody>
+      </p:sp>
+      <p:sp>
+        <p:nvSpPr>
+          <p:cNvPr id="11" name="Rounded Rectangle 10"/>
+          <p:cNvSpPr/>
+          <p:nvPr/>
+        </p:nvSpPr>
+        <p:spPr>
+          <a:xfrm>
+            <a:off x="3429000" y="4419600"/>
+            <a:ext cx="2438400" cy="609600"/>
+          </a:xfrm>
+          <a:prstGeom prst="roundRect">
+            <a:avLst/>
+          </a:prstGeom>
+        </p:spPr>
+        <p:style>
+          <a:lnRef idx="2">
+            <a:schemeClr val="accent6">
+              <a:shade val="50000"/>
+            </a:schemeClr>
+          </a:lnRef>
+          <a:fillRef idx="1">
+            <a:schemeClr val="accent6"/>
+          </a:fillRef>
+          <a:effectRef idx="0">
+            <a:schemeClr val="accent6"/>
+          </a:effectRef>
+          <a:fontRef idx="minor">
+            <a:schemeClr val="lt1"/>
+          </a:fontRef>
+        </p:style>
+        <p:txBody>
+          <a:bodyPr rtlCol="1" anchor="ctr"/>
+          <a:lstStyle/>
+          <a:p>
+            <a:pPr algn="ctr"/>
+            <a:r>
+              <a:rPr lang="he-IL" sz="2800" b="1" dirty="0" smtClean="0"/>
+              <a:t>הסטוריה</a:t>
+            </a:r>
+            <a:endParaRPr lang="he-IL" sz="2800" b="1" dirty="0"/>
+          </a:p>
+        </p:txBody>
+      </p:sp>
+      <p:sp>
+        <p:nvSpPr>
+          <p:cNvPr id="12" name="Rounded Rectangle 11"/>
+          <p:cNvSpPr/>
+          <p:nvPr/>
+        </p:nvSpPr>
+        <p:spPr>
+          <a:xfrm>
+            <a:off x="3429000" y="3810000"/>
+            <a:ext cx="2438400" cy="609600"/>
+          </a:xfrm>
+          <a:prstGeom prst="roundRect">
+            <a:avLst/>
+          </a:prstGeom>
+        </p:spPr>
+        <p:style>
+          <a:lnRef idx="2">
+            <a:schemeClr val="accent6">
+              <a:shade val="50000"/>
+            </a:schemeClr>
+          </a:lnRef>
+          <a:fillRef idx="1">
+            <a:schemeClr val="accent6"/>
+          </a:fillRef>
+          <a:effectRef idx="0">
+            <a:schemeClr val="accent6"/>
+          </a:effectRef>
+          <a:fontRef idx="minor">
+            <a:schemeClr val="lt1"/>
+          </a:fontRef>
+        </p:style>
+        <p:txBody>
+          <a:bodyPr rtlCol="1" anchor="ctr"/>
+          <a:lstStyle/>
+          <a:p>
+            <a:pPr algn="ctr"/>
+            <a:r>
+              <a:rPr lang="he-IL" sz="2800" b="1" dirty="0" smtClean="0"/>
+              <a:t>מדעים</a:t>
+            </a:r>
+            <a:endParaRPr lang="he-IL" sz="2800" b="1" dirty="0"/>
+          </a:p>
+        </p:txBody>
+      </p:sp>
+    </p:spTree>
+  </p:cSld>
+  <p:clrMapOvr>
+    <a:masterClrMapping/>
+  </p:clrMapOvr>
+</p:sld>
+</file>
+
+<file path=ppt/slides/slide23.xml><?xml version="1.0" encoding="utf-8"?>
+<p:sld xmlns:a="http://schemas.openxmlformats.org/drawingml/2006/main" xmlns:r="http://schemas.openxmlformats.org/officeDocument/2006/relationships" xmlns:p="http://schemas.openxmlformats.org/presentationml/2006/main">
+  <p:cSld>
+    <p:spTree>
+      <p:nvGrpSpPr>
+        <p:cNvPr id="1" name=""/>
+        <p:cNvGrpSpPr/>
+        <p:nvPr/>
+      </p:nvGrpSpPr>
+      <p:grpSpPr>
+        <a:xfrm>
+          <a:off x="0" y="0"/>
+          <a:ext cx="0" cy="0"/>
+          <a:chOff x="0" y="0"/>
+          <a:chExt cx="0" cy="0"/>
+        </a:xfrm>
+      </p:grpSpPr>
       <p:sp>
         <p:nvSpPr>
           <p:cNvPr id="5" name="Right Arrow 4"/>
@@ -7820,7 +8178,7 @@
 </p:sld>
 </file>
 
-<file path=ppt/slides/slide22.xml><?xml version="1.0" encoding="utf-8"?>
+<file path=ppt/slides/slide24.xml><?xml version="1.0" encoding="utf-8"?>
 <p:sld xmlns:a="http://schemas.openxmlformats.org/drawingml/2006/main" xmlns:r="http://schemas.openxmlformats.org/officeDocument/2006/relationships" xmlns:p="http://schemas.openxmlformats.org/presentationml/2006/main">
   <p:cSld>
     <p:spTree>
@@ -7978,787 +8336,6 @@
 </p:sld>
 </file>
 
-<file path=ppt/slides/slide23.xml><?xml version="1.0" encoding="utf-8"?>
-<p:sld xmlns:a="http://schemas.openxmlformats.org/drawingml/2006/main" xmlns:r="http://schemas.openxmlformats.org/officeDocument/2006/relationships" xmlns:p="http://schemas.openxmlformats.org/presentationml/2006/main">
-  <p:cSld>
-    <p:spTree>
-      <p:nvGrpSpPr>
-        <p:cNvPr id="1" name=""/>
-        <p:cNvGrpSpPr/>
-        <p:nvPr/>
-      </p:nvGrpSpPr>
-      <p:grpSpPr>
-        <a:xfrm>
-          <a:off x="0" y="0"/>
-          <a:ext cx="0" cy="0"/>
-          <a:chOff x="0" y="0"/>
-          <a:chExt cx="0" cy="0"/>
-        </a:xfrm>
-      </p:grpSpPr>
-      <p:pic>
-        <p:nvPicPr>
-          <p:cNvPr id="4" name="Picture 3" descr="1a.png"/>
-          <p:cNvPicPr>
-            <a:picLocks noChangeAspect="1"/>
-          </p:cNvPicPr>
-          <p:nvPr/>
-        </p:nvPicPr>
-        <p:blipFill>
-          <a:blip r:embed="rId2" cstate="print"/>
-          <a:stretch>
-            <a:fillRect/>
-          </a:stretch>
-        </p:blipFill>
-        <p:spPr>
-          <a:xfrm>
-            <a:off x="2438400" y="0"/>
-            <a:ext cx="4762500" cy="2743200"/>
-          </a:xfrm>
-          <a:prstGeom prst="rect">
-            <a:avLst/>
-          </a:prstGeom>
-        </p:spPr>
-      </p:pic>
-      <p:sp>
-        <p:nvSpPr>
-          <p:cNvPr id="5" name="Rounded Rectangle 4"/>
-          <p:cNvSpPr/>
-          <p:nvPr/>
-        </p:nvSpPr>
-        <p:spPr>
-          <a:xfrm>
-            <a:off x="4648200" y="3505200"/>
-            <a:ext cx="4038600" cy="609600"/>
-          </a:xfrm>
-          <a:prstGeom prst="roundRect">
-            <a:avLst/>
-          </a:prstGeom>
-        </p:spPr>
-        <p:style>
-          <a:lnRef idx="2">
-            <a:schemeClr val="accent6">
-              <a:shade val="50000"/>
-            </a:schemeClr>
-          </a:lnRef>
-          <a:fillRef idx="1">
-            <a:schemeClr val="accent6"/>
-          </a:fillRef>
-          <a:effectRef idx="0">
-            <a:schemeClr val="accent6"/>
-          </a:effectRef>
-          <a:fontRef idx="minor">
-            <a:schemeClr val="lt1"/>
-          </a:fontRef>
-        </p:style>
-        <p:txBody>
-          <a:bodyPr rtlCol="1" anchor="ctr"/>
-          <a:lstStyle/>
-          <a:p>
-            <a:pPr algn="ctr"/>
-            <a:r>
-              <a:rPr lang="he-IL" sz="2800" b="1" dirty="0" smtClean="0"/>
-              <a:t>הוספת תוכן</a:t>
-            </a:r>
-            <a:endParaRPr lang="he-IL" sz="2800" b="1" dirty="0"/>
-          </a:p>
-        </p:txBody>
-      </p:sp>
-      <p:sp>
-        <p:nvSpPr>
-          <p:cNvPr id="7" name="Rounded Rectangle 6"/>
-          <p:cNvSpPr/>
-          <p:nvPr/>
-        </p:nvSpPr>
-        <p:spPr>
-          <a:xfrm>
-            <a:off x="533400" y="4724400"/>
-            <a:ext cx="4038600" cy="609600"/>
-          </a:xfrm>
-          <a:prstGeom prst="roundRect">
-            <a:avLst/>
-          </a:prstGeom>
-        </p:spPr>
-        <p:style>
-          <a:lnRef idx="2">
-            <a:schemeClr val="accent6">
-              <a:shade val="50000"/>
-            </a:schemeClr>
-          </a:lnRef>
-          <a:fillRef idx="1">
-            <a:schemeClr val="accent6"/>
-          </a:fillRef>
-          <a:effectRef idx="0">
-            <a:schemeClr val="accent6"/>
-          </a:effectRef>
-          <a:fontRef idx="minor">
-            <a:schemeClr val="lt1"/>
-          </a:fontRef>
-        </p:style>
-        <p:txBody>
-          <a:bodyPr rtlCol="1" anchor="ctr"/>
-          <a:lstStyle/>
-          <a:p>
-            <a:pPr algn="ctr"/>
-            <a:r>
-              <a:rPr lang="he-IL" sz="2800" b="1" dirty="0" smtClean="0"/>
-              <a:t>רשימת תלמידים</a:t>
-            </a:r>
-            <a:endParaRPr lang="he-IL" sz="2800" b="1" dirty="0"/>
-          </a:p>
-        </p:txBody>
-      </p:sp>
-      <p:sp>
-        <p:nvSpPr>
-          <p:cNvPr id="8" name="Rounded Rectangle 7"/>
-          <p:cNvSpPr/>
-          <p:nvPr/>
-        </p:nvSpPr>
-        <p:spPr>
-          <a:xfrm>
-            <a:off x="533400" y="4114800"/>
-            <a:ext cx="4038600" cy="609600"/>
-          </a:xfrm>
-          <a:prstGeom prst="roundRect">
-            <a:avLst/>
-          </a:prstGeom>
-        </p:spPr>
-        <p:style>
-          <a:lnRef idx="2">
-            <a:schemeClr val="accent6">
-              <a:shade val="50000"/>
-            </a:schemeClr>
-          </a:lnRef>
-          <a:fillRef idx="1">
-            <a:schemeClr val="accent6"/>
-          </a:fillRef>
-          <a:effectRef idx="0">
-            <a:schemeClr val="accent6"/>
-          </a:effectRef>
-          <a:fontRef idx="minor">
-            <a:schemeClr val="lt1"/>
-          </a:fontRef>
-        </p:style>
-        <p:txBody>
-          <a:bodyPr rtlCol="1" anchor="ctr"/>
-          <a:lstStyle/>
-          <a:p>
-            <a:pPr algn="ctr"/>
-            <a:r>
-              <a:rPr lang="he-IL" sz="2800" b="1" dirty="0" smtClean="0"/>
-              <a:t>רשימת מורים</a:t>
-            </a:r>
-            <a:endParaRPr lang="he-IL" sz="2800" b="1" dirty="0"/>
-          </a:p>
-        </p:txBody>
-      </p:sp>
-      <p:sp>
-        <p:nvSpPr>
-          <p:cNvPr id="9" name="Rounded Rectangle 8"/>
-          <p:cNvSpPr/>
-          <p:nvPr/>
-        </p:nvSpPr>
-        <p:spPr>
-          <a:xfrm>
-            <a:off x="533400" y="3505200"/>
-            <a:ext cx="4038600" cy="609600"/>
-          </a:xfrm>
-          <a:prstGeom prst="roundRect">
-            <a:avLst/>
-          </a:prstGeom>
-        </p:spPr>
-        <p:style>
-          <a:lnRef idx="2">
-            <a:schemeClr val="accent6">
-              <a:shade val="50000"/>
-            </a:schemeClr>
-          </a:lnRef>
-          <a:fillRef idx="1">
-            <a:schemeClr val="accent6"/>
-          </a:fillRef>
-          <a:effectRef idx="0">
-            <a:schemeClr val="accent6"/>
-          </a:effectRef>
-          <a:fontRef idx="minor">
-            <a:schemeClr val="lt1"/>
-          </a:fontRef>
-        </p:style>
-        <p:txBody>
-          <a:bodyPr rtlCol="1" anchor="ctr"/>
-          <a:lstStyle/>
-          <a:p>
-            <a:pPr algn="ctr"/>
-            <a:r>
-              <a:rPr lang="he-IL" sz="2800" b="1" dirty="0" smtClean="0"/>
-              <a:t>רשימת כיתות</a:t>
-            </a:r>
-            <a:endParaRPr lang="he-IL" sz="2800" b="1" dirty="0"/>
-          </a:p>
-        </p:txBody>
-      </p:sp>
-      <p:sp>
-        <p:nvSpPr>
-          <p:cNvPr id="10" name="TextBox 9"/>
-          <p:cNvSpPr txBox="1"/>
-          <p:nvPr/>
-        </p:nvSpPr>
-        <p:spPr>
-          <a:xfrm>
-            <a:off x="3048000" y="2514600"/>
-            <a:ext cx="5715000" cy="461665"/>
-          </a:xfrm>
-          <a:prstGeom prst="rect">
-            <a:avLst/>
-          </a:prstGeom>
-          <a:noFill/>
-        </p:spPr>
-        <p:txBody>
-          <a:bodyPr wrap="square" rtlCol="1">
-            <a:spAutoFit/>
-          </a:bodyPr>
-          <a:lstStyle/>
-          <a:p>
-            <a:pPr algn="r"/>
-            <a:r>
-              <a:rPr lang="he-IL" sz="2400" b="1" dirty="0" smtClean="0"/>
-              <a:t>ברוך הבא &lt;שם משתמש&gt;</a:t>
-            </a:r>
-            <a:endParaRPr lang="en-US" sz="2400" b="1" dirty="0" smtClean="0"/>
-          </a:p>
-        </p:txBody>
-      </p:sp>
-      <p:sp>
-        <p:nvSpPr>
-          <p:cNvPr id="11" name="Rounded Rectangle 10"/>
-          <p:cNvSpPr/>
-          <p:nvPr/>
-        </p:nvSpPr>
-        <p:spPr>
-          <a:xfrm>
-            <a:off x="152400" y="152400"/>
-            <a:ext cx="1371600" cy="457200"/>
-          </a:xfrm>
-          <a:prstGeom prst="roundRect">
-            <a:avLst/>
-          </a:prstGeom>
-        </p:spPr>
-        <p:style>
-          <a:lnRef idx="0">
-            <a:schemeClr val="accent2"/>
-          </a:lnRef>
-          <a:fillRef idx="3">
-            <a:schemeClr val="accent2"/>
-          </a:fillRef>
-          <a:effectRef idx="3">
-            <a:schemeClr val="accent2"/>
-          </a:effectRef>
-          <a:fontRef idx="minor">
-            <a:schemeClr val="lt1"/>
-          </a:fontRef>
-        </p:style>
-        <p:txBody>
-          <a:bodyPr rtlCol="1" anchor="ctr"/>
-          <a:lstStyle/>
-          <a:p>
-            <a:pPr algn="ctr"/>
-            <a:r>
-              <a:rPr lang="he-IL" sz="2000" b="1" dirty="0" smtClean="0"/>
-              <a:t>התנתק</a:t>
-            </a:r>
-            <a:endParaRPr lang="he-IL" sz="2000" b="1" dirty="0"/>
-          </a:p>
-        </p:txBody>
-      </p:sp>
-      <p:sp>
-        <p:nvSpPr>
-          <p:cNvPr id="13" name="Rounded Rectangle 12"/>
-          <p:cNvSpPr/>
-          <p:nvPr/>
-        </p:nvSpPr>
-        <p:spPr>
-          <a:xfrm>
-            <a:off x="4648200" y="4114800"/>
-            <a:ext cx="4038600" cy="609600"/>
-          </a:xfrm>
-          <a:prstGeom prst="roundRect">
-            <a:avLst/>
-          </a:prstGeom>
-        </p:spPr>
-        <p:style>
-          <a:lnRef idx="2">
-            <a:schemeClr val="accent6">
-              <a:shade val="50000"/>
-            </a:schemeClr>
-          </a:lnRef>
-          <a:fillRef idx="1">
-            <a:schemeClr val="accent6"/>
-          </a:fillRef>
-          <a:effectRef idx="0">
-            <a:schemeClr val="accent6"/>
-          </a:effectRef>
-          <a:fontRef idx="minor">
-            <a:schemeClr val="lt1"/>
-          </a:fontRef>
-        </p:style>
-        <p:txBody>
-          <a:bodyPr rtlCol="1" anchor="ctr"/>
-          <a:lstStyle/>
-          <a:p>
-            <a:pPr algn="ctr"/>
-            <a:r>
-              <a:rPr lang="he-IL" sz="2800" b="1" dirty="0" smtClean="0"/>
-              <a:t>הוספת משתמשים / כיתות</a:t>
-            </a:r>
-            <a:endParaRPr lang="he-IL" sz="2800" b="1" dirty="0"/>
-          </a:p>
-        </p:txBody>
-      </p:sp>
-      <p:sp>
-        <p:nvSpPr>
-          <p:cNvPr id="14" name="Rounded Rectangle 13"/>
-          <p:cNvSpPr/>
-          <p:nvPr/>
-        </p:nvSpPr>
-        <p:spPr>
-          <a:xfrm>
-            <a:off x="4648200" y="4724400"/>
-            <a:ext cx="4038600" cy="609600"/>
-          </a:xfrm>
-          <a:prstGeom prst="roundRect">
-            <a:avLst/>
-          </a:prstGeom>
-        </p:spPr>
-        <p:style>
-          <a:lnRef idx="2">
-            <a:schemeClr val="accent6">
-              <a:shade val="50000"/>
-            </a:schemeClr>
-          </a:lnRef>
-          <a:fillRef idx="1">
-            <a:schemeClr val="accent6"/>
-          </a:fillRef>
-          <a:effectRef idx="0">
-            <a:schemeClr val="accent6"/>
-          </a:effectRef>
-          <a:fontRef idx="minor">
-            <a:schemeClr val="lt1"/>
-          </a:fontRef>
-        </p:style>
-        <p:txBody>
-          <a:bodyPr rtlCol="1" anchor="ctr"/>
-          <a:lstStyle/>
-          <a:p>
-            <a:pPr algn="ctr"/>
-            <a:r>
-              <a:rPr lang="he-IL" sz="2800" b="1" dirty="0" smtClean="0"/>
-              <a:t>בדיקת שאלות</a:t>
-            </a:r>
-            <a:endParaRPr lang="he-IL" sz="2800" b="1" dirty="0"/>
-          </a:p>
-        </p:txBody>
-      </p:sp>
-    </p:spTree>
-  </p:cSld>
-  <p:clrMapOvr>
-    <a:masterClrMapping/>
-  </p:clrMapOvr>
-</p:sld>
-</file>
-
-<file path=ppt/slides/slide24.xml><?xml version="1.0" encoding="utf-8"?>
-<p:sld xmlns:a="http://schemas.openxmlformats.org/drawingml/2006/main" xmlns:r="http://schemas.openxmlformats.org/officeDocument/2006/relationships" xmlns:p="http://schemas.openxmlformats.org/presentationml/2006/main">
-  <p:cSld>
-    <p:spTree>
-      <p:nvGrpSpPr>
-        <p:cNvPr id="1" name=""/>
-        <p:cNvGrpSpPr/>
-        <p:nvPr/>
-      </p:nvGrpSpPr>
-      <p:grpSpPr>
-        <a:xfrm>
-          <a:off x="0" y="0"/>
-          <a:ext cx="0" cy="0"/>
-          <a:chOff x="0" y="0"/>
-          <a:chExt cx="0" cy="0"/>
-        </a:xfrm>
-      </p:grpSpPr>
-      <p:pic>
-        <p:nvPicPr>
-          <p:cNvPr id="4" name="Picture 3" descr="1a.png"/>
-          <p:cNvPicPr>
-            <a:picLocks noChangeAspect="1"/>
-          </p:cNvPicPr>
-          <p:nvPr/>
-        </p:nvPicPr>
-        <p:blipFill>
-          <a:blip r:embed="rId2" cstate="print"/>
-          <a:stretch>
-            <a:fillRect/>
-          </a:stretch>
-        </p:blipFill>
-        <p:spPr>
-          <a:xfrm>
-            <a:off x="2438400" y="0"/>
-            <a:ext cx="4762500" cy="2743200"/>
-          </a:xfrm>
-          <a:prstGeom prst="rect">
-            <a:avLst/>
-          </a:prstGeom>
-        </p:spPr>
-      </p:pic>
-      <p:sp>
-        <p:nvSpPr>
-          <p:cNvPr id="5" name="Rounded Rectangle 4"/>
-          <p:cNvSpPr/>
-          <p:nvPr/>
-        </p:nvSpPr>
-        <p:spPr>
-          <a:xfrm>
-            <a:off x="3124200" y="2362200"/>
-            <a:ext cx="2895600" cy="609600"/>
-          </a:xfrm>
-          <a:prstGeom prst="roundRect">
-            <a:avLst/>
-          </a:prstGeom>
-        </p:spPr>
-        <p:style>
-          <a:lnRef idx="3">
-            <a:schemeClr val="lt1"/>
-          </a:lnRef>
-          <a:fillRef idx="1">
-            <a:schemeClr val="accent3"/>
-          </a:fillRef>
-          <a:effectRef idx="1">
-            <a:schemeClr val="accent3"/>
-          </a:effectRef>
-          <a:fontRef idx="minor">
-            <a:schemeClr val="lt1"/>
-          </a:fontRef>
-        </p:style>
-        <p:txBody>
-          <a:bodyPr rtlCol="1" anchor="ctr"/>
-          <a:lstStyle/>
-          <a:p>
-            <a:pPr algn="ctr"/>
-            <a:r>
-              <a:rPr lang="he-IL" sz="2800" b="1" dirty="0" smtClean="0"/>
-              <a:t>הוספת תוכן</a:t>
-            </a:r>
-            <a:endParaRPr lang="he-IL" sz="2800" b="1" dirty="0"/>
-          </a:p>
-        </p:txBody>
-      </p:sp>
-      <p:sp>
-        <p:nvSpPr>
-          <p:cNvPr id="11" name="Rounded Rectangle 10"/>
-          <p:cNvSpPr/>
-          <p:nvPr/>
-        </p:nvSpPr>
-        <p:spPr>
-          <a:xfrm>
-            <a:off x="152400" y="152400"/>
-            <a:ext cx="1371600" cy="457200"/>
-          </a:xfrm>
-          <a:prstGeom prst="roundRect">
-            <a:avLst/>
-          </a:prstGeom>
-        </p:spPr>
-        <p:style>
-          <a:lnRef idx="0">
-            <a:schemeClr val="accent2"/>
-          </a:lnRef>
-          <a:fillRef idx="3">
-            <a:schemeClr val="accent2"/>
-          </a:fillRef>
-          <a:effectRef idx="3">
-            <a:schemeClr val="accent2"/>
-          </a:effectRef>
-          <a:fontRef idx="minor">
-            <a:schemeClr val="lt1"/>
-          </a:fontRef>
-        </p:style>
-        <p:txBody>
-          <a:bodyPr rtlCol="1" anchor="ctr"/>
-          <a:lstStyle/>
-          <a:p>
-            <a:pPr algn="ctr"/>
-            <a:r>
-              <a:rPr lang="he-IL" sz="2000" b="1" dirty="0" smtClean="0"/>
-              <a:t>התנתק</a:t>
-            </a:r>
-            <a:endParaRPr lang="he-IL" sz="2000" b="1" dirty="0"/>
-          </a:p>
-        </p:txBody>
-      </p:sp>
-      <p:sp>
-        <p:nvSpPr>
-          <p:cNvPr id="12" name="Right Arrow 11"/>
-          <p:cNvSpPr/>
-          <p:nvPr/>
-        </p:nvSpPr>
-        <p:spPr>
-          <a:xfrm>
-            <a:off x="7924800" y="381000"/>
-            <a:ext cx="1143000" cy="762000"/>
-          </a:xfrm>
-          <a:prstGeom prst="rightArrow">
-            <a:avLst/>
-          </a:prstGeom>
-        </p:spPr>
-        <p:style>
-          <a:lnRef idx="0">
-            <a:schemeClr val="accent2"/>
-          </a:lnRef>
-          <a:fillRef idx="3">
-            <a:schemeClr val="accent2"/>
-          </a:fillRef>
-          <a:effectRef idx="3">
-            <a:schemeClr val="accent2"/>
-          </a:effectRef>
-          <a:fontRef idx="minor">
-            <a:schemeClr val="lt1"/>
-          </a:fontRef>
-        </p:style>
-        <p:txBody>
-          <a:bodyPr rtlCol="1" anchor="ctr"/>
-          <a:lstStyle/>
-          <a:p>
-            <a:pPr algn="ctr"/>
-            <a:r>
-              <a:rPr lang="he-IL" b="1" dirty="0" smtClean="0"/>
-              <a:t>חזור</a:t>
-            </a:r>
-            <a:endParaRPr lang="he-IL" b="1" dirty="0"/>
-          </a:p>
-        </p:txBody>
-      </p:sp>
-      <p:sp>
-        <p:nvSpPr>
-          <p:cNvPr id="15" name="Rounded Rectangle 14"/>
-          <p:cNvSpPr/>
-          <p:nvPr/>
-        </p:nvSpPr>
-        <p:spPr>
-          <a:xfrm>
-            <a:off x="2895600" y="3352800"/>
-            <a:ext cx="3352800" cy="609600"/>
-          </a:xfrm>
-          <a:prstGeom prst="roundRect">
-            <a:avLst/>
-          </a:prstGeom>
-        </p:spPr>
-        <p:style>
-          <a:lnRef idx="2">
-            <a:schemeClr val="accent6">
-              <a:shade val="50000"/>
-            </a:schemeClr>
-          </a:lnRef>
-          <a:fillRef idx="1">
-            <a:schemeClr val="accent6"/>
-          </a:fillRef>
-          <a:effectRef idx="0">
-            <a:schemeClr val="accent6"/>
-          </a:effectRef>
-          <a:fontRef idx="minor">
-            <a:schemeClr val="lt1"/>
-          </a:fontRef>
-        </p:style>
-        <p:txBody>
-          <a:bodyPr rtlCol="1" anchor="ctr"/>
-          <a:lstStyle/>
-          <a:p>
-            <a:pPr algn="ctr"/>
-            <a:r>
-              <a:rPr lang="he-IL" sz="2800" b="1" dirty="0" smtClean="0"/>
-              <a:t>הוספת סיפור</a:t>
-            </a:r>
-            <a:endParaRPr lang="he-IL" sz="2800" b="1" dirty="0"/>
-          </a:p>
-        </p:txBody>
-      </p:sp>
-      <p:sp>
-        <p:nvSpPr>
-          <p:cNvPr id="19" name="Rounded Rectangle 18"/>
-          <p:cNvSpPr/>
-          <p:nvPr/>
-        </p:nvSpPr>
-        <p:spPr>
-          <a:xfrm>
-            <a:off x="2895600" y="3962400"/>
-            <a:ext cx="3352800" cy="609600"/>
-          </a:xfrm>
-          <a:prstGeom prst="roundRect">
-            <a:avLst/>
-          </a:prstGeom>
-        </p:spPr>
-        <p:style>
-          <a:lnRef idx="2">
-            <a:schemeClr val="accent6">
-              <a:shade val="50000"/>
-            </a:schemeClr>
-          </a:lnRef>
-          <a:fillRef idx="1">
-            <a:schemeClr val="accent6"/>
-          </a:fillRef>
-          <a:effectRef idx="0">
-            <a:schemeClr val="accent6"/>
-          </a:effectRef>
-          <a:fontRef idx="minor">
-            <a:schemeClr val="lt1"/>
-          </a:fontRef>
-        </p:style>
-        <p:txBody>
-          <a:bodyPr rtlCol="1" anchor="ctr"/>
-          <a:lstStyle/>
-          <a:p>
-            <a:pPr algn="ctr"/>
-            <a:r>
-              <a:rPr lang="he-IL" sz="2800" b="1" dirty="0" smtClean="0"/>
-              <a:t>הוספת קובץ שמע</a:t>
-            </a:r>
-            <a:endParaRPr lang="he-IL" sz="2800" b="1" dirty="0"/>
-          </a:p>
-        </p:txBody>
-      </p:sp>
-      <p:sp>
-        <p:nvSpPr>
-          <p:cNvPr id="20" name="Rounded Rectangle 19"/>
-          <p:cNvSpPr/>
-          <p:nvPr/>
-        </p:nvSpPr>
-        <p:spPr>
-          <a:xfrm>
-            <a:off x="2895600" y="4572000"/>
-            <a:ext cx="3352800" cy="609600"/>
-          </a:xfrm>
-          <a:prstGeom prst="roundRect">
-            <a:avLst/>
-          </a:prstGeom>
-        </p:spPr>
-        <p:style>
-          <a:lnRef idx="2">
-            <a:schemeClr val="accent6">
-              <a:shade val="50000"/>
-            </a:schemeClr>
-          </a:lnRef>
-          <a:fillRef idx="1">
-            <a:schemeClr val="accent6"/>
-          </a:fillRef>
-          <a:effectRef idx="0">
-            <a:schemeClr val="accent6"/>
-          </a:effectRef>
-          <a:fontRef idx="minor">
-            <a:schemeClr val="lt1"/>
-          </a:fontRef>
-        </p:style>
-        <p:txBody>
-          <a:bodyPr rtlCol="1" anchor="ctr"/>
-          <a:lstStyle/>
-          <a:p>
-            <a:pPr algn="ctr"/>
-            <a:r>
-              <a:rPr lang="he-IL" sz="2800" b="1" dirty="0" smtClean="0"/>
-              <a:t>הוספת שאלות</a:t>
-            </a:r>
-            <a:endParaRPr lang="he-IL" sz="2800" b="1" dirty="0"/>
-          </a:p>
-        </p:txBody>
-      </p:sp>
-      <p:sp>
-        <p:nvSpPr>
-          <p:cNvPr id="21" name="Rounded Rectangle 20"/>
-          <p:cNvSpPr/>
-          <p:nvPr/>
-        </p:nvSpPr>
-        <p:spPr>
-          <a:xfrm>
-            <a:off x="2895600" y="5181600"/>
-            <a:ext cx="3352800" cy="609600"/>
-          </a:xfrm>
-          <a:prstGeom prst="roundRect">
-            <a:avLst/>
-          </a:prstGeom>
-        </p:spPr>
-        <p:style>
-          <a:lnRef idx="2">
-            <a:schemeClr val="accent6">
-              <a:shade val="50000"/>
-            </a:schemeClr>
-          </a:lnRef>
-          <a:fillRef idx="1">
-            <a:schemeClr val="accent6"/>
-          </a:fillRef>
-          <a:effectRef idx="0">
-            <a:schemeClr val="accent6"/>
-          </a:effectRef>
-          <a:fontRef idx="minor">
-            <a:schemeClr val="lt1"/>
-          </a:fontRef>
-        </p:style>
-        <p:txBody>
-          <a:bodyPr rtlCol="1" anchor="ctr"/>
-          <a:lstStyle/>
-          <a:p>
-            <a:pPr algn="ctr"/>
-            <a:r>
-              <a:rPr lang="he-IL" sz="2800" b="1" dirty="0" smtClean="0"/>
-              <a:t>עריכת שאלות</a:t>
-            </a:r>
-            <a:endParaRPr lang="he-IL" sz="2800" b="1" dirty="0"/>
-          </a:p>
-        </p:txBody>
-      </p:sp>
-      <p:sp>
-        <p:nvSpPr>
-          <p:cNvPr id="22" name="Rounded Rectangle 21"/>
-          <p:cNvSpPr/>
-          <p:nvPr/>
-        </p:nvSpPr>
-        <p:spPr>
-          <a:xfrm>
-            <a:off x="2895600" y="5791200"/>
-            <a:ext cx="3352800" cy="609600"/>
-          </a:xfrm>
-          <a:prstGeom prst="roundRect">
-            <a:avLst/>
-          </a:prstGeom>
-        </p:spPr>
-        <p:style>
-          <a:lnRef idx="2">
-            <a:schemeClr val="accent6">
-              <a:shade val="50000"/>
-            </a:schemeClr>
-          </a:lnRef>
-          <a:fillRef idx="1">
-            <a:schemeClr val="accent6"/>
-          </a:fillRef>
-          <a:effectRef idx="0">
-            <a:schemeClr val="accent6"/>
-          </a:effectRef>
-          <a:fontRef idx="minor">
-            <a:schemeClr val="lt1"/>
-          </a:fontRef>
-        </p:style>
-        <p:txBody>
-          <a:bodyPr rtlCol="1" anchor="ctr"/>
-          <a:lstStyle/>
-          <a:p>
-            <a:pPr algn="ctr"/>
-            <a:r>
-              <a:rPr lang="he-IL" sz="2800" b="1" dirty="0" smtClean="0"/>
-              <a:t>הוספת פירושי מילים</a:t>
-            </a:r>
-            <a:endParaRPr lang="he-IL" sz="2800" b="1" dirty="0"/>
-          </a:p>
-        </p:txBody>
-      </p:sp>
-    </p:spTree>
-  </p:cSld>
-  <p:clrMapOvr>
-    <a:masterClrMapping/>
-  </p:clrMapOvr>
-</p:sld>
-</file>
-
 <file path=ppt/slides/slide25.xml><?xml version="1.0" encoding="utf-8"?>
 <p:sld xmlns:a="http://schemas.openxmlformats.org/drawingml/2006/main" xmlns:r="http://schemas.openxmlformats.org/officeDocument/2006/relationships" xmlns:p="http://schemas.openxmlformats.org/presentationml/2006/main">
   <p:cSld>
@@ -8802,140 +8379,14 @@
       </p:pic>
       <p:sp>
         <p:nvSpPr>
-          <p:cNvPr id="11" name="Rounded Rectangle 10"/>
-          <p:cNvSpPr/>
-          <p:nvPr/>
-        </p:nvSpPr>
-        <p:spPr>
-          <a:xfrm>
-            <a:off x="152400" y="152400"/>
-            <a:ext cx="1371600" cy="457200"/>
-          </a:xfrm>
-          <a:prstGeom prst="roundRect">
-            <a:avLst/>
-          </a:prstGeom>
-        </p:spPr>
-        <p:style>
-          <a:lnRef idx="0">
-            <a:schemeClr val="accent2"/>
-          </a:lnRef>
-          <a:fillRef idx="3">
-            <a:schemeClr val="accent2"/>
-          </a:fillRef>
-          <a:effectRef idx="3">
-            <a:schemeClr val="accent2"/>
-          </a:effectRef>
-          <a:fontRef idx="minor">
-            <a:schemeClr val="lt1"/>
-          </a:fontRef>
-        </p:style>
-        <p:txBody>
-          <a:bodyPr rtlCol="1" anchor="ctr"/>
-          <a:lstStyle/>
-          <a:p>
-            <a:pPr algn="ctr"/>
-            <a:r>
-              <a:rPr lang="he-IL" sz="2000" b="1" dirty="0" smtClean="0"/>
-              <a:t>התנתק</a:t>
-            </a:r>
-            <a:endParaRPr lang="he-IL" sz="2000" b="1" dirty="0"/>
-          </a:p>
-        </p:txBody>
-      </p:sp>
-      <p:sp>
-        <p:nvSpPr>
-          <p:cNvPr id="13" name="Rounded Rectangle 12"/>
-          <p:cNvSpPr/>
-          <p:nvPr/>
-        </p:nvSpPr>
-        <p:spPr>
-          <a:xfrm>
-            <a:off x="2362200" y="2286000"/>
-            <a:ext cx="4419600" cy="609600"/>
-          </a:xfrm>
-          <a:prstGeom prst="roundRect">
-            <a:avLst/>
-          </a:prstGeom>
-        </p:spPr>
-        <p:style>
-          <a:lnRef idx="3">
-            <a:schemeClr val="lt1"/>
-          </a:lnRef>
-          <a:fillRef idx="1">
-            <a:schemeClr val="accent3"/>
-          </a:fillRef>
-          <a:effectRef idx="1">
-            <a:schemeClr val="accent3"/>
-          </a:effectRef>
-          <a:fontRef idx="minor">
-            <a:schemeClr val="lt1"/>
-          </a:fontRef>
-        </p:style>
-        <p:txBody>
-          <a:bodyPr rtlCol="1" anchor="ctr"/>
-          <a:lstStyle/>
-          <a:p>
-            <a:pPr algn="ctr"/>
-            <a:r>
-              <a:rPr lang="he-IL" sz="2800" b="1" dirty="0" smtClean="0"/>
-              <a:t>הוספת משתמשים / כיתות</a:t>
-            </a:r>
-            <a:endParaRPr lang="he-IL" sz="2800" b="1" dirty="0"/>
-          </a:p>
-        </p:txBody>
-      </p:sp>
-      <p:sp>
-        <p:nvSpPr>
-          <p:cNvPr id="12" name="Right Arrow 11"/>
-          <p:cNvSpPr/>
-          <p:nvPr/>
-        </p:nvSpPr>
-        <p:spPr>
-          <a:xfrm>
-            <a:off x="7924800" y="381000"/>
-            <a:ext cx="1143000" cy="762000"/>
-          </a:xfrm>
-          <a:prstGeom prst="rightArrow">
-            <a:avLst/>
-          </a:prstGeom>
-        </p:spPr>
-        <p:style>
-          <a:lnRef idx="0">
-            <a:schemeClr val="accent2"/>
-          </a:lnRef>
-          <a:fillRef idx="3">
-            <a:schemeClr val="accent2"/>
-          </a:fillRef>
-          <a:effectRef idx="3">
-            <a:schemeClr val="accent2"/>
-          </a:effectRef>
-          <a:fontRef idx="minor">
-            <a:schemeClr val="lt1"/>
-          </a:fontRef>
-        </p:style>
-        <p:txBody>
-          <a:bodyPr rtlCol="1" anchor="ctr"/>
-          <a:lstStyle/>
-          <a:p>
-            <a:pPr algn="ctr"/>
-            <a:r>
-              <a:rPr lang="he-IL" b="1" dirty="0" smtClean="0"/>
-              <a:t>חזור</a:t>
-            </a:r>
-            <a:endParaRPr lang="he-IL" b="1" dirty="0"/>
-          </a:p>
-        </p:txBody>
-      </p:sp>
-      <p:sp>
-        <p:nvSpPr>
-          <p:cNvPr id="15" name="Rounded Rectangle 14"/>
-          <p:cNvSpPr/>
-          <p:nvPr/>
-        </p:nvSpPr>
-        <p:spPr>
-          <a:xfrm>
-            <a:off x="2971800" y="4724400"/>
-            <a:ext cx="3429000" cy="609600"/>
+          <p:cNvPr id="5" name="Rounded Rectangle 4"/>
+          <p:cNvSpPr/>
+          <p:nvPr/>
+        </p:nvSpPr>
+        <p:spPr>
+          <a:xfrm>
+            <a:off x="4648200" y="3505200"/>
+            <a:ext cx="4038600" cy="609600"/>
           </a:xfrm>
           <a:prstGeom prst="roundRect">
             <a:avLst/>
@@ -8964,7 +8415,7 @@
             <a:pPr algn="ctr"/>
             <a:r>
               <a:rPr lang="he-IL" sz="2800" b="1" dirty="0" smtClean="0"/>
-              <a:t>הוספת מורה</a:t>
+              <a:t>הוספת תוכן</a:t>
             </a:r>
             <a:endParaRPr lang="he-IL" sz="2800" b="1" dirty="0"/>
           </a:p>
@@ -8972,14 +8423,14 @@
       </p:sp>
       <p:sp>
         <p:nvSpPr>
-          <p:cNvPr id="16" name="Rounded Rectangle 15"/>
-          <p:cNvSpPr/>
-          <p:nvPr/>
-        </p:nvSpPr>
-        <p:spPr>
-          <a:xfrm>
-            <a:off x="2971800" y="4114800"/>
-            <a:ext cx="3429000" cy="609600"/>
+          <p:cNvPr id="7" name="Rounded Rectangle 6"/>
+          <p:cNvSpPr/>
+          <p:nvPr/>
+        </p:nvSpPr>
+        <p:spPr>
+          <a:xfrm>
+            <a:off x="533400" y="4724400"/>
+            <a:ext cx="4038600" cy="609600"/>
           </a:xfrm>
           <a:prstGeom prst="roundRect">
             <a:avLst/>
@@ -9008,7 +8459,7 @@
             <a:pPr algn="ctr"/>
             <a:r>
               <a:rPr lang="he-IL" sz="2800" b="1" dirty="0" smtClean="0"/>
-              <a:t>הוספת תלמיד</a:t>
+              <a:t>רשימת תלמידים</a:t>
             </a:r>
             <a:endParaRPr lang="he-IL" sz="2800" b="1" dirty="0"/>
           </a:p>
@@ -9016,14 +8467,14 @@
       </p:sp>
       <p:sp>
         <p:nvSpPr>
-          <p:cNvPr id="17" name="Rounded Rectangle 16"/>
-          <p:cNvSpPr/>
-          <p:nvPr/>
-        </p:nvSpPr>
-        <p:spPr>
-          <a:xfrm>
-            <a:off x="2971800" y="3505200"/>
-            <a:ext cx="3429000" cy="609600"/>
+          <p:cNvPr id="8" name="Rounded Rectangle 7"/>
+          <p:cNvSpPr/>
+          <p:nvPr/>
+        </p:nvSpPr>
+        <p:spPr>
+          <a:xfrm>
+            <a:off x="533400" y="4114800"/>
+            <a:ext cx="4038600" cy="609600"/>
           </a:xfrm>
           <a:prstGeom prst="roundRect">
             <a:avLst/>
@@ -9052,7 +8503,212 @@
             <a:pPr algn="ctr"/>
             <a:r>
               <a:rPr lang="he-IL" sz="2800" b="1" dirty="0" smtClean="0"/>
-              <a:t>הוספת כיתה</a:t>
+              <a:t>רשימת מורים</a:t>
+            </a:r>
+            <a:endParaRPr lang="he-IL" sz="2800" b="1" dirty="0"/>
+          </a:p>
+        </p:txBody>
+      </p:sp>
+      <p:sp>
+        <p:nvSpPr>
+          <p:cNvPr id="9" name="Rounded Rectangle 8"/>
+          <p:cNvSpPr/>
+          <p:nvPr/>
+        </p:nvSpPr>
+        <p:spPr>
+          <a:xfrm>
+            <a:off x="533400" y="3505200"/>
+            <a:ext cx="4038600" cy="609600"/>
+          </a:xfrm>
+          <a:prstGeom prst="roundRect">
+            <a:avLst/>
+          </a:prstGeom>
+        </p:spPr>
+        <p:style>
+          <a:lnRef idx="2">
+            <a:schemeClr val="accent6">
+              <a:shade val="50000"/>
+            </a:schemeClr>
+          </a:lnRef>
+          <a:fillRef idx="1">
+            <a:schemeClr val="accent6"/>
+          </a:fillRef>
+          <a:effectRef idx="0">
+            <a:schemeClr val="accent6"/>
+          </a:effectRef>
+          <a:fontRef idx="minor">
+            <a:schemeClr val="lt1"/>
+          </a:fontRef>
+        </p:style>
+        <p:txBody>
+          <a:bodyPr rtlCol="1" anchor="ctr"/>
+          <a:lstStyle/>
+          <a:p>
+            <a:pPr algn="ctr"/>
+            <a:r>
+              <a:rPr lang="he-IL" sz="2800" b="1" dirty="0" smtClean="0"/>
+              <a:t>רשימת כיתות</a:t>
+            </a:r>
+            <a:endParaRPr lang="he-IL" sz="2800" b="1" dirty="0"/>
+          </a:p>
+        </p:txBody>
+      </p:sp>
+      <p:sp>
+        <p:nvSpPr>
+          <p:cNvPr id="10" name="TextBox 9"/>
+          <p:cNvSpPr txBox="1"/>
+          <p:nvPr/>
+        </p:nvSpPr>
+        <p:spPr>
+          <a:xfrm>
+            <a:off x="3048000" y="2514600"/>
+            <a:ext cx="5715000" cy="461665"/>
+          </a:xfrm>
+          <a:prstGeom prst="rect">
+            <a:avLst/>
+          </a:prstGeom>
+          <a:noFill/>
+        </p:spPr>
+        <p:txBody>
+          <a:bodyPr wrap="square" rtlCol="1">
+            <a:spAutoFit/>
+          </a:bodyPr>
+          <a:lstStyle/>
+          <a:p>
+            <a:pPr algn="r"/>
+            <a:r>
+              <a:rPr lang="he-IL" sz="2400" b="1" dirty="0" smtClean="0"/>
+              <a:t>ברוך הבא &lt;שם משתמש&gt;</a:t>
+            </a:r>
+            <a:endParaRPr lang="en-US" sz="2400" b="1" dirty="0" smtClean="0"/>
+          </a:p>
+        </p:txBody>
+      </p:sp>
+      <p:sp>
+        <p:nvSpPr>
+          <p:cNvPr id="11" name="Rounded Rectangle 10"/>
+          <p:cNvSpPr/>
+          <p:nvPr/>
+        </p:nvSpPr>
+        <p:spPr>
+          <a:xfrm>
+            <a:off x="152400" y="152400"/>
+            <a:ext cx="1371600" cy="457200"/>
+          </a:xfrm>
+          <a:prstGeom prst="roundRect">
+            <a:avLst/>
+          </a:prstGeom>
+        </p:spPr>
+        <p:style>
+          <a:lnRef idx="0">
+            <a:schemeClr val="accent2"/>
+          </a:lnRef>
+          <a:fillRef idx="3">
+            <a:schemeClr val="accent2"/>
+          </a:fillRef>
+          <a:effectRef idx="3">
+            <a:schemeClr val="accent2"/>
+          </a:effectRef>
+          <a:fontRef idx="minor">
+            <a:schemeClr val="lt1"/>
+          </a:fontRef>
+        </p:style>
+        <p:txBody>
+          <a:bodyPr rtlCol="1" anchor="ctr"/>
+          <a:lstStyle/>
+          <a:p>
+            <a:pPr algn="ctr"/>
+            <a:r>
+              <a:rPr lang="he-IL" sz="2000" b="1" dirty="0" smtClean="0"/>
+              <a:t>התנתק</a:t>
+            </a:r>
+            <a:endParaRPr lang="he-IL" sz="2000" b="1" dirty="0"/>
+          </a:p>
+        </p:txBody>
+      </p:sp>
+      <p:sp>
+        <p:nvSpPr>
+          <p:cNvPr id="13" name="Rounded Rectangle 12"/>
+          <p:cNvSpPr/>
+          <p:nvPr/>
+        </p:nvSpPr>
+        <p:spPr>
+          <a:xfrm>
+            <a:off x="4648200" y="4114800"/>
+            <a:ext cx="4038600" cy="609600"/>
+          </a:xfrm>
+          <a:prstGeom prst="roundRect">
+            <a:avLst/>
+          </a:prstGeom>
+        </p:spPr>
+        <p:style>
+          <a:lnRef idx="2">
+            <a:schemeClr val="accent6">
+              <a:shade val="50000"/>
+            </a:schemeClr>
+          </a:lnRef>
+          <a:fillRef idx="1">
+            <a:schemeClr val="accent6"/>
+          </a:fillRef>
+          <a:effectRef idx="0">
+            <a:schemeClr val="accent6"/>
+          </a:effectRef>
+          <a:fontRef idx="minor">
+            <a:schemeClr val="lt1"/>
+          </a:fontRef>
+        </p:style>
+        <p:txBody>
+          <a:bodyPr rtlCol="1" anchor="ctr"/>
+          <a:lstStyle/>
+          <a:p>
+            <a:pPr algn="ctr"/>
+            <a:r>
+              <a:rPr lang="he-IL" sz="2800" b="1" dirty="0" smtClean="0"/>
+              <a:t>הוספת משתמשים / כיתות</a:t>
+            </a:r>
+            <a:endParaRPr lang="he-IL" sz="2800" b="1" dirty="0"/>
+          </a:p>
+        </p:txBody>
+      </p:sp>
+      <p:sp>
+        <p:nvSpPr>
+          <p:cNvPr id="14" name="Rounded Rectangle 13"/>
+          <p:cNvSpPr/>
+          <p:nvPr/>
+        </p:nvSpPr>
+        <p:spPr>
+          <a:xfrm>
+            <a:off x="4648200" y="4724400"/>
+            <a:ext cx="4038600" cy="609600"/>
+          </a:xfrm>
+          <a:prstGeom prst="roundRect">
+            <a:avLst/>
+          </a:prstGeom>
+        </p:spPr>
+        <p:style>
+          <a:lnRef idx="2">
+            <a:schemeClr val="accent6">
+              <a:shade val="50000"/>
+            </a:schemeClr>
+          </a:lnRef>
+          <a:fillRef idx="1">
+            <a:schemeClr val="accent6"/>
+          </a:fillRef>
+          <a:effectRef idx="0">
+            <a:schemeClr val="accent6"/>
+          </a:effectRef>
+          <a:fontRef idx="minor">
+            <a:schemeClr val="lt1"/>
+          </a:fontRef>
+        </p:style>
+        <p:txBody>
+          <a:bodyPr rtlCol="1" anchor="ctr"/>
+          <a:lstStyle/>
+          <a:p>
+            <a:pPr algn="ctr"/>
+            <a:r>
+              <a:rPr lang="he-IL" sz="2800" b="1" dirty="0" smtClean="0"/>
+              <a:t>בדיקת שאלות</a:t>
             </a:r>
             <a:endParaRPr lang="he-IL" sz="2800" b="1" dirty="0"/>
           </a:p>
@@ -9109,6 +8765,48 @@
       </p:pic>
       <p:sp>
         <p:nvSpPr>
+          <p:cNvPr id="5" name="Rounded Rectangle 4"/>
+          <p:cNvSpPr/>
+          <p:nvPr/>
+        </p:nvSpPr>
+        <p:spPr>
+          <a:xfrm>
+            <a:off x="3124200" y="2362200"/>
+            <a:ext cx="2895600" cy="609600"/>
+          </a:xfrm>
+          <a:prstGeom prst="roundRect">
+            <a:avLst/>
+          </a:prstGeom>
+        </p:spPr>
+        <p:style>
+          <a:lnRef idx="3">
+            <a:schemeClr val="lt1"/>
+          </a:lnRef>
+          <a:fillRef idx="1">
+            <a:schemeClr val="accent3"/>
+          </a:fillRef>
+          <a:effectRef idx="1">
+            <a:schemeClr val="accent3"/>
+          </a:effectRef>
+          <a:fontRef idx="minor">
+            <a:schemeClr val="lt1"/>
+          </a:fontRef>
+        </p:style>
+        <p:txBody>
+          <a:bodyPr rtlCol="1" anchor="ctr"/>
+          <a:lstStyle/>
+          <a:p>
+            <a:pPr algn="ctr"/>
+            <a:r>
+              <a:rPr lang="he-IL" sz="2800" b="1" dirty="0" smtClean="0"/>
+              <a:t>הוספת תוכן</a:t>
+            </a:r>
+            <a:endParaRPr lang="he-IL" sz="2800" b="1" dirty="0"/>
+          </a:p>
+        </p:txBody>
+      </p:sp>
+      <p:sp>
+        <p:nvSpPr>
           <p:cNvPr id="11" name="Rounded Rectangle 10"/>
           <p:cNvSpPr/>
           <p:nvPr/>
@@ -9151,48 +8849,6 @@
       </p:sp>
       <p:sp>
         <p:nvSpPr>
-          <p:cNvPr id="14" name="Rounded Rectangle 13"/>
-          <p:cNvSpPr/>
-          <p:nvPr/>
-        </p:nvSpPr>
-        <p:spPr>
-          <a:xfrm>
-            <a:off x="2971800" y="2286000"/>
-            <a:ext cx="2895600" cy="609600"/>
-          </a:xfrm>
-          <a:prstGeom prst="roundRect">
-            <a:avLst/>
-          </a:prstGeom>
-        </p:spPr>
-        <p:style>
-          <a:lnRef idx="3">
-            <a:schemeClr val="lt1"/>
-          </a:lnRef>
-          <a:fillRef idx="1">
-            <a:schemeClr val="accent3"/>
-          </a:fillRef>
-          <a:effectRef idx="1">
-            <a:schemeClr val="accent3"/>
-          </a:effectRef>
-          <a:fontRef idx="minor">
-            <a:schemeClr val="lt1"/>
-          </a:fontRef>
-        </p:style>
-        <p:txBody>
-          <a:bodyPr rtlCol="1" anchor="ctr"/>
-          <a:lstStyle/>
-          <a:p>
-            <a:pPr algn="ctr"/>
-            <a:r>
-              <a:rPr lang="he-IL" sz="2800" b="1" dirty="0" smtClean="0"/>
-              <a:t>בדיקת שאלות</a:t>
-            </a:r>
-            <a:endParaRPr lang="he-IL" sz="2800" b="1" dirty="0"/>
-          </a:p>
-        </p:txBody>
-      </p:sp>
-      <p:sp>
-        <p:nvSpPr>
           <p:cNvPr id="12" name="Right Arrow 11"/>
           <p:cNvSpPr/>
           <p:nvPr/>
@@ -9241,7 +8897,7 @@
         </p:nvSpPr>
         <p:spPr>
           <a:xfrm>
-            <a:off x="2743200" y="3352800"/>
+            <a:off x="2895600" y="3352800"/>
             <a:ext cx="3352800" cy="609600"/>
           </a:xfrm>
           <a:prstGeom prst="roundRect">
@@ -9271,7 +8927,7 @@
             <a:pPr algn="ctr"/>
             <a:r>
               <a:rPr lang="he-IL" sz="2800" b="1" dirty="0" smtClean="0"/>
-              <a:t>כיתה ז' 2</a:t>
+              <a:t>הוספת סיפור</a:t>
             </a:r>
             <a:endParaRPr lang="he-IL" sz="2800" b="1" dirty="0"/>
           </a:p>
@@ -9279,13 +8935,13 @@
       </p:sp>
       <p:sp>
         <p:nvSpPr>
-          <p:cNvPr id="16" name="Rounded Rectangle 15"/>
-          <p:cNvSpPr/>
-          <p:nvPr/>
-        </p:nvSpPr>
-        <p:spPr>
-          <a:xfrm>
-            <a:off x="2743200" y="3962400"/>
+          <p:cNvPr id="19" name="Rounded Rectangle 18"/>
+          <p:cNvSpPr/>
+          <p:nvPr/>
+        </p:nvSpPr>
+        <p:spPr>
+          <a:xfrm>
+            <a:off x="2895600" y="3962400"/>
             <a:ext cx="3352800" cy="609600"/>
           </a:xfrm>
           <a:prstGeom prst="roundRect">
@@ -9315,7 +8971,7 @@
             <a:pPr algn="ctr"/>
             <a:r>
               <a:rPr lang="he-IL" sz="2800" b="1" dirty="0" smtClean="0"/>
-              <a:t>כיתה ח' 2</a:t>
+              <a:t>הוספת קובץ שמע</a:t>
             </a:r>
             <a:endParaRPr lang="he-IL" sz="2800" b="1" dirty="0"/>
           </a:p>
@@ -9323,13 +8979,13 @@
       </p:sp>
       <p:sp>
         <p:nvSpPr>
-          <p:cNvPr id="17" name="Rounded Rectangle 16"/>
-          <p:cNvSpPr/>
-          <p:nvPr/>
-        </p:nvSpPr>
-        <p:spPr>
-          <a:xfrm>
-            <a:off x="2743200" y="4572000"/>
+          <p:cNvPr id="20" name="Rounded Rectangle 19"/>
+          <p:cNvSpPr/>
+          <p:nvPr/>
+        </p:nvSpPr>
+        <p:spPr>
+          <a:xfrm>
+            <a:off x="2895600" y="4572000"/>
             <a:ext cx="3352800" cy="609600"/>
           </a:xfrm>
           <a:prstGeom prst="roundRect">
@@ -9359,7 +9015,95 @@
             <a:pPr algn="ctr"/>
             <a:r>
               <a:rPr lang="he-IL" sz="2800" b="1" dirty="0" smtClean="0"/>
-              <a:t>כיתה ט' 1</a:t>
+              <a:t>הוספת שאלות</a:t>
+            </a:r>
+            <a:endParaRPr lang="he-IL" sz="2800" b="1" dirty="0"/>
+          </a:p>
+        </p:txBody>
+      </p:sp>
+      <p:sp>
+        <p:nvSpPr>
+          <p:cNvPr id="21" name="Rounded Rectangle 20"/>
+          <p:cNvSpPr/>
+          <p:nvPr/>
+        </p:nvSpPr>
+        <p:spPr>
+          <a:xfrm>
+            <a:off x="2895600" y="5181600"/>
+            <a:ext cx="3352800" cy="609600"/>
+          </a:xfrm>
+          <a:prstGeom prst="roundRect">
+            <a:avLst/>
+          </a:prstGeom>
+        </p:spPr>
+        <p:style>
+          <a:lnRef idx="2">
+            <a:schemeClr val="accent6">
+              <a:shade val="50000"/>
+            </a:schemeClr>
+          </a:lnRef>
+          <a:fillRef idx="1">
+            <a:schemeClr val="accent6"/>
+          </a:fillRef>
+          <a:effectRef idx="0">
+            <a:schemeClr val="accent6"/>
+          </a:effectRef>
+          <a:fontRef idx="minor">
+            <a:schemeClr val="lt1"/>
+          </a:fontRef>
+        </p:style>
+        <p:txBody>
+          <a:bodyPr rtlCol="1" anchor="ctr"/>
+          <a:lstStyle/>
+          <a:p>
+            <a:pPr algn="ctr"/>
+            <a:r>
+              <a:rPr lang="he-IL" sz="2800" b="1" dirty="0" smtClean="0"/>
+              <a:t>עריכת שאלות</a:t>
+            </a:r>
+            <a:endParaRPr lang="he-IL" sz="2800" b="1" dirty="0"/>
+          </a:p>
+        </p:txBody>
+      </p:sp>
+      <p:sp>
+        <p:nvSpPr>
+          <p:cNvPr id="22" name="Rounded Rectangle 21"/>
+          <p:cNvSpPr/>
+          <p:nvPr/>
+        </p:nvSpPr>
+        <p:spPr>
+          <a:xfrm>
+            <a:off x="2895600" y="5791200"/>
+            <a:ext cx="3352800" cy="609600"/>
+          </a:xfrm>
+          <a:prstGeom prst="roundRect">
+            <a:avLst/>
+          </a:prstGeom>
+        </p:spPr>
+        <p:style>
+          <a:lnRef idx="2">
+            <a:schemeClr val="accent6">
+              <a:shade val="50000"/>
+            </a:schemeClr>
+          </a:lnRef>
+          <a:fillRef idx="1">
+            <a:schemeClr val="accent6"/>
+          </a:fillRef>
+          <a:effectRef idx="0">
+            <a:schemeClr val="accent6"/>
+          </a:effectRef>
+          <a:fontRef idx="minor">
+            <a:schemeClr val="lt1"/>
+          </a:fontRef>
+        </p:style>
+        <p:txBody>
+          <a:bodyPr rtlCol="1" anchor="ctr"/>
+          <a:lstStyle/>
+          <a:p>
+            <a:pPr algn="ctr"/>
+            <a:r>
+              <a:rPr lang="he-IL" sz="2800" b="1" dirty="0" smtClean="0"/>
+              <a:t>הוספת פירושי מילים</a:t>
             </a:r>
             <a:endParaRPr lang="he-IL" sz="2800" b="1" dirty="0"/>
           </a:p>
@@ -9458,14 +9202,14 @@
       </p:sp>
       <p:sp>
         <p:nvSpPr>
-          <p:cNvPr id="14" name="Rounded Rectangle 13"/>
-          <p:cNvSpPr/>
-          <p:nvPr/>
-        </p:nvSpPr>
-        <p:spPr>
-          <a:xfrm>
-            <a:off x="2971800" y="2286000"/>
-            <a:ext cx="2895600" cy="609600"/>
+          <p:cNvPr id="13" name="Rounded Rectangle 12"/>
+          <p:cNvSpPr/>
+          <p:nvPr/>
+        </p:nvSpPr>
+        <p:spPr>
+          <a:xfrm>
+            <a:off x="2362200" y="2286000"/>
+            <a:ext cx="4419600" cy="609600"/>
           </a:xfrm>
           <a:prstGeom prst="roundRect">
             <a:avLst/>
@@ -9492,7 +9236,7 @@
             <a:pPr algn="ctr"/>
             <a:r>
               <a:rPr lang="he-IL" sz="2800" b="1" dirty="0" smtClean="0"/>
-              <a:t>בדיקת שאלות</a:t>
+              <a:t>הוספת משתמשים / כיתות</a:t>
             </a:r>
             <a:endParaRPr lang="he-IL" sz="2800" b="1" dirty="0"/>
           </a:p>
@@ -9548,50 +9292,8 @@
         </p:nvSpPr>
         <p:spPr>
           <a:xfrm>
-            <a:off x="2743200" y="2895600"/>
-            <a:ext cx="3352800" cy="609600"/>
-          </a:xfrm>
-          <a:prstGeom prst="roundRect">
-            <a:avLst/>
-          </a:prstGeom>
-        </p:spPr>
-        <p:style>
-          <a:lnRef idx="0">
-            <a:schemeClr val="accent2"/>
-          </a:lnRef>
-          <a:fillRef idx="3">
-            <a:schemeClr val="accent2"/>
-          </a:fillRef>
-          <a:effectRef idx="3">
-            <a:schemeClr val="accent2"/>
-          </a:effectRef>
-          <a:fontRef idx="minor">
-            <a:schemeClr val="lt1"/>
-          </a:fontRef>
-        </p:style>
-        <p:txBody>
-          <a:bodyPr rtlCol="1" anchor="ctr"/>
-          <a:lstStyle/>
-          <a:p>
-            <a:pPr algn="ctr"/>
-            <a:r>
-              <a:rPr lang="he-IL" sz="2800" b="1" dirty="0" smtClean="0"/>
-              <a:t>כיתה ז' 2</a:t>
-            </a:r>
-            <a:endParaRPr lang="he-IL" sz="2800" b="1" dirty="0"/>
-          </a:p>
-        </p:txBody>
-      </p:sp>
-      <p:sp>
-        <p:nvSpPr>
-          <p:cNvPr id="16" name="Rounded Rectangle 15"/>
-          <p:cNvSpPr/>
-          <p:nvPr/>
-        </p:nvSpPr>
-        <p:spPr>
-          <a:xfrm>
-            <a:off x="2743200" y="3962400"/>
-            <a:ext cx="3352800" cy="609600"/>
+            <a:off x="2971800" y="4724400"/>
+            <a:ext cx="3429000" cy="609600"/>
           </a:xfrm>
           <a:prstGeom prst="roundRect">
             <a:avLst/>
@@ -9620,7 +9322,7 @@
             <a:pPr algn="ctr"/>
             <a:r>
               <a:rPr lang="he-IL" sz="2800" b="1" dirty="0" smtClean="0"/>
-              <a:t>תלמיד א'</a:t>
+              <a:t>הוספת מורה</a:t>
             </a:r>
             <a:endParaRPr lang="he-IL" sz="2800" b="1" dirty="0"/>
           </a:p>
@@ -9628,14 +9330,14 @@
       </p:sp>
       <p:sp>
         <p:nvSpPr>
-          <p:cNvPr id="17" name="Rounded Rectangle 16"/>
-          <p:cNvSpPr/>
-          <p:nvPr/>
-        </p:nvSpPr>
-        <p:spPr>
-          <a:xfrm>
-            <a:off x="2743200" y="4572000"/>
-            <a:ext cx="3352800" cy="609600"/>
+          <p:cNvPr id="16" name="Rounded Rectangle 15"/>
+          <p:cNvSpPr/>
+          <p:nvPr/>
+        </p:nvSpPr>
+        <p:spPr>
+          <a:xfrm>
+            <a:off x="2971800" y="4114800"/>
+            <a:ext cx="3429000" cy="609600"/>
           </a:xfrm>
           <a:prstGeom prst="roundRect">
             <a:avLst/>
@@ -9664,7 +9366,7 @@
             <a:pPr algn="ctr"/>
             <a:r>
               <a:rPr lang="he-IL" sz="2800" b="1" dirty="0" smtClean="0"/>
-              <a:t>תלמיד ב'</a:t>
+              <a:t>הוספת תלמיד</a:t>
             </a:r>
             <a:endParaRPr lang="he-IL" sz="2800" b="1" dirty="0"/>
           </a:p>
@@ -9672,14 +9374,14 @@
       </p:sp>
       <p:sp>
         <p:nvSpPr>
-          <p:cNvPr id="9" name="Rounded Rectangle 8"/>
-          <p:cNvSpPr/>
-          <p:nvPr/>
-        </p:nvSpPr>
-        <p:spPr>
-          <a:xfrm>
-            <a:off x="2743200" y="5181600"/>
-            <a:ext cx="3352800" cy="609600"/>
+          <p:cNvPr id="17" name="Rounded Rectangle 16"/>
+          <p:cNvSpPr/>
+          <p:nvPr/>
+        </p:nvSpPr>
+        <p:spPr>
+          <a:xfrm>
+            <a:off x="2971800" y="3505200"/>
+            <a:ext cx="3429000" cy="609600"/>
           </a:xfrm>
           <a:prstGeom prst="roundRect">
             <a:avLst/>
@@ -9708,59 +9410,9 @@
             <a:pPr algn="ctr"/>
             <a:r>
               <a:rPr lang="he-IL" sz="2800" b="1" dirty="0" smtClean="0"/>
-              <a:t>תלמיד ג'</a:t>
+              <a:t>הוספת כיתה</a:t>
             </a:r>
             <a:endParaRPr lang="he-IL" sz="2800" b="1" dirty="0"/>
-          </a:p>
-        </p:txBody>
-      </p:sp>
-      <p:sp>
-        <p:nvSpPr>
-          <p:cNvPr id="10" name="Line Callout 1 9"/>
-          <p:cNvSpPr/>
-          <p:nvPr/>
-        </p:nvSpPr>
-        <p:spPr>
-          <a:xfrm>
-            <a:off x="6477000" y="4114800"/>
-            <a:ext cx="1447800" cy="685800"/>
-          </a:xfrm>
-          <a:prstGeom prst="borderCallout1">
-            <a:avLst/>
-          </a:prstGeom>
-        </p:spPr>
-        <p:style>
-          <a:lnRef idx="2">
-            <a:schemeClr val="accent2"/>
-          </a:lnRef>
-          <a:fillRef idx="1">
-            <a:schemeClr val="lt1"/>
-          </a:fillRef>
-          <a:effectRef idx="0">
-            <a:schemeClr val="accent2"/>
-          </a:effectRef>
-          <a:fontRef idx="minor">
-            <a:schemeClr val="dk1"/>
-          </a:fontRef>
-        </p:style>
-        <p:txBody>
-          <a:bodyPr rtlCol="1" anchor="ctr"/>
-          <a:lstStyle/>
-          <a:p>
-            <a:pPr algn="ctr"/>
-            <a:r>
-              <a:rPr lang="he-IL" sz="2000" b="1" dirty="0" smtClean="0">
-                <a:solidFill>
-                  <a:srgbClr val="C00000"/>
-                </a:solidFill>
-              </a:rPr>
-              <a:t>ממתין לבדיקה</a:t>
-            </a:r>
-            <a:endParaRPr lang="he-IL" sz="2000" b="1" dirty="0">
-              <a:solidFill>
-                <a:srgbClr val="C00000"/>
-              </a:solidFill>
-            </a:endParaRPr>
           </a:p>
         </p:txBody>
       </p:sp>
@@ -9815,13 +9467,55 @@
       </p:pic>
       <p:sp>
         <p:nvSpPr>
-          <p:cNvPr id="9" name="Rounded Rectangle 8"/>
-          <p:cNvSpPr/>
-          <p:nvPr/>
-        </p:nvSpPr>
-        <p:spPr>
-          <a:xfrm>
-            <a:off x="2971800" y="2362200"/>
+          <p:cNvPr id="11" name="Rounded Rectangle 10"/>
+          <p:cNvSpPr/>
+          <p:nvPr/>
+        </p:nvSpPr>
+        <p:spPr>
+          <a:xfrm>
+            <a:off x="152400" y="152400"/>
+            <a:ext cx="1371600" cy="457200"/>
+          </a:xfrm>
+          <a:prstGeom prst="roundRect">
+            <a:avLst/>
+          </a:prstGeom>
+        </p:spPr>
+        <p:style>
+          <a:lnRef idx="0">
+            <a:schemeClr val="accent2"/>
+          </a:lnRef>
+          <a:fillRef idx="3">
+            <a:schemeClr val="accent2"/>
+          </a:fillRef>
+          <a:effectRef idx="3">
+            <a:schemeClr val="accent2"/>
+          </a:effectRef>
+          <a:fontRef idx="minor">
+            <a:schemeClr val="lt1"/>
+          </a:fontRef>
+        </p:style>
+        <p:txBody>
+          <a:bodyPr rtlCol="1" anchor="ctr"/>
+          <a:lstStyle/>
+          <a:p>
+            <a:pPr algn="ctr"/>
+            <a:r>
+              <a:rPr lang="he-IL" sz="2000" b="1" dirty="0" smtClean="0"/>
+              <a:t>התנתק</a:t>
+            </a:r>
+            <a:endParaRPr lang="he-IL" sz="2000" b="1" dirty="0"/>
+          </a:p>
+        </p:txBody>
+      </p:sp>
+      <p:sp>
+        <p:nvSpPr>
+          <p:cNvPr id="14" name="Rounded Rectangle 13"/>
+          <p:cNvSpPr/>
+          <p:nvPr/>
+        </p:nvSpPr>
+        <p:spPr>
+          <a:xfrm>
+            <a:off x="2971800" y="2286000"/>
             <a:ext cx="2895600" cy="609600"/>
           </a:xfrm>
           <a:prstGeom prst="roundRect">
@@ -9849,51 +9543,9 @@
             <a:pPr algn="ctr"/>
             <a:r>
               <a:rPr lang="he-IL" sz="2800" b="1" dirty="0" smtClean="0"/>
-              <a:t>רשימת כיתות</a:t>
+              <a:t>בדיקת שאלות</a:t>
             </a:r>
             <a:endParaRPr lang="he-IL" sz="2800" b="1" dirty="0"/>
-          </a:p>
-        </p:txBody>
-      </p:sp>
-      <p:sp>
-        <p:nvSpPr>
-          <p:cNvPr id="11" name="Rounded Rectangle 10"/>
-          <p:cNvSpPr/>
-          <p:nvPr/>
-        </p:nvSpPr>
-        <p:spPr>
-          <a:xfrm>
-            <a:off x="152400" y="152400"/>
-            <a:ext cx="1371600" cy="457200"/>
-          </a:xfrm>
-          <a:prstGeom prst="roundRect">
-            <a:avLst/>
-          </a:prstGeom>
-        </p:spPr>
-        <p:style>
-          <a:lnRef idx="0">
-            <a:schemeClr val="accent2"/>
-          </a:lnRef>
-          <a:fillRef idx="3">
-            <a:schemeClr val="accent2"/>
-          </a:fillRef>
-          <a:effectRef idx="3">
-            <a:schemeClr val="accent2"/>
-          </a:effectRef>
-          <a:fontRef idx="minor">
-            <a:schemeClr val="lt1"/>
-          </a:fontRef>
-        </p:style>
-        <p:txBody>
-          <a:bodyPr rtlCol="1" anchor="ctr"/>
-          <a:lstStyle/>
-          <a:p>
-            <a:pPr algn="ctr"/>
-            <a:r>
-              <a:rPr lang="he-IL" sz="2000" b="1" dirty="0" smtClean="0"/>
-              <a:t>התנתק</a:t>
-            </a:r>
-            <a:endParaRPr lang="he-IL" sz="2000" b="1" dirty="0"/>
           </a:p>
         </p:txBody>
       </p:sp>
@@ -9977,7 +9629,7 @@
             <a:pPr algn="ctr"/>
             <a:r>
               <a:rPr lang="he-IL" sz="2800" b="1" dirty="0" smtClean="0"/>
-              <a:t>כיתה ז' 1</a:t>
+              <a:t>כיתה ז' 2</a:t>
             </a:r>
             <a:endParaRPr lang="he-IL" sz="2800" b="1" dirty="0"/>
           </a:p>
@@ -10021,7 +9673,7 @@
             <a:pPr algn="ctr"/>
             <a:r>
               <a:rPr lang="he-IL" sz="2800" b="1" dirty="0" smtClean="0"/>
-              <a:t>כיתה ז' 2</a:t>
+              <a:t>כיתה ח' 2</a:t>
             </a:r>
             <a:endParaRPr lang="he-IL" sz="2800" b="1" dirty="0"/>
           </a:p>
@@ -10036,94 +9688,6 @@
         <p:spPr>
           <a:xfrm>
             <a:off x="2743200" y="4572000"/>
-            <a:ext cx="3352800" cy="609600"/>
-          </a:xfrm>
-          <a:prstGeom prst="roundRect">
-            <a:avLst/>
-          </a:prstGeom>
-        </p:spPr>
-        <p:style>
-          <a:lnRef idx="2">
-            <a:schemeClr val="accent6">
-              <a:shade val="50000"/>
-            </a:schemeClr>
-          </a:lnRef>
-          <a:fillRef idx="1">
-            <a:schemeClr val="accent6"/>
-          </a:fillRef>
-          <a:effectRef idx="0">
-            <a:schemeClr val="accent6"/>
-          </a:effectRef>
-          <a:fontRef idx="minor">
-            <a:schemeClr val="lt1"/>
-          </a:fontRef>
-        </p:style>
-        <p:txBody>
-          <a:bodyPr rtlCol="1" anchor="ctr"/>
-          <a:lstStyle/>
-          <a:p>
-            <a:pPr algn="ctr"/>
-            <a:r>
-              <a:rPr lang="he-IL" sz="2800" b="1" dirty="0" smtClean="0"/>
-              <a:t>כיתה ח' 1</a:t>
-            </a:r>
-            <a:endParaRPr lang="he-IL" sz="2800" b="1" dirty="0"/>
-          </a:p>
-        </p:txBody>
-      </p:sp>
-      <p:sp>
-        <p:nvSpPr>
-          <p:cNvPr id="18" name="Rounded Rectangle 17"/>
-          <p:cNvSpPr/>
-          <p:nvPr/>
-        </p:nvSpPr>
-        <p:spPr>
-          <a:xfrm>
-            <a:off x="2743200" y="5181600"/>
-            <a:ext cx="3352800" cy="609600"/>
-          </a:xfrm>
-          <a:prstGeom prst="roundRect">
-            <a:avLst/>
-          </a:prstGeom>
-        </p:spPr>
-        <p:style>
-          <a:lnRef idx="2">
-            <a:schemeClr val="accent6">
-              <a:shade val="50000"/>
-            </a:schemeClr>
-          </a:lnRef>
-          <a:fillRef idx="1">
-            <a:schemeClr val="accent6"/>
-          </a:fillRef>
-          <a:effectRef idx="0">
-            <a:schemeClr val="accent6"/>
-          </a:effectRef>
-          <a:fontRef idx="minor">
-            <a:schemeClr val="lt1"/>
-          </a:fontRef>
-        </p:style>
-        <p:txBody>
-          <a:bodyPr rtlCol="1" anchor="ctr"/>
-          <a:lstStyle/>
-          <a:p>
-            <a:pPr algn="ctr"/>
-            <a:r>
-              <a:rPr lang="he-IL" sz="2800" b="1" dirty="0" smtClean="0"/>
-              <a:t>כיתה ח' 2</a:t>
-            </a:r>
-            <a:endParaRPr lang="he-IL" sz="2800" b="1" dirty="0"/>
-          </a:p>
-        </p:txBody>
-      </p:sp>
-      <p:sp>
-        <p:nvSpPr>
-          <p:cNvPr id="19" name="Rounded Rectangle 18"/>
-          <p:cNvSpPr/>
-          <p:nvPr/>
-        </p:nvSpPr>
-        <p:spPr>
-          <a:xfrm>
-            <a:off x="2743200" y="5791200"/>
             <a:ext cx="3352800" cy="609600"/>
           </a:xfrm>
           <a:prstGeom prst="roundRect">
@@ -10210,7 +9774,49 @@
       </p:pic>
       <p:sp>
         <p:nvSpPr>
-          <p:cNvPr id="9" name="Rounded Rectangle 8"/>
+          <p:cNvPr id="11" name="Rounded Rectangle 10"/>
+          <p:cNvSpPr/>
+          <p:nvPr/>
+        </p:nvSpPr>
+        <p:spPr>
+          <a:xfrm>
+            <a:off x="152400" y="152400"/>
+            <a:ext cx="1371600" cy="457200"/>
+          </a:xfrm>
+          <a:prstGeom prst="roundRect">
+            <a:avLst/>
+          </a:prstGeom>
+        </p:spPr>
+        <p:style>
+          <a:lnRef idx="0">
+            <a:schemeClr val="accent2"/>
+          </a:lnRef>
+          <a:fillRef idx="3">
+            <a:schemeClr val="accent2"/>
+          </a:fillRef>
+          <a:effectRef idx="3">
+            <a:schemeClr val="accent2"/>
+          </a:effectRef>
+          <a:fontRef idx="minor">
+            <a:schemeClr val="lt1"/>
+          </a:fontRef>
+        </p:style>
+        <p:txBody>
+          <a:bodyPr rtlCol="1" anchor="ctr"/>
+          <a:lstStyle/>
+          <a:p>
+            <a:pPr algn="ctr"/>
+            <a:r>
+              <a:rPr lang="he-IL" sz="2000" b="1" dirty="0" smtClean="0"/>
+              <a:t>התנתק</a:t>
+            </a:r>
+            <a:endParaRPr lang="he-IL" sz="2000" b="1" dirty="0"/>
+          </a:p>
+        </p:txBody>
+      </p:sp>
+      <p:sp>
+        <p:nvSpPr>
+          <p:cNvPr id="14" name="Rounded Rectangle 13"/>
           <p:cNvSpPr/>
           <p:nvPr/>
         </p:nvSpPr>
@@ -10244,7 +9850,7 @@
             <a:pPr algn="ctr"/>
             <a:r>
               <a:rPr lang="he-IL" sz="2800" b="1" dirty="0" smtClean="0"/>
-              <a:t>כיתה ז' 1</a:t>
+              <a:t>בדיקת שאלות</a:t>
             </a:r>
             <a:endParaRPr lang="he-IL" sz="2800" b="1" dirty="0"/>
           </a:p>
@@ -10252,16 +9858,16 @@
       </p:sp>
       <p:sp>
         <p:nvSpPr>
-          <p:cNvPr id="11" name="Rounded Rectangle 10"/>
-          <p:cNvSpPr/>
-          <p:nvPr/>
-        </p:nvSpPr>
-        <p:spPr>
-          <a:xfrm>
-            <a:off x="152400" y="152400"/>
-            <a:ext cx="1371600" cy="457200"/>
-          </a:xfrm>
-          <a:prstGeom prst="roundRect">
+          <p:cNvPr id="12" name="Right Arrow 11"/>
+          <p:cNvSpPr/>
+          <p:nvPr/>
+        </p:nvSpPr>
+        <p:spPr>
+          <a:xfrm>
+            <a:off x="7924800" y="381000"/>
+            <a:ext cx="1143000" cy="762000"/>
+          </a:xfrm>
+          <a:prstGeom prst="rightArrow">
             <a:avLst/>
           </a:prstGeom>
         </p:spPr>
@@ -10285,25 +9891,25 @@
           <a:p>
             <a:pPr algn="ctr"/>
             <a:r>
-              <a:rPr lang="he-IL" sz="2000" b="1" dirty="0" smtClean="0"/>
-              <a:t>התנתק</a:t>
-            </a:r>
-            <a:endParaRPr lang="he-IL" sz="2000" b="1" dirty="0"/>
-          </a:p>
-        </p:txBody>
-      </p:sp>
-      <p:sp>
-        <p:nvSpPr>
-          <p:cNvPr id="12" name="Right Arrow 11"/>
-          <p:cNvSpPr/>
-          <p:nvPr/>
-        </p:nvSpPr>
-        <p:spPr>
-          <a:xfrm>
-            <a:off x="7924800" y="381000"/>
-            <a:ext cx="1143000" cy="762000"/>
-          </a:xfrm>
-          <a:prstGeom prst="rightArrow">
+              <a:rPr lang="he-IL" b="1" dirty="0" smtClean="0"/>
+              <a:t>חזור</a:t>
+            </a:r>
+            <a:endParaRPr lang="he-IL" b="1" dirty="0"/>
+          </a:p>
+        </p:txBody>
+      </p:sp>
+      <p:sp>
+        <p:nvSpPr>
+          <p:cNvPr id="15" name="Rounded Rectangle 14"/>
+          <p:cNvSpPr/>
+          <p:nvPr/>
+        </p:nvSpPr>
+        <p:spPr>
+          <a:xfrm>
+            <a:off x="2743200" y="2895600"/>
+            <a:ext cx="3352800" cy="609600"/>
+          </a:xfrm>
+          <a:prstGeom prst="roundRect">
             <a:avLst/>
           </a:prstGeom>
         </p:spPr>
@@ -10327,22 +9933,22 @@
           <a:p>
             <a:pPr algn="ctr"/>
             <a:r>
-              <a:rPr lang="he-IL" b="1" dirty="0" smtClean="0"/>
-              <a:t>חזור</a:t>
-            </a:r>
-            <a:endParaRPr lang="he-IL" b="1" dirty="0"/>
-          </a:p>
-        </p:txBody>
-      </p:sp>
-      <p:sp>
-        <p:nvSpPr>
-          <p:cNvPr id="15" name="Rounded Rectangle 14"/>
-          <p:cNvSpPr/>
-          <p:nvPr/>
-        </p:nvSpPr>
-        <p:spPr>
-          <a:xfrm>
-            <a:off x="2743200" y="3124200"/>
+              <a:rPr lang="he-IL" sz="2800" b="1" dirty="0" smtClean="0"/>
+              <a:t>כיתה ז' 2</a:t>
+            </a:r>
+            <a:endParaRPr lang="he-IL" sz="2800" b="1" dirty="0"/>
+          </a:p>
+        </p:txBody>
+      </p:sp>
+      <p:sp>
+        <p:nvSpPr>
+          <p:cNvPr id="16" name="Rounded Rectangle 15"/>
+          <p:cNvSpPr/>
+          <p:nvPr/>
+        </p:nvSpPr>
+        <p:spPr>
+          <a:xfrm>
+            <a:off x="2743200" y="3962400"/>
             <a:ext cx="3352800" cy="609600"/>
           </a:xfrm>
           <a:prstGeom prst="roundRect">
@@ -10380,13 +9986,13 @@
       </p:sp>
       <p:sp>
         <p:nvSpPr>
-          <p:cNvPr id="16" name="Rounded Rectangle 15"/>
-          <p:cNvSpPr/>
-          <p:nvPr/>
-        </p:nvSpPr>
-        <p:spPr>
-          <a:xfrm>
-            <a:off x="2743200" y="3733800"/>
+          <p:cNvPr id="17" name="Rounded Rectangle 16"/>
+          <p:cNvSpPr/>
+          <p:nvPr/>
+        </p:nvSpPr>
+        <p:spPr>
+          <a:xfrm>
+            <a:off x="2743200" y="4572000"/>
             <a:ext cx="3352800" cy="609600"/>
           </a:xfrm>
           <a:prstGeom prst="roundRect">
@@ -10424,13 +10030,13 @@
       </p:sp>
       <p:sp>
         <p:nvSpPr>
-          <p:cNvPr id="17" name="Rounded Rectangle 16"/>
-          <p:cNvSpPr/>
-          <p:nvPr/>
-        </p:nvSpPr>
-        <p:spPr>
-          <a:xfrm>
-            <a:off x="2743200" y="4343400"/>
+          <p:cNvPr id="9" name="Rounded Rectangle 8"/>
+          <p:cNvSpPr/>
+          <p:nvPr/>
+        </p:nvSpPr>
+        <p:spPr>
+          <a:xfrm>
+            <a:off x="2743200" y="5181600"/>
             <a:ext cx="3352800" cy="609600"/>
           </a:xfrm>
           <a:prstGeom prst="roundRect">
@@ -10468,75 +10074,31 @@
       </p:sp>
       <p:sp>
         <p:nvSpPr>
-          <p:cNvPr id="18" name="Rounded Rectangle 17"/>
-          <p:cNvSpPr/>
-          <p:nvPr/>
-        </p:nvSpPr>
-        <p:spPr>
-          <a:xfrm>
-            <a:off x="2743200" y="4953000"/>
-            <a:ext cx="3352800" cy="609600"/>
-          </a:xfrm>
-          <a:prstGeom prst="roundRect">
+          <p:cNvPr id="10" name="Line Callout 1 9"/>
+          <p:cNvSpPr/>
+          <p:nvPr/>
+        </p:nvSpPr>
+        <p:spPr>
+          <a:xfrm>
+            <a:off x="6477000" y="4114800"/>
+            <a:ext cx="1447800" cy="685800"/>
+          </a:xfrm>
+          <a:prstGeom prst="borderCallout1">
             <a:avLst/>
           </a:prstGeom>
         </p:spPr>
         <p:style>
           <a:lnRef idx="2">
-            <a:schemeClr val="accent6">
-              <a:shade val="50000"/>
-            </a:schemeClr>
+            <a:schemeClr val="accent2"/>
           </a:lnRef>
           <a:fillRef idx="1">
-            <a:schemeClr val="accent6"/>
+            <a:schemeClr val="lt1"/>
           </a:fillRef>
           <a:effectRef idx="0">
-            <a:schemeClr val="accent6"/>
-          </a:effectRef>
-          <a:fontRef idx="minor">
-            <a:schemeClr val="lt1"/>
-          </a:fontRef>
-        </p:style>
-        <p:txBody>
-          <a:bodyPr rtlCol="1" anchor="ctr"/>
-          <a:lstStyle/>
-          <a:p>
-            <a:pPr algn="ctr"/>
-            <a:r>
-              <a:rPr lang="he-IL" sz="2800" b="1" dirty="0" smtClean="0"/>
-              <a:t>תלמיד ד'</a:t>
-            </a:r>
-            <a:endParaRPr lang="he-IL" sz="2800" b="1" dirty="0"/>
-          </a:p>
-        </p:txBody>
-      </p:sp>
-      <p:sp>
-        <p:nvSpPr>
-          <p:cNvPr id="19" name="Rounded Rectangle 18"/>
-          <p:cNvSpPr/>
-          <p:nvPr/>
-        </p:nvSpPr>
-        <p:spPr>
-          <a:xfrm>
-            <a:off x="2743200" y="5638800"/>
-            <a:ext cx="3352800" cy="609600"/>
-          </a:xfrm>
-          <a:prstGeom prst="roundRect">
-            <a:avLst/>
-          </a:prstGeom>
-        </p:spPr>
-        <p:style>
-          <a:lnRef idx="0">
-            <a:schemeClr val="accent2"/>
-          </a:lnRef>
-          <a:fillRef idx="3">
-            <a:schemeClr val="accent2"/>
-          </a:fillRef>
-          <a:effectRef idx="3">
             <a:schemeClr val="accent2"/>
           </a:effectRef>
           <a:fontRef idx="minor">
-            <a:schemeClr val="lt1"/>
+            <a:schemeClr val="dk1"/>
           </a:fontRef>
         </p:style>
         <p:txBody>
@@ -10545,10 +10107,18 @@
           <a:p>
             <a:pPr algn="ctr"/>
             <a:r>
-              <a:rPr lang="he-IL" sz="2800" b="1" dirty="0" smtClean="0"/>
-              <a:t>עריכת פרטי הכיתה</a:t>
-            </a:r>
-            <a:endParaRPr lang="he-IL" sz="2800" b="1" dirty="0"/>
+              <a:rPr lang="he-IL" sz="2000" b="1" dirty="0" smtClean="0">
+                <a:solidFill>
+                  <a:srgbClr val="C00000"/>
+                </a:solidFill>
+              </a:rPr>
+              <a:t>ממתין לבדיקה</a:t>
+            </a:r>
+            <a:endParaRPr lang="he-IL" sz="2000" b="1" dirty="0">
+              <a:solidFill>
+                <a:srgbClr val="C00000"/>
+              </a:solidFill>
+            </a:endParaRPr>
           </a:p>
         </p:txBody>
       </p:sp>
@@ -10870,7 +10440,7 @@
         </p:nvSpPr>
         <p:spPr>
           <a:xfrm>
-            <a:off x="2971800" y="2286000"/>
+            <a:off x="2971800" y="2362200"/>
             <a:ext cx="2895600" cy="609600"/>
           </a:xfrm>
           <a:prstGeom prst="roundRect">
@@ -10898,7 +10468,7 @@
             <a:pPr algn="ctr"/>
             <a:r>
               <a:rPr lang="he-IL" sz="2800" b="1" dirty="0" smtClean="0"/>
-              <a:t>כיתה ז' 1</a:t>
+              <a:t>רשימת כיתות</a:t>
             </a:r>
             <a:endParaRPr lang="he-IL" sz="2800" b="1" dirty="0"/>
           </a:p>
@@ -10996,7 +10566,7 @@
         </p:nvSpPr>
         <p:spPr>
           <a:xfrm>
-            <a:off x="2743200" y="4038600"/>
+            <a:off x="2743200" y="3352800"/>
             <a:ext cx="3352800" cy="609600"/>
           </a:xfrm>
           <a:prstGeom prst="roundRect">
@@ -11026,7 +10596,7 @@
             <a:pPr algn="ctr"/>
             <a:r>
               <a:rPr lang="he-IL" sz="2800" b="1" dirty="0" smtClean="0"/>
-              <a:t>הוסף תלמיד</a:t>
+              <a:t>כיתה ז' 1</a:t>
             </a:r>
             <a:endParaRPr lang="he-IL" sz="2800" b="1" dirty="0"/>
           </a:p>
@@ -11040,7 +10610,7 @@
         </p:nvSpPr>
         <p:spPr>
           <a:xfrm>
-            <a:off x="2743200" y="4648200"/>
+            <a:off x="2743200" y="3962400"/>
             <a:ext cx="3352800" cy="609600"/>
           </a:xfrm>
           <a:prstGeom prst="roundRect">
@@ -11070,7 +10640,7 @@
             <a:pPr algn="ctr"/>
             <a:r>
               <a:rPr lang="he-IL" sz="2800" b="1" dirty="0" smtClean="0"/>
-              <a:t>הסר תלמיד</a:t>
+              <a:t>כיתה ז' 2</a:t>
             </a:r>
             <a:endParaRPr lang="he-IL" sz="2800" b="1" dirty="0"/>
           </a:p>
@@ -11078,13 +10648,13 @@
       </p:sp>
       <p:sp>
         <p:nvSpPr>
-          <p:cNvPr id="19" name="Rounded Rectangle 18"/>
-          <p:cNvSpPr/>
-          <p:nvPr/>
-        </p:nvSpPr>
-        <p:spPr>
-          <a:xfrm>
-            <a:off x="2743200" y="2895600"/>
+          <p:cNvPr id="17" name="Rounded Rectangle 16"/>
+          <p:cNvSpPr/>
+          <p:nvPr/>
+        </p:nvSpPr>
+        <p:spPr>
+          <a:xfrm>
+            <a:off x="2743200" y="4572000"/>
             <a:ext cx="3352800" cy="609600"/>
           </a:xfrm>
           <a:prstGeom prst="roundRect">
@@ -11092,14 +10662,16 @@
           </a:prstGeom>
         </p:spPr>
         <p:style>
-          <a:lnRef idx="0">
-            <a:schemeClr val="accent2"/>
+          <a:lnRef idx="2">
+            <a:schemeClr val="accent6">
+              <a:shade val="50000"/>
+            </a:schemeClr>
           </a:lnRef>
-          <a:fillRef idx="3">
-            <a:schemeClr val="accent2"/>
+          <a:fillRef idx="1">
+            <a:schemeClr val="accent6"/>
           </a:fillRef>
-          <a:effectRef idx="3">
-            <a:schemeClr val="accent2"/>
+          <a:effectRef idx="0">
+            <a:schemeClr val="accent6"/>
           </a:effectRef>
           <a:fontRef idx="minor">
             <a:schemeClr val="lt1"/>
@@ -11112,7 +10684,95 @@
             <a:pPr algn="ctr"/>
             <a:r>
               <a:rPr lang="he-IL" sz="2800" b="1" dirty="0" smtClean="0"/>
-              <a:t>עריכת פרטי הכיתה</a:t>
+              <a:t>כיתה ח' 1</a:t>
+            </a:r>
+            <a:endParaRPr lang="he-IL" sz="2800" b="1" dirty="0"/>
+          </a:p>
+        </p:txBody>
+      </p:sp>
+      <p:sp>
+        <p:nvSpPr>
+          <p:cNvPr id="18" name="Rounded Rectangle 17"/>
+          <p:cNvSpPr/>
+          <p:nvPr/>
+        </p:nvSpPr>
+        <p:spPr>
+          <a:xfrm>
+            <a:off x="2743200" y="5181600"/>
+            <a:ext cx="3352800" cy="609600"/>
+          </a:xfrm>
+          <a:prstGeom prst="roundRect">
+            <a:avLst/>
+          </a:prstGeom>
+        </p:spPr>
+        <p:style>
+          <a:lnRef idx="2">
+            <a:schemeClr val="accent6">
+              <a:shade val="50000"/>
+            </a:schemeClr>
+          </a:lnRef>
+          <a:fillRef idx="1">
+            <a:schemeClr val="accent6"/>
+          </a:fillRef>
+          <a:effectRef idx="0">
+            <a:schemeClr val="accent6"/>
+          </a:effectRef>
+          <a:fontRef idx="minor">
+            <a:schemeClr val="lt1"/>
+          </a:fontRef>
+        </p:style>
+        <p:txBody>
+          <a:bodyPr rtlCol="1" anchor="ctr"/>
+          <a:lstStyle/>
+          <a:p>
+            <a:pPr algn="ctr"/>
+            <a:r>
+              <a:rPr lang="he-IL" sz="2800" b="1" dirty="0" smtClean="0"/>
+              <a:t>כיתה ח' 2</a:t>
+            </a:r>
+            <a:endParaRPr lang="he-IL" sz="2800" b="1" dirty="0"/>
+          </a:p>
+        </p:txBody>
+      </p:sp>
+      <p:sp>
+        <p:nvSpPr>
+          <p:cNvPr id="19" name="Rounded Rectangle 18"/>
+          <p:cNvSpPr/>
+          <p:nvPr/>
+        </p:nvSpPr>
+        <p:spPr>
+          <a:xfrm>
+            <a:off x="2743200" y="5791200"/>
+            <a:ext cx="3352800" cy="609600"/>
+          </a:xfrm>
+          <a:prstGeom prst="roundRect">
+            <a:avLst/>
+          </a:prstGeom>
+        </p:spPr>
+        <p:style>
+          <a:lnRef idx="2">
+            <a:schemeClr val="accent6">
+              <a:shade val="50000"/>
+            </a:schemeClr>
+          </a:lnRef>
+          <a:fillRef idx="1">
+            <a:schemeClr val="accent6"/>
+          </a:fillRef>
+          <a:effectRef idx="0">
+            <a:schemeClr val="accent6"/>
+          </a:effectRef>
+          <a:fontRef idx="minor">
+            <a:schemeClr val="lt1"/>
+          </a:fontRef>
+        </p:style>
+        <p:txBody>
+          <a:bodyPr rtlCol="1" anchor="ctr"/>
+          <a:lstStyle/>
+          <a:p>
+            <a:pPr algn="ctr"/>
+            <a:r>
+              <a:rPr lang="he-IL" sz="2800" b="1" dirty="0" smtClean="0"/>
+              <a:t>כיתה ט' 1</a:t>
             </a:r>
             <a:endParaRPr lang="he-IL" sz="2800" b="1" dirty="0"/>
           </a:p>
@@ -11169,13 +10829,13 @@
       </p:pic>
       <p:sp>
         <p:nvSpPr>
-          <p:cNvPr id="8" name="Rounded Rectangle 7"/>
-          <p:cNvSpPr/>
-          <p:nvPr/>
-        </p:nvSpPr>
-        <p:spPr>
-          <a:xfrm>
-            <a:off x="2971800" y="2362200"/>
+          <p:cNvPr id="9" name="Rounded Rectangle 8"/>
+          <p:cNvSpPr/>
+          <p:nvPr/>
+        </p:nvSpPr>
+        <p:spPr>
+          <a:xfrm>
+            <a:off x="2971800" y="2286000"/>
             <a:ext cx="2895600" cy="609600"/>
           </a:xfrm>
           <a:prstGeom prst="roundRect">
@@ -11203,7 +10863,7 @@
             <a:pPr algn="ctr"/>
             <a:r>
               <a:rPr lang="he-IL" sz="2800" b="1" dirty="0" smtClean="0"/>
-              <a:t>רשימת מורים</a:t>
+              <a:t>כיתה ז' 1</a:t>
             </a:r>
             <a:endParaRPr lang="he-IL" sz="2800" b="1" dirty="0"/>
           </a:p>
@@ -11301,7 +10961,7 @@
         </p:nvSpPr>
         <p:spPr>
           <a:xfrm>
-            <a:off x="2743200" y="3352800"/>
+            <a:off x="2743200" y="3124200"/>
             <a:ext cx="3352800" cy="609600"/>
           </a:xfrm>
           <a:prstGeom prst="roundRect">
@@ -11331,7 +10991,7 @@
             <a:pPr algn="ctr"/>
             <a:r>
               <a:rPr lang="he-IL" sz="2800" b="1" dirty="0" smtClean="0"/>
-              <a:t>מורה א'</a:t>
+              <a:t>תלמיד א'</a:t>
             </a:r>
             <a:endParaRPr lang="he-IL" sz="2800" b="1" dirty="0"/>
           </a:p>
@@ -11345,7 +11005,7 @@
         </p:nvSpPr>
         <p:spPr>
           <a:xfrm>
-            <a:off x="2743200" y="3962400"/>
+            <a:off x="2743200" y="3733800"/>
             <a:ext cx="3352800" cy="609600"/>
           </a:xfrm>
           <a:prstGeom prst="roundRect">
@@ -11375,7 +11035,7 @@
             <a:pPr algn="ctr"/>
             <a:r>
               <a:rPr lang="he-IL" sz="2800" b="1" dirty="0" smtClean="0"/>
-              <a:t>מורה ב'</a:t>
+              <a:t>תלמיד ב'</a:t>
             </a:r>
             <a:endParaRPr lang="he-IL" sz="2800" b="1" dirty="0"/>
           </a:p>
@@ -11389,7 +11049,7 @@
         </p:nvSpPr>
         <p:spPr>
           <a:xfrm>
-            <a:off x="2743200" y="4572000"/>
+            <a:off x="2743200" y="4343400"/>
             <a:ext cx="3352800" cy="609600"/>
           </a:xfrm>
           <a:prstGeom prst="roundRect">
@@ -11419,7 +11079,7 @@
             <a:pPr algn="ctr"/>
             <a:r>
               <a:rPr lang="he-IL" sz="2800" b="1" dirty="0" smtClean="0"/>
-              <a:t>מורה ג'</a:t>
+              <a:t>תלמיד ג'</a:t>
             </a:r>
             <a:endParaRPr lang="he-IL" sz="2800" b="1" dirty="0"/>
           </a:p>
@@ -11433,7 +11093,7 @@
         </p:nvSpPr>
         <p:spPr>
           <a:xfrm>
-            <a:off x="2743200" y="5181600"/>
+            <a:off x="2743200" y="4953000"/>
             <a:ext cx="3352800" cy="609600"/>
           </a:xfrm>
           <a:prstGeom prst="roundRect">
@@ -11463,7 +11123,7 @@
             <a:pPr algn="ctr"/>
             <a:r>
               <a:rPr lang="he-IL" sz="2800" b="1" dirty="0" smtClean="0"/>
-              <a:t>מורה ד'</a:t>
+              <a:t>תלמיד ד'</a:t>
             </a:r>
             <a:endParaRPr lang="he-IL" sz="2800" b="1" dirty="0"/>
           </a:p>
@@ -11477,7 +11137,7 @@
         </p:nvSpPr>
         <p:spPr>
           <a:xfrm>
-            <a:off x="2743200" y="5791200"/>
+            <a:off x="2743200" y="5638800"/>
             <a:ext cx="3352800" cy="609600"/>
           </a:xfrm>
           <a:prstGeom prst="roundRect">
@@ -11485,16 +11145,14 @@
           </a:prstGeom>
         </p:spPr>
         <p:style>
-          <a:lnRef idx="2">
-            <a:schemeClr val="accent6">
-              <a:shade val="50000"/>
-            </a:schemeClr>
+          <a:lnRef idx="0">
+            <a:schemeClr val="accent2"/>
           </a:lnRef>
-          <a:fillRef idx="1">
-            <a:schemeClr val="accent6"/>
+          <a:fillRef idx="3">
+            <a:schemeClr val="accent2"/>
           </a:fillRef>
-          <a:effectRef idx="0">
-            <a:schemeClr val="accent6"/>
+          <a:effectRef idx="3">
+            <a:schemeClr val="accent2"/>
           </a:effectRef>
           <a:fontRef idx="minor">
             <a:schemeClr val="lt1"/>
@@ -11507,7 +11165,7 @@
             <a:pPr algn="ctr"/>
             <a:r>
               <a:rPr lang="he-IL" sz="2800" b="1" dirty="0" smtClean="0"/>
-              <a:t>מורה ה'</a:t>
+              <a:t>עריכת פרטי הכיתה</a:t>
             </a:r>
             <a:endParaRPr lang="he-IL" sz="2800" b="1" dirty="0"/>
           </a:p>
@@ -11564,13 +11222,13 @@
       </p:pic>
       <p:sp>
         <p:nvSpPr>
-          <p:cNvPr id="8" name="Rounded Rectangle 7"/>
-          <p:cNvSpPr/>
-          <p:nvPr/>
-        </p:nvSpPr>
-        <p:spPr>
-          <a:xfrm>
-            <a:off x="2971800" y="2362200"/>
+          <p:cNvPr id="9" name="Rounded Rectangle 8"/>
+          <p:cNvSpPr/>
+          <p:nvPr/>
+        </p:nvSpPr>
+        <p:spPr>
+          <a:xfrm>
+            <a:off x="2971800" y="2286000"/>
             <a:ext cx="2895600" cy="609600"/>
           </a:xfrm>
           <a:prstGeom prst="roundRect">
@@ -11598,7 +11256,7 @@
             <a:pPr algn="ctr"/>
             <a:r>
               <a:rPr lang="he-IL" sz="2800" b="1" dirty="0" smtClean="0"/>
-              <a:t>מורה א'</a:t>
+              <a:t>כיתה ז' 1</a:t>
             </a:r>
             <a:endParaRPr lang="he-IL" sz="2800" b="1" dirty="0"/>
           </a:p>
@@ -11696,7 +11354,7 @@
         </p:nvSpPr>
         <p:spPr>
           <a:xfrm>
-            <a:off x="2743200" y="3657600"/>
+            <a:off x="2743200" y="4038600"/>
             <a:ext cx="3352800" cy="609600"/>
           </a:xfrm>
           <a:prstGeom prst="roundRect">
@@ -11726,7 +11384,7 @@
             <a:pPr algn="ctr"/>
             <a:r>
               <a:rPr lang="he-IL" sz="2800" b="1" dirty="0" smtClean="0"/>
-              <a:t>כיתה ז' 2</a:t>
+              <a:t>הוסף תלמיד</a:t>
             </a:r>
             <a:endParaRPr lang="he-IL" sz="2800" b="1" dirty="0"/>
           </a:p>
@@ -11740,7 +11398,7 @@
         </p:nvSpPr>
         <p:spPr>
           <a:xfrm>
-            <a:off x="2743200" y="4267200"/>
+            <a:off x="2743200" y="4648200"/>
             <a:ext cx="3352800" cy="609600"/>
           </a:xfrm>
           <a:prstGeom prst="roundRect">
@@ -11770,7 +11428,7 @@
             <a:pPr algn="ctr"/>
             <a:r>
               <a:rPr lang="he-IL" sz="2800" b="1" dirty="0" smtClean="0"/>
-              <a:t>כיתה ט' 1</a:t>
+              <a:t>הסר תלמיד</a:t>
             </a:r>
             <a:endParaRPr lang="he-IL" sz="2800" b="1" dirty="0"/>
           </a:p>
@@ -11778,13 +11436,13 @@
       </p:sp>
       <p:sp>
         <p:nvSpPr>
-          <p:cNvPr id="13" name="Rounded Rectangle 12"/>
-          <p:cNvSpPr/>
-          <p:nvPr/>
-        </p:nvSpPr>
-        <p:spPr>
-          <a:xfrm>
-            <a:off x="2743200" y="4953000"/>
+          <p:cNvPr id="19" name="Rounded Rectangle 18"/>
+          <p:cNvSpPr/>
+          <p:nvPr/>
+        </p:nvSpPr>
+        <p:spPr>
+          <a:xfrm>
+            <a:off x="2743200" y="2895600"/>
             <a:ext cx="3352800" cy="609600"/>
           </a:xfrm>
           <a:prstGeom prst="roundRect">
@@ -11812,7 +11470,7 @@
             <a:pPr algn="ctr"/>
             <a:r>
               <a:rPr lang="he-IL" sz="2800" b="1" dirty="0" smtClean="0"/>
-              <a:t>עריכת פרטי המורה</a:t>
+              <a:t>עריכת פרטי הכיתה</a:t>
             </a:r>
             <a:endParaRPr lang="he-IL" sz="2800" b="1" dirty="0"/>
           </a:p>
@@ -11903,7 +11561,7 @@
             <a:pPr algn="ctr"/>
             <a:r>
               <a:rPr lang="he-IL" sz="2800" b="1" dirty="0" smtClean="0"/>
-              <a:t>מורה א'</a:t>
+              <a:t>רשימת מורים</a:t>
             </a:r>
             <a:endParaRPr lang="he-IL" sz="2800" b="1" dirty="0"/>
           </a:p>
@@ -12001,7 +11659,7 @@
         </p:nvSpPr>
         <p:spPr>
           <a:xfrm>
-            <a:off x="2743200" y="4267200"/>
+            <a:off x="2743200" y="3352800"/>
             <a:ext cx="3352800" cy="609600"/>
           </a:xfrm>
           <a:prstGeom prst="roundRect">
@@ -12031,7 +11689,7 @@
             <a:pPr algn="ctr"/>
             <a:r>
               <a:rPr lang="he-IL" sz="2800" b="1" dirty="0" smtClean="0"/>
-              <a:t>הוסף כיתה</a:t>
+              <a:t>מורה א'</a:t>
             </a:r>
             <a:endParaRPr lang="he-IL" sz="2800" b="1" dirty="0"/>
           </a:p>
@@ -12045,7 +11703,7 @@
         </p:nvSpPr>
         <p:spPr>
           <a:xfrm>
-            <a:off x="2743200" y="4876800"/>
+            <a:off x="2743200" y="3962400"/>
             <a:ext cx="3352800" cy="609600"/>
           </a:xfrm>
           <a:prstGeom prst="roundRect">
@@ -12075,7 +11733,7 @@
             <a:pPr algn="ctr"/>
             <a:r>
               <a:rPr lang="he-IL" sz="2800" b="1" dirty="0" smtClean="0"/>
-              <a:t>הסר כיתה</a:t>
+              <a:t>מורה ב'</a:t>
             </a:r>
             <a:endParaRPr lang="he-IL" sz="2800" b="1" dirty="0"/>
           </a:p>
@@ -12083,13 +11741,13 @@
       </p:sp>
       <p:sp>
         <p:nvSpPr>
-          <p:cNvPr id="13" name="Rounded Rectangle 12"/>
-          <p:cNvSpPr/>
-          <p:nvPr/>
-        </p:nvSpPr>
-        <p:spPr>
-          <a:xfrm>
-            <a:off x="2743200" y="2971800"/>
+          <p:cNvPr id="17" name="Rounded Rectangle 16"/>
+          <p:cNvSpPr/>
+          <p:nvPr/>
+        </p:nvSpPr>
+        <p:spPr>
+          <a:xfrm>
+            <a:off x="2743200" y="4572000"/>
             <a:ext cx="3352800" cy="609600"/>
           </a:xfrm>
           <a:prstGeom prst="roundRect">
@@ -12097,14 +11755,16 @@
           </a:prstGeom>
         </p:spPr>
         <p:style>
-          <a:lnRef idx="0">
-            <a:schemeClr val="accent2"/>
+          <a:lnRef idx="2">
+            <a:schemeClr val="accent6">
+              <a:shade val="50000"/>
+            </a:schemeClr>
           </a:lnRef>
-          <a:fillRef idx="3">
-            <a:schemeClr val="accent2"/>
+          <a:fillRef idx="1">
+            <a:schemeClr val="accent6"/>
           </a:fillRef>
-          <a:effectRef idx="3">
-            <a:schemeClr val="accent2"/>
+          <a:effectRef idx="0">
+            <a:schemeClr val="accent6"/>
           </a:effectRef>
           <a:fontRef idx="minor">
             <a:schemeClr val="lt1"/>
@@ -12117,7 +11777,95 @@
             <a:pPr algn="ctr"/>
             <a:r>
               <a:rPr lang="he-IL" sz="2800" b="1" dirty="0" smtClean="0"/>
-              <a:t>עריכת פרטי המורה</a:t>
+              <a:t>מורה ג'</a:t>
+            </a:r>
+            <a:endParaRPr lang="he-IL" sz="2800" b="1" dirty="0"/>
+          </a:p>
+        </p:txBody>
+      </p:sp>
+      <p:sp>
+        <p:nvSpPr>
+          <p:cNvPr id="18" name="Rounded Rectangle 17"/>
+          <p:cNvSpPr/>
+          <p:nvPr/>
+        </p:nvSpPr>
+        <p:spPr>
+          <a:xfrm>
+            <a:off x="2743200" y="5181600"/>
+            <a:ext cx="3352800" cy="609600"/>
+          </a:xfrm>
+          <a:prstGeom prst="roundRect">
+            <a:avLst/>
+          </a:prstGeom>
+        </p:spPr>
+        <p:style>
+          <a:lnRef idx="2">
+            <a:schemeClr val="accent6">
+              <a:shade val="50000"/>
+            </a:schemeClr>
+          </a:lnRef>
+          <a:fillRef idx="1">
+            <a:schemeClr val="accent6"/>
+          </a:fillRef>
+          <a:effectRef idx="0">
+            <a:schemeClr val="accent6"/>
+          </a:effectRef>
+          <a:fontRef idx="minor">
+            <a:schemeClr val="lt1"/>
+          </a:fontRef>
+        </p:style>
+        <p:txBody>
+          <a:bodyPr rtlCol="1" anchor="ctr"/>
+          <a:lstStyle/>
+          <a:p>
+            <a:pPr algn="ctr"/>
+            <a:r>
+              <a:rPr lang="he-IL" sz="2800" b="1" dirty="0" smtClean="0"/>
+              <a:t>מורה ד'</a:t>
+            </a:r>
+            <a:endParaRPr lang="he-IL" sz="2800" b="1" dirty="0"/>
+          </a:p>
+        </p:txBody>
+      </p:sp>
+      <p:sp>
+        <p:nvSpPr>
+          <p:cNvPr id="19" name="Rounded Rectangle 18"/>
+          <p:cNvSpPr/>
+          <p:nvPr/>
+        </p:nvSpPr>
+        <p:spPr>
+          <a:xfrm>
+            <a:off x="2743200" y="5791200"/>
+            <a:ext cx="3352800" cy="609600"/>
+          </a:xfrm>
+          <a:prstGeom prst="roundRect">
+            <a:avLst/>
+          </a:prstGeom>
+        </p:spPr>
+        <p:style>
+          <a:lnRef idx="2">
+            <a:schemeClr val="accent6">
+              <a:shade val="50000"/>
+            </a:schemeClr>
+          </a:lnRef>
+          <a:fillRef idx="1">
+            <a:schemeClr val="accent6"/>
+          </a:fillRef>
+          <a:effectRef idx="0">
+            <a:schemeClr val="accent6"/>
+          </a:effectRef>
+          <a:fontRef idx="minor">
+            <a:schemeClr val="lt1"/>
+          </a:fontRef>
+        </p:style>
+        <p:txBody>
+          <a:bodyPr rtlCol="1" anchor="ctr"/>
+          <a:lstStyle/>
+          <a:p>
+            <a:pPr algn="ctr"/>
+            <a:r>
+              <a:rPr lang="he-IL" sz="2800" b="1" dirty="0" smtClean="0"/>
+              <a:t>מורה ה'</a:t>
             </a:r>
             <a:endParaRPr lang="he-IL" sz="2800" b="1" dirty="0"/>
           </a:p>
@@ -12174,13 +11922,13 @@
       </p:pic>
       <p:sp>
         <p:nvSpPr>
-          <p:cNvPr id="7" name="Rounded Rectangle 6"/>
-          <p:cNvSpPr/>
-          <p:nvPr/>
-        </p:nvSpPr>
-        <p:spPr>
-          <a:xfrm>
-            <a:off x="3048000" y="2286000"/>
+          <p:cNvPr id="8" name="Rounded Rectangle 7"/>
+          <p:cNvSpPr/>
+          <p:nvPr/>
+        </p:nvSpPr>
+        <p:spPr>
+          <a:xfrm>
+            <a:off x="2971800" y="2362200"/>
             <a:ext cx="2895600" cy="609600"/>
           </a:xfrm>
           <a:prstGeom prst="roundRect">
@@ -12208,7 +11956,7 @@
             <a:pPr algn="ctr"/>
             <a:r>
               <a:rPr lang="he-IL" sz="2800" b="1" dirty="0" smtClean="0"/>
-              <a:t>רשימת תלמידים</a:t>
+              <a:t>מורה א'</a:t>
             </a:r>
             <a:endParaRPr lang="he-IL" sz="2800" b="1" dirty="0"/>
           </a:p>
@@ -12306,7 +12054,7 @@
         </p:nvSpPr>
         <p:spPr>
           <a:xfrm>
-            <a:off x="2819400" y="3352800"/>
+            <a:off x="2743200" y="3657600"/>
             <a:ext cx="3352800" cy="609600"/>
           </a:xfrm>
           <a:prstGeom prst="roundRect">
@@ -12336,7 +12084,7 @@
             <a:pPr algn="ctr"/>
             <a:r>
               <a:rPr lang="he-IL" sz="2800" b="1" dirty="0" smtClean="0"/>
-              <a:t>תלמיד א'</a:t>
+              <a:t>כיתה ז' 2</a:t>
             </a:r>
             <a:endParaRPr lang="he-IL" sz="2800" b="1" dirty="0"/>
           </a:p>
@@ -12350,7 +12098,7 @@
         </p:nvSpPr>
         <p:spPr>
           <a:xfrm>
-            <a:off x="2819400" y="3962400"/>
+            <a:off x="2743200" y="4267200"/>
             <a:ext cx="3352800" cy="609600"/>
           </a:xfrm>
           <a:prstGeom prst="roundRect">
@@ -12380,7 +12128,7 @@
             <a:pPr algn="ctr"/>
             <a:r>
               <a:rPr lang="he-IL" sz="2800" b="1" dirty="0" smtClean="0"/>
-              <a:t>תלמיד ב'</a:t>
+              <a:t>כיתה ט' 1</a:t>
             </a:r>
             <a:endParaRPr lang="he-IL" sz="2800" b="1" dirty="0"/>
           </a:p>
@@ -12388,13 +12136,13 @@
       </p:sp>
       <p:sp>
         <p:nvSpPr>
-          <p:cNvPr id="17" name="Rounded Rectangle 16"/>
-          <p:cNvSpPr/>
-          <p:nvPr/>
-        </p:nvSpPr>
-        <p:spPr>
-          <a:xfrm>
-            <a:off x="2819400" y="4572000"/>
+          <p:cNvPr id="13" name="Rounded Rectangle 12"/>
+          <p:cNvSpPr/>
+          <p:nvPr/>
+        </p:nvSpPr>
+        <p:spPr>
+          <a:xfrm>
+            <a:off x="2743200" y="4953000"/>
             <a:ext cx="3352800" cy="609600"/>
           </a:xfrm>
           <a:prstGeom prst="roundRect">
@@ -12402,16 +12150,14 @@
           </a:prstGeom>
         </p:spPr>
         <p:style>
-          <a:lnRef idx="2">
-            <a:schemeClr val="accent6">
-              <a:shade val="50000"/>
-            </a:schemeClr>
+          <a:lnRef idx="0">
+            <a:schemeClr val="accent2"/>
           </a:lnRef>
-          <a:fillRef idx="1">
-            <a:schemeClr val="accent6"/>
+          <a:fillRef idx="3">
+            <a:schemeClr val="accent2"/>
           </a:fillRef>
-          <a:effectRef idx="0">
-            <a:schemeClr val="accent6"/>
+          <a:effectRef idx="3">
+            <a:schemeClr val="accent2"/>
           </a:effectRef>
           <a:fontRef idx="minor">
             <a:schemeClr val="lt1"/>
@@ -12424,95 +12170,7 @@
             <a:pPr algn="ctr"/>
             <a:r>
               <a:rPr lang="he-IL" sz="2800" b="1" dirty="0" smtClean="0"/>
-              <a:t>תלמיד ג'</a:t>
-            </a:r>
-            <a:endParaRPr lang="he-IL" sz="2800" b="1" dirty="0"/>
-          </a:p>
-        </p:txBody>
-      </p:sp>
-      <p:sp>
-        <p:nvSpPr>
-          <p:cNvPr id="18" name="Rounded Rectangle 17"/>
-          <p:cNvSpPr/>
-          <p:nvPr/>
-        </p:nvSpPr>
-        <p:spPr>
-          <a:xfrm>
-            <a:off x="2819400" y="5181600"/>
-            <a:ext cx="3352800" cy="609600"/>
-          </a:xfrm>
-          <a:prstGeom prst="roundRect">
-            <a:avLst/>
-          </a:prstGeom>
-        </p:spPr>
-        <p:style>
-          <a:lnRef idx="2">
-            <a:schemeClr val="accent6">
-              <a:shade val="50000"/>
-            </a:schemeClr>
-          </a:lnRef>
-          <a:fillRef idx="1">
-            <a:schemeClr val="accent6"/>
-          </a:fillRef>
-          <a:effectRef idx="0">
-            <a:schemeClr val="accent6"/>
-          </a:effectRef>
-          <a:fontRef idx="minor">
-            <a:schemeClr val="lt1"/>
-          </a:fontRef>
-        </p:style>
-        <p:txBody>
-          <a:bodyPr rtlCol="1" anchor="ctr"/>
-          <a:lstStyle/>
-          <a:p>
-            <a:pPr algn="ctr"/>
-            <a:r>
-              <a:rPr lang="he-IL" sz="2800" b="1" dirty="0" smtClean="0"/>
-              <a:t>תלמיד ד'</a:t>
-            </a:r>
-            <a:endParaRPr lang="he-IL" sz="2800" b="1" dirty="0"/>
-          </a:p>
-        </p:txBody>
-      </p:sp>
-      <p:sp>
-        <p:nvSpPr>
-          <p:cNvPr id="19" name="Rounded Rectangle 18"/>
-          <p:cNvSpPr/>
-          <p:nvPr/>
-        </p:nvSpPr>
-        <p:spPr>
-          <a:xfrm>
-            <a:off x="2819400" y="5791200"/>
-            <a:ext cx="3352800" cy="609600"/>
-          </a:xfrm>
-          <a:prstGeom prst="roundRect">
-            <a:avLst/>
-          </a:prstGeom>
-        </p:spPr>
-        <p:style>
-          <a:lnRef idx="2">
-            <a:schemeClr val="accent6">
-              <a:shade val="50000"/>
-            </a:schemeClr>
-          </a:lnRef>
-          <a:fillRef idx="1">
-            <a:schemeClr val="accent6"/>
-          </a:fillRef>
-          <a:effectRef idx="0">
-            <a:schemeClr val="accent6"/>
-          </a:effectRef>
-          <a:fontRef idx="minor">
-            <a:schemeClr val="lt1"/>
-          </a:fontRef>
-        </p:style>
-        <p:txBody>
-          <a:bodyPr rtlCol="1" anchor="ctr"/>
-          <a:lstStyle/>
-          <a:p>
-            <a:pPr algn="ctr"/>
-            <a:r>
-              <a:rPr lang="he-IL" sz="2800" b="1" dirty="0" smtClean="0"/>
-              <a:t>תלמיד ה'</a:t>
+              <a:t>עריכת פרטי המורה</a:t>
             </a:r>
             <a:endParaRPr lang="he-IL" sz="2800" b="1" dirty="0"/>
           </a:p>
@@ -12569,13 +12227,13 @@
       </p:pic>
       <p:sp>
         <p:nvSpPr>
-          <p:cNvPr id="7" name="Rounded Rectangle 6"/>
-          <p:cNvSpPr/>
-          <p:nvPr/>
-        </p:nvSpPr>
-        <p:spPr>
-          <a:xfrm>
-            <a:off x="3048000" y="2286000"/>
+          <p:cNvPr id="8" name="Rounded Rectangle 7"/>
+          <p:cNvSpPr/>
+          <p:nvPr/>
+        </p:nvSpPr>
+        <p:spPr>
+          <a:xfrm>
+            <a:off x="2971800" y="2362200"/>
             <a:ext cx="2895600" cy="609600"/>
           </a:xfrm>
           <a:prstGeom prst="roundRect">
@@ -12603,7 +12261,7 @@
             <a:pPr algn="ctr"/>
             <a:r>
               <a:rPr lang="he-IL" sz="2800" b="1" dirty="0" smtClean="0"/>
-              <a:t>תלמיד א'</a:t>
+              <a:t>מורה א'</a:t>
             </a:r>
             <a:endParaRPr lang="he-IL" sz="2800" b="1" dirty="0"/>
           </a:p>
@@ -12701,7 +12359,7 @@
         </p:nvSpPr>
         <p:spPr>
           <a:xfrm>
-            <a:off x="2819400" y="3505200"/>
+            <a:off x="2743200" y="4267200"/>
             <a:ext cx="3352800" cy="609600"/>
           </a:xfrm>
           <a:prstGeom prst="roundRect">
@@ -12731,7 +12389,7 @@
             <a:pPr algn="ctr"/>
             <a:r>
               <a:rPr lang="he-IL" sz="2800" b="1" dirty="0" smtClean="0"/>
-              <a:t>כיתה ח' 2</a:t>
+              <a:t>הוסף כיתה</a:t>
             </a:r>
             <a:endParaRPr lang="he-IL" sz="2800" b="1" dirty="0"/>
           </a:p>
@@ -12739,13 +12397,57 @@
       </p:sp>
       <p:sp>
         <p:nvSpPr>
+          <p:cNvPr id="16" name="Rounded Rectangle 15"/>
+          <p:cNvSpPr/>
+          <p:nvPr/>
+        </p:nvSpPr>
+        <p:spPr>
+          <a:xfrm>
+            <a:off x="2743200" y="4876800"/>
+            <a:ext cx="3352800" cy="609600"/>
+          </a:xfrm>
+          <a:prstGeom prst="roundRect">
+            <a:avLst/>
+          </a:prstGeom>
+        </p:spPr>
+        <p:style>
+          <a:lnRef idx="2">
+            <a:schemeClr val="accent6">
+              <a:shade val="50000"/>
+            </a:schemeClr>
+          </a:lnRef>
+          <a:fillRef idx="1">
+            <a:schemeClr val="accent6"/>
+          </a:fillRef>
+          <a:effectRef idx="0">
+            <a:schemeClr val="accent6"/>
+          </a:effectRef>
+          <a:fontRef idx="minor">
+            <a:schemeClr val="lt1"/>
+          </a:fontRef>
+        </p:style>
+        <p:txBody>
+          <a:bodyPr rtlCol="1" anchor="ctr"/>
+          <a:lstStyle/>
+          <a:p>
+            <a:pPr algn="ctr"/>
+            <a:r>
+              <a:rPr lang="he-IL" sz="2800" b="1" dirty="0" smtClean="0"/>
+              <a:t>הסר כיתה</a:t>
+            </a:r>
+            <a:endParaRPr lang="he-IL" sz="2800" b="1" dirty="0"/>
+          </a:p>
+        </p:txBody>
+      </p:sp>
+      <p:sp>
+        <p:nvSpPr>
           <p:cNvPr id="13" name="Rounded Rectangle 12"/>
           <p:cNvSpPr/>
           <p:nvPr/>
         </p:nvSpPr>
         <p:spPr>
           <a:xfrm>
-            <a:off x="2819400" y="4191000"/>
+            <a:off x="2743200" y="2971800"/>
             <a:ext cx="3352800" cy="609600"/>
           </a:xfrm>
           <a:prstGeom prst="roundRect">
@@ -12773,7 +12475,7 @@
             <a:pPr algn="ctr"/>
             <a:r>
               <a:rPr lang="he-IL" sz="2800" b="1" dirty="0" smtClean="0"/>
-              <a:t>עריכת פרטי התלמיד</a:t>
+              <a:t>עריכת פרטי המורה</a:t>
             </a:r>
             <a:endParaRPr lang="he-IL" sz="2800" b="1" dirty="0"/>
           </a:p>
@@ -12784,13 +12486,6 @@
   <p:clrMapOvr>
     <a:masterClrMapping/>
   </p:clrMapOvr>
-  <p:timing>
-    <p:tnLst>
-      <p:par>
-        <p:cTn id="1" dur="indefinite" restart="never" nodeType="tmRoot"/>
-      </p:par>
-    </p:tnLst>
-  </p:timing>
 </p:sld>
 </file>
 
@@ -12871,7 +12566,7 @@
             <a:pPr algn="ctr"/>
             <a:r>
               <a:rPr lang="he-IL" sz="2800" b="1" dirty="0" smtClean="0"/>
-              <a:t>תלמיד א'</a:t>
+              <a:t>רשימת תלמידים</a:t>
             </a:r>
             <a:endParaRPr lang="he-IL" sz="2800" b="1" dirty="0"/>
           </a:p>
@@ -12969,7 +12664,7 @@
         </p:nvSpPr>
         <p:spPr>
           <a:xfrm>
-            <a:off x="2819400" y="4114800"/>
+            <a:off x="2819400" y="3352800"/>
             <a:ext cx="3352800" cy="609600"/>
           </a:xfrm>
           <a:prstGeom prst="roundRect">
@@ -12999,7 +12694,7 @@
             <a:pPr algn="ctr"/>
             <a:r>
               <a:rPr lang="he-IL" sz="2800" b="1" dirty="0" smtClean="0"/>
-              <a:t>שנה כיתה</a:t>
+              <a:t>תלמיד א'</a:t>
             </a:r>
             <a:endParaRPr lang="he-IL" sz="2800" b="1" dirty="0"/>
           </a:p>
@@ -13007,13 +12702,408 @@
       </p:sp>
       <p:sp>
         <p:nvSpPr>
+          <p:cNvPr id="16" name="Rounded Rectangle 15"/>
+          <p:cNvSpPr/>
+          <p:nvPr/>
+        </p:nvSpPr>
+        <p:spPr>
+          <a:xfrm>
+            <a:off x="2819400" y="3962400"/>
+            <a:ext cx="3352800" cy="609600"/>
+          </a:xfrm>
+          <a:prstGeom prst="roundRect">
+            <a:avLst/>
+          </a:prstGeom>
+        </p:spPr>
+        <p:style>
+          <a:lnRef idx="2">
+            <a:schemeClr val="accent6">
+              <a:shade val="50000"/>
+            </a:schemeClr>
+          </a:lnRef>
+          <a:fillRef idx="1">
+            <a:schemeClr val="accent6"/>
+          </a:fillRef>
+          <a:effectRef idx="0">
+            <a:schemeClr val="accent6"/>
+          </a:effectRef>
+          <a:fontRef idx="minor">
+            <a:schemeClr val="lt1"/>
+          </a:fontRef>
+        </p:style>
+        <p:txBody>
+          <a:bodyPr rtlCol="1" anchor="ctr"/>
+          <a:lstStyle/>
+          <a:p>
+            <a:pPr algn="ctr"/>
+            <a:r>
+              <a:rPr lang="he-IL" sz="2800" b="1" dirty="0" smtClean="0"/>
+              <a:t>תלמיד ב'</a:t>
+            </a:r>
+            <a:endParaRPr lang="he-IL" sz="2800" b="1" dirty="0"/>
+          </a:p>
+        </p:txBody>
+      </p:sp>
+      <p:sp>
+        <p:nvSpPr>
+          <p:cNvPr id="17" name="Rounded Rectangle 16"/>
+          <p:cNvSpPr/>
+          <p:nvPr/>
+        </p:nvSpPr>
+        <p:spPr>
+          <a:xfrm>
+            <a:off x="2819400" y="4572000"/>
+            <a:ext cx="3352800" cy="609600"/>
+          </a:xfrm>
+          <a:prstGeom prst="roundRect">
+            <a:avLst/>
+          </a:prstGeom>
+        </p:spPr>
+        <p:style>
+          <a:lnRef idx="2">
+            <a:schemeClr val="accent6">
+              <a:shade val="50000"/>
+            </a:schemeClr>
+          </a:lnRef>
+          <a:fillRef idx="1">
+            <a:schemeClr val="accent6"/>
+          </a:fillRef>
+          <a:effectRef idx="0">
+            <a:schemeClr val="accent6"/>
+          </a:effectRef>
+          <a:fontRef idx="minor">
+            <a:schemeClr val="lt1"/>
+          </a:fontRef>
+        </p:style>
+        <p:txBody>
+          <a:bodyPr rtlCol="1" anchor="ctr"/>
+          <a:lstStyle/>
+          <a:p>
+            <a:pPr algn="ctr"/>
+            <a:r>
+              <a:rPr lang="he-IL" sz="2800" b="1" dirty="0" smtClean="0"/>
+              <a:t>תלמיד ג'</a:t>
+            </a:r>
+            <a:endParaRPr lang="he-IL" sz="2800" b="1" dirty="0"/>
+          </a:p>
+        </p:txBody>
+      </p:sp>
+      <p:sp>
+        <p:nvSpPr>
+          <p:cNvPr id="18" name="Rounded Rectangle 17"/>
+          <p:cNvSpPr/>
+          <p:nvPr/>
+        </p:nvSpPr>
+        <p:spPr>
+          <a:xfrm>
+            <a:off x="2819400" y="5181600"/>
+            <a:ext cx="3352800" cy="609600"/>
+          </a:xfrm>
+          <a:prstGeom prst="roundRect">
+            <a:avLst/>
+          </a:prstGeom>
+        </p:spPr>
+        <p:style>
+          <a:lnRef idx="2">
+            <a:schemeClr val="accent6">
+              <a:shade val="50000"/>
+            </a:schemeClr>
+          </a:lnRef>
+          <a:fillRef idx="1">
+            <a:schemeClr val="accent6"/>
+          </a:fillRef>
+          <a:effectRef idx="0">
+            <a:schemeClr val="accent6"/>
+          </a:effectRef>
+          <a:fontRef idx="minor">
+            <a:schemeClr val="lt1"/>
+          </a:fontRef>
+        </p:style>
+        <p:txBody>
+          <a:bodyPr rtlCol="1" anchor="ctr"/>
+          <a:lstStyle/>
+          <a:p>
+            <a:pPr algn="ctr"/>
+            <a:r>
+              <a:rPr lang="he-IL" sz="2800" b="1" dirty="0" smtClean="0"/>
+              <a:t>תלמיד ד'</a:t>
+            </a:r>
+            <a:endParaRPr lang="he-IL" sz="2800" b="1" dirty="0"/>
+          </a:p>
+        </p:txBody>
+      </p:sp>
+      <p:sp>
+        <p:nvSpPr>
+          <p:cNvPr id="19" name="Rounded Rectangle 18"/>
+          <p:cNvSpPr/>
+          <p:nvPr/>
+        </p:nvSpPr>
+        <p:spPr>
+          <a:xfrm>
+            <a:off x="2819400" y="5791200"/>
+            <a:ext cx="3352800" cy="609600"/>
+          </a:xfrm>
+          <a:prstGeom prst="roundRect">
+            <a:avLst/>
+          </a:prstGeom>
+        </p:spPr>
+        <p:style>
+          <a:lnRef idx="2">
+            <a:schemeClr val="accent6">
+              <a:shade val="50000"/>
+            </a:schemeClr>
+          </a:lnRef>
+          <a:fillRef idx="1">
+            <a:schemeClr val="accent6"/>
+          </a:fillRef>
+          <a:effectRef idx="0">
+            <a:schemeClr val="accent6"/>
+          </a:effectRef>
+          <a:fontRef idx="minor">
+            <a:schemeClr val="lt1"/>
+          </a:fontRef>
+        </p:style>
+        <p:txBody>
+          <a:bodyPr rtlCol="1" anchor="ctr"/>
+          <a:lstStyle/>
+          <a:p>
+            <a:pPr algn="ctr"/>
+            <a:r>
+              <a:rPr lang="he-IL" sz="2800" b="1" dirty="0" smtClean="0"/>
+              <a:t>תלמיד ה'</a:t>
+            </a:r>
+            <a:endParaRPr lang="he-IL" sz="2800" b="1" dirty="0"/>
+          </a:p>
+        </p:txBody>
+      </p:sp>
+    </p:spTree>
+  </p:cSld>
+  <p:clrMapOvr>
+    <a:masterClrMapping/>
+  </p:clrMapOvr>
+</p:sld>
+</file>
+
+<file path=ppt/slides/slide37.xml><?xml version="1.0" encoding="utf-8"?>
+<p:sld xmlns:a="http://schemas.openxmlformats.org/drawingml/2006/main" xmlns:r="http://schemas.openxmlformats.org/officeDocument/2006/relationships" xmlns:p="http://schemas.openxmlformats.org/presentationml/2006/main">
+  <p:cSld>
+    <p:spTree>
+      <p:nvGrpSpPr>
+        <p:cNvPr id="1" name=""/>
+        <p:cNvGrpSpPr/>
+        <p:nvPr/>
+      </p:nvGrpSpPr>
+      <p:grpSpPr>
+        <a:xfrm>
+          <a:off x="0" y="0"/>
+          <a:ext cx="0" cy="0"/>
+          <a:chOff x="0" y="0"/>
+          <a:chExt cx="0" cy="0"/>
+        </a:xfrm>
+      </p:grpSpPr>
+      <p:pic>
+        <p:nvPicPr>
+          <p:cNvPr id="4" name="Picture 3" descr="1a.png"/>
+          <p:cNvPicPr>
+            <a:picLocks noChangeAspect="1"/>
+          </p:cNvPicPr>
+          <p:nvPr/>
+        </p:nvPicPr>
+        <p:blipFill>
+          <a:blip r:embed="rId2" cstate="print"/>
+          <a:stretch>
+            <a:fillRect/>
+          </a:stretch>
+        </p:blipFill>
+        <p:spPr>
+          <a:xfrm>
+            <a:off x="2438400" y="0"/>
+            <a:ext cx="4762500" cy="2743200"/>
+          </a:xfrm>
+          <a:prstGeom prst="rect">
+            <a:avLst/>
+          </a:prstGeom>
+        </p:spPr>
+      </p:pic>
+      <p:sp>
+        <p:nvSpPr>
+          <p:cNvPr id="7" name="Rounded Rectangle 6"/>
+          <p:cNvSpPr/>
+          <p:nvPr/>
+        </p:nvSpPr>
+        <p:spPr>
+          <a:xfrm>
+            <a:off x="3048000" y="2286000"/>
+            <a:ext cx="2895600" cy="609600"/>
+          </a:xfrm>
+          <a:prstGeom prst="roundRect">
+            <a:avLst/>
+          </a:prstGeom>
+        </p:spPr>
+        <p:style>
+          <a:lnRef idx="3">
+            <a:schemeClr val="lt1"/>
+          </a:lnRef>
+          <a:fillRef idx="1">
+            <a:schemeClr val="accent3"/>
+          </a:fillRef>
+          <a:effectRef idx="1">
+            <a:schemeClr val="accent3"/>
+          </a:effectRef>
+          <a:fontRef idx="minor">
+            <a:schemeClr val="lt1"/>
+          </a:fontRef>
+        </p:style>
+        <p:txBody>
+          <a:bodyPr rtlCol="1" anchor="ctr"/>
+          <a:lstStyle/>
+          <a:p>
+            <a:pPr algn="ctr"/>
+            <a:r>
+              <a:rPr lang="he-IL" sz="2800" b="1" dirty="0" smtClean="0"/>
+              <a:t>תלמיד א'</a:t>
+            </a:r>
+            <a:endParaRPr lang="he-IL" sz="2800" b="1" dirty="0"/>
+          </a:p>
+        </p:txBody>
+      </p:sp>
+      <p:sp>
+        <p:nvSpPr>
+          <p:cNvPr id="11" name="Rounded Rectangle 10"/>
+          <p:cNvSpPr/>
+          <p:nvPr/>
+        </p:nvSpPr>
+        <p:spPr>
+          <a:xfrm>
+            <a:off x="152400" y="152400"/>
+            <a:ext cx="1371600" cy="457200"/>
+          </a:xfrm>
+          <a:prstGeom prst="roundRect">
+            <a:avLst/>
+          </a:prstGeom>
+        </p:spPr>
+        <p:style>
+          <a:lnRef idx="0">
+            <a:schemeClr val="accent2"/>
+          </a:lnRef>
+          <a:fillRef idx="3">
+            <a:schemeClr val="accent2"/>
+          </a:fillRef>
+          <a:effectRef idx="3">
+            <a:schemeClr val="accent2"/>
+          </a:effectRef>
+          <a:fontRef idx="minor">
+            <a:schemeClr val="lt1"/>
+          </a:fontRef>
+        </p:style>
+        <p:txBody>
+          <a:bodyPr rtlCol="1" anchor="ctr"/>
+          <a:lstStyle/>
+          <a:p>
+            <a:pPr algn="ctr"/>
+            <a:r>
+              <a:rPr lang="he-IL" sz="2000" b="1" dirty="0" smtClean="0"/>
+              <a:t>התנתק</a:t>
+            </a:r>
+            <a:endParaRPr lang="he-IL" sz="2000" b="1" dirty="0"/>
+          </a:p>
+        </p:txBody>
+      </p:sp>
+      <p:sp>
+        <p:nvSpPr>
+          <p:cNvPr id="12" name="Right Arrow 11"/>
+          <p:cNvSpPr/>
+          <p:nvPr/>
+        </p:nvSpPr>
+        <p:spPr>
+          <a:xfrm>
+            <a:off x="7924800" y="381000"/>
+            <a:ext cx="1143000" cy="762000"/>
+          </a:xfrm>
+          <a:prstGeom prst="rightArrow">
+            <a:avLst/>
+          </a:prstGeom>
+        </p:spPr>
+        <p:style>
+          <a:lnRef idx="0">
+            <a:schemeClr val="accent2"/>
+          </a:lnRef>
+          <a:fillRef idx="3">
+            <a:schemeClr val="accent2"/>
+          </a:fillRef>
+          <a:effectRef idx="3">
+            <a:schemeClr val="accent2"/>
+          </a:effectRef>
+          <a:fontRef idx="minor">
+            <a:schemeClr val="lt1"/>
+          </a:fontRef>
+        </p:style>
+        <p:txBody>
+          <a:bodyPr rtlCol="1" anchor="ctr"/>
+          <a:lstStyle/>
+          <a:p>
+            <a:pPr algn="ctr"/>
+            <a:r>
+              <a:rPr lang="he-IL" b="1" dirty="0" smtClean="0"/>
+              <a:t>חזור</a:t>
+            </a:r>
+            <a:endParaRPr lang="he-IL" b="1" dirty="0"/>
+          </a:p>
+        </p:txBody>
+      </p:sp>
+      <p:sp>
+        <p:nvSpPr>
+          <p:cNvPr id="15" name="Rounded Rectangle 14"/>
+          <p:cNvSpPr/>
+          <p:nvPr/>
+        </p:nvSpPr>
+        <p:spPr>
+          <a:xfrm>
+            <a:off x="2819400" y="3505200"/>
+            <a:ext cx="3352800" cy="609600"/>
+          </a:xfrm>
+          <a:prstGeom prst="roundRect">
+            <a:avLst/>
+          </a:prstGeom>
+        </p:spPr>
+        <p:style>
+          <a:lnRef idx="2">
+            <a:schemeClr val="accent6">
+              <a:shade val="50000"/>
+            </a:schemeClr>
+          </a:lnRef>
+          <a:fillRef idx="1">
+            <a:schemeClr val="accent6"/>
+          </a:fillRef>
+          <a:effectRef idx="0">
+            <a:schemeClr val="accent6"/>
+          </a:effectRef>
+          <a:fontRef idx="minor">
+            <a:schemeClr val="lt1"/>
+          </a:fontRef>
+        </p:style>
+        <p:txBody>
+          <a:bodyPr rtlCol="1" anchor="ctr"/>
+          <a:lstStyle/>
+          <a:p>
+            <a:pPr algn="ctr"/>
+            <a:r>
+              <a:rPr lang="he-IL" sz="2800" b="1" dirty="0" smtClean="0"/>
+              <a:t>כיתה ח' 2</a:t>
+            </a:r>
+            <a:endParaRPr lang="he-IL" sz="2800" b="1" dirty="0"/>
+          </a:p>
+        </p:txBody>
+      </p:sp>
+      <p:sp>
+        <p:nvSpPr>
           <p:cNvPr id="13" name="Rounded Rectangle 12"/>
           <p:cNvSpPr/>
           <p:nvPr/>
         </p:nvSpPr>
         <p:spPr>
           <a:xfrm>
-            <a:off x="2819400" y="2895600"/>
+            <a:off x="2819400" y="4191000"/>
             <a:ext cx="3352800" cy="609600"/>
           </a:xfrm>
           <a:prstGeom prst="roundRect">
@@ -13062,7 +13152,1157 @@
 </p:sld>
 </file>
 
-<file path=ppt/slides/slide37.xml><?xml version="1.0" encoding="utf-8"?>
+<file path=ppt/slides/slide38.xml><?xml version="1.0" encoding="utf-8"?>
+<p:sld xmlns:a="http://schemas.openxmlformats.org/drawingml/2006/main" xmlns:r="http://schemas.openxmlformats.org/officeDocument/2006/relationships" xmlns:p="http://schemas.openxmlformats.org/presentationml/2006/main">
+  <p:cSld>
+    <p:spTree>
+      <p:nvGrpSpPr>
+        <p:cNvPr id="1" name=""/>
+        <p:cNvGrpSpPr/>
+        <p:nvPr/>
+      </p:nvGrpSpPr>
+      <p:grpSpPr>
+        <a:xfrm>
+          <a:off x="0" y="0"/>
+          <a:ext cx="0" cy="0"/>
+          <a:chOff x="0" y="0"/>
+          <a:chExt cx="0" cy="0"/>
+        </a:xfrm>
+      </p:grpSpPr>
+      <p:pic>
+        <p:nvPicPr>
+          <p:cNvPr id="4" name="Picture 3" descr="1a.png"/>
+          <p:cNvPicPr>
+            <a:picLocks noChangeAspect="1"/>
+          </p:cNvPicPr>
+          <p:nvPr/>
+        </p:nvPicPr>
+        <p:blipFill>
+          <a:blip r:embed="rId2" cstate="print"/>
+          <a:stretch>
+            <a:fillRect/>
+          </a:stretch>
+        </p:blipFill>
+        <p:spPr>
+          <a:xfrm>
+            <a:off x="2438400" y="0"/>
+            <a:ext cx="4762500" cy="2743200"/>
+          </a:xfrm>
+          <a:prstGeom prst="rect">
+            <a:avLst/>
+          </a:prstGeom>
+        </p:spPr>
+      </p:pic>
+      <p:sp>
+        <p:nvSpPr>
+          <p:cNvPr id="7" name="Rounded Rectangle 6"/>
+          <p:cNvSpPr/>
+          <p:nvPr/>
+        </p:nvSpPr>
+        <p:spPr>
+          <a:xfrm>
+            <a:off x="3048000" y="2286000"/>
+            <a:ext cx="2895600" cy="609600"/>
+          </a:xfrm>
+          <a:prstGeom prst="roundRect">
+            <a:avLst/>
+          </a:prstGeom>
+        </p:spPr>
+        <p:style>
+          <a:lnRef idx="3">
+            <a:schemeClr val="lt1"/>
+          </a:lnRef>
+          <a:fillRef idx="1">
+            <a:schemeClr val="accent3"/>
+          </a:fillRef>
+          <a:effectRef idx="1">
+            <a:schemeClr val="accent3"/>
+          </a:effectRef>
+          <a:fontRef idx="minor">
+            <a:schemeClr val="lt1"/>
+          </a:fontRef>
+        </p:style>
+        <p:txBody>
+          <a:bodyPr rtlCol="1" anchor="ctr"/>
+          <a:lstStyle/>
+          <a:p>
+            <a:pPr algn="ctr"/>
+            <a:r>
+              <a:rPr lang="he-IL" sz="2800" b="1" dirty="0" smtClean="0"/>
+              <a:t>תלמיד א'</a:t>
+            </a:r>
+            <a:endParaRPr lang="he-IL" sz="2800" b="1" dirty="0"/>
+          </a:p>
+        </p:txBody>
+      </p:sp>
+      <p:sp>
+        <p:nvSpPr>
+          <p:cNvPr id="11" name="Rounded Rectangle 10"/>
+          <p:cNvSpPr/>
+          <p:nvPr/>
+        </p:nvSpPr>
+        <p:spPr>
+          <a:xfrm>
+            <a:off x="152400" y="152400"/>
+            <a:ext cx="1371600" cy="457200"/>
+          </a:xfrm>
+          <a:prstGeom prst="roundRect">
+            <a:avLst/>
+          </a:prstGeom>
+        </p:spPr>
+        <p:style>
+          <a:lnRef idx="0">
+            <a:schemeClr val="accent2"/>
+          </a:lnRef>
+          <a:fillRef idx="3">
+            <a:schemeClr val="accent2"/>
+          </a:fillRef>
+          <a:effectRef idx="3">
+            <a:schemeClr val="accent2"/>
+          </a:effectRef>
+          <a:fontRef idx="minor">
+            <a:schemeClr val="lt1"/>
+          </a:fontRef>
+        </p:style>
+        <p:txBody>
+          <a:bodyPr rtlCol="1" anchor="ctr"/>
+          <a:lstStyle/>
+          <a:p>
+            <a:pPr algn="ctr"/>
+            <a:r>
+              <a:rPr lang="he-IL" sz="2000" b="1" dirty="0" smtClean="0"/>
+              <a:t>התנתק</a:t>
+            </a:r>
+            <a:endParaRPr lang="he-IL" sz="2000" b="1" dirty="0"/>
+          </a:p>
+        </p:txBody>
+      </p:sp>
+      <p:sp>
+        <p:nvSpPr>
+          <p:cNvPr id="12" name="Right Arrow 11"/>
+          <p:cNvSpPr/>
+          <p:nvPr/>
+        </p:nvSpPr>
+        <p:spPr>
+          <a:xfrm>
+            <a:off x="7924800" y="381000"/>
+            <a:ext cx="1143000" cy="762000"/>
+          </a:xfrm>
+          <a:prstGeom prst="rightArrow">
+            <a:avLst/>
+          </a:prstGeom>
+        </p:spPr>
+        <p:style>
+          <a:lnRef idx="0">
+            <a:schemeClr val="accent2"/>
+          </a:lnRef>
+          <a:fillRef idx="3">
+            <a:schemeClr val="accent2"/>
+          </a:fillRef>
+          <a:effectRef idx="3">
+            <a:schemeClr val="accent2"/>
+          </a:effectRef>
+          <a:fontRef idx="minor">
+            <a:schemeClr val="lt1"/>
+          </a:fontRef>
+        </p:style>
+        <p:txBody>
+          <a:bodyPr rtlCol="1" anchor="ctr"/>
+          <a:lstStyle/>
+          <a:p>
+            <a:pPr algn="ctr"/>
+            <a:r>
+              <a:rPr lang="he-IL" b="1" dirty="0" smtClean="0"/>
+              <a:t>חזור</a:t>
+            </a:r>
+            <a:endParaRPr lang="he-IL" b="1" dirty="0"/>
+          </a:p>
+        </p:txBody>
+      </p:sp>
+      <p:sp>
+        <p:nvSpPr>
+          <p:cNvPr id="15" name="Rounded Rectangle 14"/>
+          <p:cNvSpPr/>
+          <p:nvPr/>
+        </p:nvSpPr>
+        <p:spPr>
+          <a:xfrm>
+            <a:off x="2819400" y="4114800"/>
+            <a:ext cx="3352800" cy="609600"/>
+          </a:xfrm>
+          <a:prstGeom prst="roundRect">
+            <a:avLst/>
+          </a:prstGeom>
+        </p:spPr>
+        <p:style>
+          <a:lnRef idx="2">
+            <a:schemeClr val="accent6">
+              <a:shade val="50000"/>
+            </a:schemeClr>
+          </a:lnRef>
+          <a:fillRef idx="1">
+            <a:schemeClr val="accent6"/>
+          </a:fillRef>
+          <a:effectRef idx="0">
+            <a:schemeClr val="accent6"/>
+          </a:effectRef>
+          <a:fontRef idx="minor">
+            <a:schemeClr val="lt1"/>
+          </a:fontRef>
+        </p:style>
+        <p:txBody>
+          <a:bodyPr rtlCol="1" anchor="ctr"/>
+          <a:lstStyle/>
+          <a:p>
+            <a:pPr algn="ctr"/>
+            <a:r>
+              <a:rPr lang="he-IL" sz="2800" b="1" dirty="0" smtClean="0"/>
+              <a:t>שנה כיתה</a:t>
+            </a:r>
+            <a:endParaRPr lang="he-IL" sz="2800" b="1" dirty="0"/>
+          </a:p>
+        </p:txBody>
+      </p:sp>
+      <p:sp>
+        <p:nvSpPr>
+          <p:cNvPr id="13" name="Rounded Rectangle 12"/>
+          <p:cNvSpPr/>
+          <p:nvPr/>
+        </p:nvSpPr>
+        <p:spPr>
+          <a:xfrm>
+            <a:off x="2819400" y="2895600"/>
+            <a:ext cx="3352800" cy="609600"/>
+          </a:xfrm>
+          <a:prstGeom prst="roundRect">
+            <a:avLst/>
+          </a:prstGeom>
+        </p:spPr>
+        <p:style>
+          <a:lnRef idx="0">
+            <a:schemeClr val="accent2"/>
+          </a:lnRef>
+          <a:fillRef idx="3">
+            <a:schemeClr val="accent2"/>
+          </a:fillRef>
+          <a:effectRef idx="3">
+            <a:schemeClr val="accent2"/>
+          </a:effectRef>
+          <a:fontRef idx="minor">
+            <a:schemeClr val="lt1"/>
+          </a:fontRef>
+        </p:style>
+        <p:txBody>
+          <a:bodyPr rtlCol="1" anchor="ctr"/>
+          <a:lstStyle/>
+          <a:p>
+            <a:pPr algn="ctr"/>
+            <a:r>
+              <a:rPr lang="he-IL" sz="2800" b="1" dirty="0" smtClean="0"/>
+              <a:t>עריכת פרטי התלמיד</a:t>
+            </a:r>
+            <a:endParaRPr lang="he-IL" sz="2800" b="1" dirty="0"/>
+          </a:p>
+        </p:txBody>
+      </p:sp>
+    </p:spTree>
+  </p:cSld>
+  <p:clrMapOvr>
+    <a:masterClrMapping/>
+  </p:clrMapOvr>
+  <p:timing>
+    <p:tnLst>
+      <p:par>
+        <p:cTn id="1" dur="indefinite" restart="never" nodeType="tmRoot"/>
+      </p:par>
+    </p:tnLst>
+  </p:timing>
+</p:sld>
+</file>
+
+<file path=ppt/slides/slide39.xml><?xml version="1.0" encoding="utf-8"?>
+<p:sld xmlns:a="http://schemas.openxmlformats.org/drawingml/2006/main" xmlns:r="http://schemas.openxmlformats.org/officeDocument/2006/relationships" xmlns:p="http://schemas.openxmlformats.org/presentationml/2006/main">
+  <p:cSld>
+    <p:spTree>
+      <p:nvGrpSpPr>
+        <p:cNvPr id="1" name=""/>
+        <p:cNvGrpSpPr/>
+        <p:nvPr/>
+      </p:nvGrpSpPr>
+      <p:grpSpPr>
+        <a:xfrm>
+          <a:off x="0" y="0"/>
+          <a:ext cx="0" cy="0"/>
+          <a:chOff x="0" y="0"/>
+          <a:chExt cx="0" cy="0"/>
+        </a:xfrm>
+      </p:grpSpPr>
+      <p:pic>
+        <p:nvPicPr>
+          <p:cNvPr id="4" name="תמונה 3" descr="2.png"/>
+          <p:cNvPicPr>
+            <a:picLocks noChangeAspect="1"/>
+          </p:cNvPicPr>
+          <p:nvPr/>
+        </p:nvPicPr>
+        <p:blipFill>
+          <a:blip r:embed="rId2" cstate="print"/>
+          <a:stretch>
+            <a:fillRect/>
+          </a:stretch>
+        </p:blipFill>
+        <p:spPr>
+          <a:xfrm>
+            <a:off x="0" y="0"/>
+            <a:ext cx="2176813" cy="2355312"/>
+          </a:xfrm>
+          <a:prstGeom prst="rect">
+            <a:avLst/>
+          </a:prstGeom>
+        </p:spPr>
+      </p:pic>
+      <p:sp>
+        <p:nvSpPr>
+          <p:cNvPr id="3" name="מלבן 16"/>
+          <p:cNvSpPr/>
+          <p:nvPr/>
+        </p:nvSpPr>
+        <p:spPr>
+          <a:xfrm>
+            <a:off x="2555776" y="332656"/>
+            <a:ext cx="6012160" cy="1754326"/>
+          </a:xfrm>
+          <a:prstGeom prst="rect">
+            <a:avLst/>
+          </a:prstGeom>
+          <a:noFill/>
+        </p:spPr>
+        <p:txBody>
+          <a:bodyPr wrap="square" lIns="91440" tIns="45720" rIns="91440" bIns="45720">
+            <a:spAutoFit/>
+          </a:bodyPr>
+          <a:lstStyle/>
+          <a:p>
+            <a:pPr algn="ctr"/>
+            <a:r>
+              <a:rPr lang="he-IL" sz="5400" b="1" cap="none" spc="0" dirty="0" smtClean="0">
+                <a:ln w="17780" cmpd="sng">
+                  <a:solidFill>
+                    <a:srgbClr val="FFFFFF"/>
+                  </a:solidFill>
+                  <a:prstDash val="solid"/>
+                  <a:miter lim="800000"/>
+                </a:ln>
+                <a:gradFill rotWithShape="1">
+                  <a:gsLst>
+                    <a:gs pos="0">
+                      <a:srgbClr val="000000">
+                        <a:tint val="92000"/>
+                        <a:shade val="100000"/>
+                        <a:satMod val="150000"/>
+                      </a:srgbClr>
+                    </a:gs>
+                    <a:gs pos="49000">
+                      <a:srgbClr val="000000">
+                        <a:tint val="89000"/>
+                        <a:shade val="90000"/>
+                        <a:satMod val="150000"/>
+                      </a:srgbClr>
+                    </a:gs>
+                    <a:gs pos="50000">
+                      <a:srgbClr val="000000">
+                        <a:tint val="100000"/>
+                        <a:shade val="75000"/>
+                        <a:satMod val="150000"/>
+                      </a:srgbClr>
+                    </a:gs>
+                    <a:gs pos="95000">
+                      <a:srgbClr val="000000">
+                        <a:shade val="47000"/>
+                        <a:satMod val="150000"/>
+                      </a:srgbClr>
+                    </a:gs>
+                    <a:gs pos="100000">
+                      <a:srgbClr val="000000">
+                        <a:shade val="39000"/>
+                        <a:satMod val="150000"/>
+                      </a:srgbClr>
+                    </a:gs>
+                  </a:gsLst>
+                  <a:lin ang="5400000"/>
+                </a:gradFill>
+                <a:effectLst>
+                  <a:outerShdw blurRad="50800" algn="tl" rotWithShape="0">
+                    <a:srgbClr val="000000"/>
+                  </a:outerShdw>
+                </a:effectLst>
+              </a:rPr>
+              <a:t>דרישות פונקציונליות מרכזיות</a:t>
+            </a:r>
+            <a:endParaRPr lang="he-IL" sz="5400" b="1" cap="none" spc="0" dirty="0">
+              <a:ln w="17780" cmpd="sng">
+                <a:solidFill>
+                  <a:srgbClr val="FFFFFF"/>
+                </a:solidFill>
+                <a:prstDash val="solid"/>
+                <a:miter lim="800000"/>
+              </a:ln>
+              <a:gradFill rotWithShape="1">
+                <a:gsLst>
+                  <a:gs pos="0">
+                    <a:srgbClr val="000000">
+                      <a:tint val="92000"/>
+                      <a:shade val="100000"/>
+                      <a:satMod val="150000"/>
+                    </a:srgbClr>
+                  </a:gs>
+                  <a:gs pos="49000">
+                    <a:srgbClr val="000000">
+                      <a:tint val="89000"/>
+                      <a:shade val="90000"/>
+                      <a:satMod val="150000"/>
+                    </a:srgbClr>
+                  </a:gs>
+                  <a:gs pos="50000">
+                    <a:srgbClr val="000000">
+                      <a:tint val="100000"/>
+                      <a:shade val="75000"/>
+                      <a:satMod val="150000"/>
+                    </a:srgbClr>
+                  </a:gs>
+                  <a:gs pos="95000">
+                    <a:srgbClr val="000000">
+                      <a:shade val="47000"/>
+                      <a:satMod val="150000"/>
+                    </a:srgbClr>
+                  </a:gs>
+                  <a:gs pos="100000">
+                    <a:srgbClr val="000000">
+                      <a:shade val="39000"/>
+                      <a:satMod val="150000"/>
+                    </a:srgbClr>
+                  </a:gs>
+                </a:gsLst>
+                <a:lin ang="5400000"/>
+              </a:gradFill>
+              <a:effectLst>
+                <a:outerShdw blurRad="50800" algn="tl" rotWithShape="0">
+                  <a:srgbClr val="000000"/>
+                </a:outerShdw>
+              </a:effectLst>
+            </a:endParaRPr>
+          </a:p>
+        </p:txBody>
+      </p:sp>
+      <p:sp>
+        <p:nvSpPr>
+          <p:cNvPr id="8" name="TextBox 7"/>
+          <p:cNvSpPr txBox="1"/>
+          <p:nvPr/>
+        </p:nvSpPr>
+        <p:spPr>
+          <a:xfrm>
+            <a:off x="755576" y="2420888"/>
+            <a:ext cx="7858180" cy="3785652"/>
+          </a:xfrm>
+          <a:prstGeom prst="rect">
+            <a:avLst/>
+          </a:prstGeom>
+          <a:noFill/>
+        </p:spPr>
+        <p:txBody>
+          <a:bodyPr wrap="square" rtlCol="1">
+            <a:spAutoFit/>
+          </a:bodyPr>
+          <a:lstStyle/>
+          <a:p>
+            <a:r>
+              <a:rPr lang="he-IL" sz="2400" b="1" u="sng" dirty="0" smtClean="0"/>
+              <a:t>עבור התלמיד:</a:t>
+            </a:r>
+          </a:p>
+          <a:p>
+            <a:pPr>
+              <a:buFont typeface="Arial" pitchFamily="34" charset="0"/>
+              <a:buChar char="•"/>
+            </a:pPr>
+            <a:r>
+              <a:rPr lang="he-IL" sz="2400" b="1" dirty="0" smtClean="0"/>
+              <a:t> </a:t>
+            </a:r>
+            <a:r>
+              <a:rPr lang="he-IL" sz="2400" b="1" dirty="0" smtClean="0"/>
+              <a:t>הקראת טקסטים </a:t>
+            </a:r>
+            <a:r>
+              <a:rPr lang="he-IL" sz="2400" b="1" dirty="0" smtClean="0"/>
+              <a:t>בקול</a:t>
+            </a:r>
+            <a:endParaRPr lang="he-IL" sz="2400" b="1" dirty="0" smtClean="0"/>
+          </a:p>
+          <a:p>
+            <a:pPr>
+              <a:buFont typeface="Arial" pitchFamily="34" charset="0"/>
+              <a:buChar char="•"/>
+            </a:pPr>
+            <a:r>
+              <a:rPr lang="he-IL" sz="2400" b="1" dirty="0" smtClean="0"/>
+              <a:t> הצעת משפטי מפתח לשימוש בעת </a:t>
+            </a:r>
+            <a:r>
+              <a:rPr lang="he-IL" sz="2400" b="1" dirty="0" smtClean="0"/>
+              <a:t>הכתיבה</a:t>
+            </a:r>
+            <a:endParaRPr lang="he-IL" sz="2400" b="1" dirty="0" smtClean="0"/>
+          </a:p>
+          <a:p>
+            <a:pPr>
+              <a:buFont typeface="Arial" pitchFamily="34" charset="0"/>
+              <a:buChar char="•"/>
+            </a:pPr>
+            <a:r>
+              <a:rPr lang="he-IL" sz="2400" b="1" dirty="0" smtClean="0"/>
+              <a:t> הגבלת כמות המילים </a:t>
+            </a:r>
+            <a:r>
+              <a:rPr lang="he-IL" sz="2400" b="1" dirty="0" smtClean="0"/>
+              <a:t>בתשובה</a:t>
+            </a:r>
+            <a:endParaRPr lang="he-IL" sz="2400" b="1" dirty="0"/>
+          </a:p>
+          <a:p>
+            <a:pPr>
+              <a:buFont typeface="Arial" pitchFamily="34" charset="0"/>
+              <a:buChar char="•"/>
+            </a:pPr>
+            <a:r>
+              <a:rPr lang="he-IL" sz="2400" b="1" dirty="0"/>
+              <a:t> </a:t>
+            </a:r>
+            <a:r>
+              <a:rPr lang="he-IL" sz="2400" b="1" dirty="0" smtClean="0"/>
+              <a:t>הצעת מילות קישור לשימוש בכתיבה ומעקב </a:t>
+            </a:r>
+            <a:r>
+              <a:rPr lang="he-IL" sz="2400" b="1" dirty="0" smtClean="0"/>
+              <a:t>אחר </a:t>
+            </a:r>
+            <a:r>
+              <a:rPr lang="he-IL" sz="2400" b="1" dirty="0" smtClean="0"/>
+              <a:t>הכמות </a:t>
+            </a:r>
+            <a:r>
+              <a:rPr lang="he-IL" sz="2400" b="1" dirty="0" smtClean="0"/>
+              <a:t>שלהן</a:t>
+            </a:r>
+          </a:p>
+          <a:p>
+            <a:pPr>
+              <a:buFont typeface="Arial" pitchFamily="34" charset="0"/>
+              <a:buChar char="•"/>
+            </a:pPr>
+            <a:endParaRPr lang="he-IL" sz="2400" b="1" dirty="0" smtClean="0"/>
+          </a:p>
+          <a:p>
+            <a:r>
+              <a:rPr lang="he-IL" sz="2400" b="1" u="sng" dirty="0" smtClean="0"/>
+              <a:t>עבור המורה:</a:t>
+            </a:r>
+            <a:endParaRPr lang="he-IL" sz="2400" b="1" u="sng" dirty="0" smtClean="0"/>
+          </a:p>
+          <a:p>
+            <a:pPr>
+              <a:buFont typeface="Arial" pitchFamily="34" charset="0"/>
+              <a:buChar char="•"/>
+            </a:pPr>
+            <a:r>
+              <a:rPr lang="he-IL" sz="2400" b="1" dirty="0" smtClean="0"/>
+              <a:t> יכולת להעלות תכנים: טקסטים, שמע, פירושי מילים, שאלות</a:t>
+            </a:r>
+          </a:p>
+          <a:p>
+            <a:pPr>
+              <a:buFont typeface="Arial" pitchFamily="34" charset="0"/>
+              <a:buChar char="•"/>
+            </a:pPr>
+            <a:r>
+              <a:rPr lang="he-IL" sz="2400" b="1" dirty="0" smtClean="0"/>
+              <a:t> </a:t>
+            </a:r>
+            <a:r>
+              <a:rPr lang="he-IL" sz="2400" b="1" dirty="0" smtClean="0"/>
+              <a:t>יכולת לקבוע כללים למענה על שאלה ספציפית</a:t>
+            </a:r>
+            <a:endParaRPr lang="he-IL" sz="2400" b="1" dirty="0"/>
+          </a:p>
+        </p:txBody>
+      </p:sp>
+    </p:spTree>
+  </p:cSld>
+  <p:clrMapOvr>
+    <a:masterClrMapping/>
+  </p:clrMapOvr>
+  <p:timing>
+    <p:tnLst>
+      <p:par>
+        <p:cTn id="1" dur="indefinite" restart="never" nodeType="tmRoot"/>
+      </p:par>
+    </p:tnLst>
+  </p:timing>
+</p:sld>
+</file>
+
+<file path=ppt/slides/slide4.xml><?xml version="1.0" encoding="utf-8"?>
+<p:sld xmlns:a="http://schemas.openxmlformats.org/drawingml/2006/main" xmlns:r="http://schemas.openxmlformats.org/officeDocument/2006/relationships" xmlns:p="http://schemas.openxmlformats.org/presentationml/2006/main">
+  <p:cSld>
+    <p:spTree>
+      <p:nvGrpSpPr>
+        <p:cNvPr id="1" name=""/>
+        <p:cNvGrpSpPr/>
+        <p:nvPr/>
+      </p:nvGrpSpPr>
+      <p:grpSpPr>
+        <a:xfrm>
+          <a:off x="0" y="0"/>
+          <a:ext cx="0" cy="0"/>
+          <a:chOff x="0" y="0"/>
+          <a:chExt cx="0" cy="0"/>
+        </a:xfrm>
+      </p:grpSpPr>
+      <p:pic>
+        <p:nvPicPr>
+          <p:cNvPr id="4" name="תמונה 3" descr="2.png"/>
+          <p:cNvPicPr>
+            <a:picLocks noChangeAspect="1"/>
+          </p:cNvPicPr>
+          <p:nvPr/>
+        </p:nvPicPr>
+        <p:blipFill>
+          <a:blip r:embed="rId2" cstate="print"/>
+          <a:stretch>
+            <a:fillRect/>
+          </a:stretch>
+        </p:blipFill>
+        <p:spPr>
+          <a:xfrm>
+            <a:off x="0" y="0"/>
+            <a:ext cx="2176813" cy="2355312"/>
+          </a:xfrm>
+          <a:prstGeom prst="rect">
+            <a:avLst/>
+          </a:prstGeom>
+        </p:spPr>
+      </p:pic>
+      <p:sp>
+        <p:nvSpPr>
+          <p:cNvPr id="7" name="TextBox 6"/>
+          <p:cNvSpPr txBox="1"/>
+          <p:nvPr/>
+        </p:nvSpPr>
+        <p:spPr>
+          <a:xfrm>
+            <a:off x="899592" y="2708920"/>
+            <a:ext cx="7429552" cy="3785652"/>
+          </a:xfrm>
+          <a:prstGeom prst="rect">
+            <a:avLst/>
+          </a:prstGeom>
+          <a:noFill/>
+        </p:spPr>
+        <p:txBody>
+          <a:bodyPr wrap="square" rtlCol="1">
+            <a:spAutoFit/>
+          </a:bodyPr>
+          <a:lstStyle/>
+          <a:p>
+            <a:pPr>
+              <a:buFont typeface="Arial" pitchFamily="34" charset="0"/>
+              <a:buChar char="•"/>
+            </a:pPr>
+            <a:r>
+              <a:rPr lang="he-IL" sz="2400" b="1" dirty="0" smtClean="0"/>
+              <a:t> כלי המשמש גלגלי עזר לתלמידים לפיתוח מיומנויות כתיבה על ידי שימוש בתיבת כתיבה חכמה</a:t>
+            </a:r>
+          </a:p>
+          <a:p>
+            <a:pPr>
+              <a:buFont typeface="Arial" pitchFamily="34" charset="0"/>
+              <a:buChar char="•"/>
+            </a:pPr>
+            <a:endParaRPr lang="he-IL" sz="2400" b="1" dirty="0" smtClean="0"/>
+          </a:p>
+          <a:p>
+            <a:pPr>
+              <a:buFont typeface="Arial" pitchFamily="34" charset="0"/>
+              <a:buChar char="•"/>
+            </a:pPr>
+            <a:r>
+              <a:rPr lang="he-IL" sz="2400" b="1" dirty="0" smtClean="0"/>
+              <a:t> כלי ידידותי המספק חווית למידה על ידי משחקי למידה, הקראת טקסטים וליווי בכתיבת מטלות</a:t>
+            </a:r>
+          </a:p>
+          <a:p>
+            <a:pPr>
+              <a:buFont typeface="Arial" pitchFamily="34" charset="0"/>
+              <a:buChar char="•"/>
+            </a:pPr>
+            <a:endParaRPr lang="he-IL" sz="2400" b="1" dirty="0" smtClean="0"/>
+          </a:p>
+          <a:p>
+            <a:pPr>
+              <a:buFont typeface="Arial" pitchFamily="34" charset="0"/>
+              <a:buChar char="•"/>
+            </a:pPr>
+            <a:r>
+              <a:rPr lang="he-IL" sz="2400" b="1" dirty="0" smtClean="0"/>
+              <a:t> כלי המייעל את האינטרקציה בין המורה לתלמידים בעזרת יכולות אנליזה ומעקב אחר התקדמות התלמידים</a:t>
+            </a:r>
+          </a:p>
+          <a:p>
+            <a:endParaRPr lang="en-US" sz="2400" b="1" dirty="0"/>
+          </a:p>
+          <a:p>
+            <a:endParaRPr lang="he-IL" sz="2400" b="1" dirty="0"/>
+          </a:p>
+        </p:txBody>
+      </p:sp>
+      <p:sp>
+        <p:nvSpPr>
+          <p:cNvPr id="8" name="מלבן 7"/>
+          <p:cNvSpPr/>
+          <p:nvPr/>
+        </p:nvSpPr>
+        <p:spPr>
+          <a:xfrm>
+            <a:off x="3287791" y="764704"/>
+            <a:ext cx="3709670" cy="923330"/>
+          </a:xfrm>
+          <a:prstGeom prst="rect">
+            <a:avLst/>
+          </a:prstGeom>
+          <a:noFill/>
+        </p:spPr>
+        <p:txBody>
+          <a:bodyPr wrap="none" lIns="91440" tIns="45720" rIns="91440" bIns="45720">
+            <a:spAutoFit/>
+          </a:bodyPr>
+          <a:lstStyle/>
+          <a:p>
+            <a:pPr algn="ctr"/>
+            <a:r>
+              <a:rPr lang="he-IL" sz="5400" b="1" cap="none" spc="0" dirty="0" smtClean="0">
+                <a:ln w="17780" cmpd="sng">
+                  <a:solidFill>
+                    <a:srgbClr val="FFFFFF"/>
+                  </a:solidFill>
+                  <a:prstDash val="solid"/>
+                  <a:miter lim="800000"/>
+                </a:ln>
+                <a:gradFill rotWithShape="1">
+                  <a:gsLst>
+                    <a:gs pos="0">
+                      <a:srgbClr val="000000">
+                        <a:tint val="92000"/>
+                        <a:shade val="100000"/>
+                        <a:satMod val="150000"/>
+                      </a:srgbClr>
+                    </a:gs>
+                    <a:gs pos="49000">
+                      <a:srgbClr val="000000">
+                        <a:tint val="89000"/>
+                        <a:shade val="90000"/>
+                        <a:satMod val="150000"/>
+                      </a:srgbClr>
+                    </a:gs>
+                    <a:gs pos="50000">
+                      <a:srgbClr val="000000">
+                        <a:tint val="100000"/>
+                        <a:shade val="75000"/>
+                        <a:satMod val="150000"/>
+                      </a:srgbClr>
+                    </a:gs>
+                    <a:gs pos="95000">
+                      <a:srgbClr val="000000">
+                        <a:shade val="47000"/>
+                        <a:satMod val="150000"/>
+                      </a:srgbClr>
+                    </a:gs>
+                    <a:gs pos="100000">
+                      <a:srgbClr val="000000">
+                        <a:shade val="39000"/>
+                        <a:satMod val="150000"/>
+                      </a:srgbClr>
+                    </a:gs>
+                  </a:gsLst>
+                  <a:lin ang="5400000"/>
+                </a:gradFill>
+                <a:effectLst>
+                  <a:outerShdw blurRad="50800" algn="tl" rotWithShape="0">
+                    <a:srgbClr val="000000"/>
+                  </a:outerShdw>
+                </a:effectLst>
+              </a:rPr>
+              <a:t>הפתרון שלנו</a:t>
+            </a:r>
+            <a:endParaRPr lang="he-IL" sz="5400" b="1" cap="none" spc="0" dirty="0">
+              <a:ln w="17780" cmpd="sng">
+                <a:solidFill>
+                  <a:srgbClr val="FFFFFF"/>
+                </a:solidFill>
+                <a:prstDash val="solid"/>
+                <a:miter lim="800000"/>
+              </a:ln>
+              <a:gradFill rotWithShape="1">
+                <a:gsLst>
+                  <a:gs pos="0">
+                    <a:srgbClr val="000000">
+                      <a:tint val="92000"/>
+                      <a:shade val="100000"/>
+                      <a:satMod val="150000"/>
+                    </a:srgbClr>
+                  </a:gs>
+                  <a:gs pos="49000">
+                    <a:srgbClr val="000000">
+                      <a:tint val="89000"/>
+                      <a:shade val="90000"/>
+                      <a:satMod val="150000"/>
+                    </a:srgbClr>
+                  </a:gs>
+                  <a:gs pos="50000">
+                    <a:srgbClr val="000000">
+                      <a:tint val="100000"/>
+                      <a:shade val="75000"/>
+                      <a:satMod val="150000"/>
+                    </a:srgbClr>
+                  </a:gs>
+                  <a:gs pos="95000">
+                    <a:srgbClr val="000000">
+                      <a:shade val="47000"/>
+                      <a:satMod val="150000"/>
+                    </a:srgbClr>
+                  </a:gs>
+                  <a:gs pos="100000">
+                    <a:srgbClr val="000000">
+                      <a:shade val="39000"/>
+                      <a:satMod val="150000"/>
+                    </a:srgbClr>
+                  </a:gs>
+                </a:gsLst>
+                <a:lin ang="5400000"/>
+              </a:gradFill>
+              <a:effectLst>
+                <a:outerShdw blurRad="50800" algn="tl" rotWithShape="0">
+                  <a:srgbClr val="000000"/>
+                </a:outerShdw>
+              </a:effectLst>
+            </a:endParaRPr>
+          </a:p>
+        </p:txBody>
+      </p:sp>
+    </p:spTree>
+  </p:cSld>
+  <p:clrMapOvr>
+    <a:masterClrMapping/>
+  </p:clrMapOvr>
+  <p:timing>
+    <p:tnLst>
+      <p:par>
+        <p:cTn id="1" dur="indefinite" restart="never" nodeType="tmRoot"/>
+      </p:par>
+    </p:tnLst>
+  </p:timing>
+</p:sld>
+</file>
+
+<file path=ppt/slides/slide40.xml><?xml version="1.0" encoding="utf-8"?>
+<p:sld xmlns:a="http://schemas.openxmlformats.org/drawingml/2006/main" xmlns:r="http://schemas.openxmlformats.org/officeDocument/2006/relationships" xmlns:p="http://schemas.openxmlformats.org/presentationml/2006/main">
+  <p:cSld>
+    <p:spTree>
+      <p:nvGrpSpPr>
+        <p:cNvPr id="1" name=""/>
+        <p:cNvGrpSpPr/>
+        <p:nvPr/>
+      </p:nvGrpSpPr>
+      <p:grpSpPr>
+        <a:xfrm>
+          <a:off x="0" y="0"/>
+          <a:ext cx="0" cy="0"/>
+          <a:chOff x="0" y="0"/>
+          <a:chExt cx="0" cy="0"/>
+        </a:xfrm>
+      </p:grpSpPr>
+      <p:pic>
+        <p:nvPicPr>
+          <p:cNvPr id="4" name="תמונה 3" descr="2.png"/>
+          <p:cNvPicPr>
+            <a:picLocks noChangeAspect="1"/>
+          </p:cNvPicPr>
+          <p:nvPr/>
+        </p:nvPicPr>
+        <p:blipFill>
+          <a:blip r:embed="rId2" cstate="print"/>
+          <a:stretch>
+            <a:fillRect/>
+          </a:stretch>
+        </p:blipFill>
+        <p:spPr>
+          <a:xfrm>
+            <a:off x="0" y="0"/>
+            <a:ext cx="2176813" cy="2355312"/>
+          </a:xfrm>
+          <a:prstGeom prst="rect">
+            <a:avLst/>
+          </a:prstGeom>
+        </p:spPr>
+      </p:pic>
+      <p:sp>
+        <p:nvSpPr>
+          <p:cNvPr id="3" name="מלבן 16"/>
+          <p:cNvSpPr/>
+          <p:nvPr/>
+        </p:nvSpPr>
+        <p:spPr>
+          <a:xfrm>
+            <a:off x="2555776" y="332656"/>
+            <a:ext cx="6012160" cy="1754326"/>
+          </a:xfrm>
+          <a:prstGeom prst="rect">
+            <a:avLst/>
+          </a:prstGeom>
+          <a:noFill/>
+        </p:spPr>
+        <p:txBody>
+          <a:bodyPr wrap="square" lIns="91440" tIns="45720" rIns="91440" bIns="45720">
+            <a:spAutoFit/>
+          </a:bodyPr>
+          <a:lstStyle/>
+          <a:p>
+            <a:pPr algn="ctr"/>
+            <a:r>
+              <a:rPr lang="he-IL" sz="5400" b="1" cap="none" spc="0" dirty="0" smtClean="0">
+                <a:ln w="17780" cmpd="sng">
+                  <a:solidFill>
+                    <a:srgbClr val="FFFFFF"/>
+                  </a:solidFill>
+                  <a:prstDash val="solid"/>
+                  <a:miter lim="800000"/>
+                </a:ln>
+                <a:gradFill rotWithShape="1">
+                  <a:gsLst>
+                    <a:gs pos="0">
+                      <a:srgbClr val="000000">
+                        <a:tint val="92000"/>
+                        <a:shade val="100000"/>
+                        <a:satMod val="150000"/>
+                      </a:srgbClr>
+                    </a:gs>
+                    <a:gs pos="49000">
+                      <a:srgbClr val="000000">
+                        <a:tint val="89000"/>
+                        <a:shade val="90000"/>
+                        <a:satMod val="150000"/>
+                      </a:srgbClr>
+                    </a:gs>
+                    <a:gs pos="50000">
+                      <a:srgbClr val="000000">
+                        <a:tint val="100000"/>
+                        <a:shade val="75000"/>
+                        <a:satMod val="150000"/>
+                      </a:srgbClr>
+                    </a:gs>
+                    <a:gs pos="95000">
+                      <a:srgbClr val="000000">
+                        <a:shade val="47000"/>
+                        <a:satMod val="150000"/>
+                      </a:srgbClr>
+                    </a:gs>
+                    <a:gs pos="100000">
+                      <a:srgbClr val="000000">
+                        <a:shade val="39000"/>
+                        <a:satMod val="150000"/>
+                      </a:srgbClr>
+                    </a:gs>
+                  </a:gsLst>
+                  <a:lin ang="5400000"/>
+                </a:gradFill>
+                <a:effectLst>
+                  <a:outerShdw blurRad="50800" algn="tl" rotWithShape="0">
+                    <a:srgbClr val="000000"/>
+                  </a:outerShdw>
+                </a:effectLst>
+              </a:rPr>
+              <a:t>דרישות לא פונקציונליות</a:t>
+            </a:r>
+            <a:endParaRPr lang="he-IL" sz="5400" b="1" cap="none" spc="0" dirty="0">
+              <a:ln w="17780" cmpd="sng">
+                <a:solidFill>
+                  <a:srgbClr val="FFFFFF"/>
+                </a:solidFill>
+                <a:prstDash val="solid"/>
+                <a:miter lim="800000"/>
+              </a:ln>
+              <a:gradFill rotWithShape="1">
+                <a:gsLst>
+                  <a:gs pos="0">
+                    <a:srgbClr val="000000">
+                      <a:tint val="92000"/>
+                      <a:shade val="100000"/>
+                      <a:satMod val="150000"/>
+                    </a:srgbClr>
+                  </a:gs>
+                  <a:gs pos="49000">
+                    <a:srgbClr val="000000">
+                      <a:tint val="89000"/>
+                      <a:shade val="90000"/>
+                      <a:satMod val="150000"/>
+                    </a:srgbClr>
+                  </a:gs>
+                  <a:gs pos="50000">
+                    <a:srgbClr val="000000">
+                      <a:tint val="100000"/>
+                      <a:shade val="75000"/>
+                      <a:satMod val="150000"/>
+                    </a:srgbClr>
+                  </a:gs>
+                  <a:gs pos="95000">
+                    <a:srgbClr val="000000">
+                      <a:shade val="47000"/>
+                      <a:satMod val="150000"/>
+                    </a:srgbClr>
+                  </a:gs>
+                  <a:gs pos="100000">
+                    <a:srgbClr val="000000">
+                      <a:shade val="39000"/>
+                      <a:satMod val="150000"/>
+                    </a:srgbClr>
+                  </a:gs>
+                </a:gsLst>
+                <a:lin ang="5400000"/>
+              </a:gradFill>
+              <a:effectLst>
+                <a:outerShdw blurRad="50800" algn="tl" rotWithShape="0">
+                  <a:srgbClr val="000000"/>
+                </a:outerShdw>
+              </a:effectLst>
+            </a:endParaRPr>
+          </a:p>
+        </p:txBody>
+      </p:sp>
+      <p:sp>
+        <p:nvSpPr>
+          <p:cNvPr id="8" name="TextBox 7"/>
+          <p:cNvSpPr txBox="1"/>
+          <p:nvPr/>
+        </p:nvSpPr>
+        <p:spPr>
+          <a:xfrm>
+            <a:off x="539552" y="2780928"/>
+            <a:ext cx="7858180" cy="2677656"/>
+          </a:xfrm>
+          <a:prstGeom prst="rect">
+            <a:avLst/>
+          </a:prstGeom>
+          <a:noFill/>
+        </p:spPr>
+        <p:txBody>
+          <a:bodyPr wrap="square" rtlCol="1">
+            <a:spAutoFit/>
+          </a:bodyPr>
+          <a:lstStyle/>
+          <a:p>
+            <a:pPr>
+              <a:buFont typeface="Arial" pitchFamily="34" charset="0"/>
+              <a:buChar char="•"/>
+            </a:pPr>
+            <a:r>
+              <a:rPr lang="he-IL" sz="2400" b="1" dirty="0" smtClean="0"/>
+              <a:t> ממשקי משתמש בעברית</a:t>
+            </a:r>
+          </a:p>
+          <a:p>
+            <a:endParaRPr lang="he-IL" sz="2400" b="1" dirty="0" smtClean="0"/>
+          </a:p>
+          <a:p>
+            <a:pPr>
+              <a:buFont typeface="Arial" pitchFamily="34" charset="0"/>
+              <a:buChar char="•"/>
+            </a:pPr>
+            <a:r>
+              <a:rPr lang="he-IL" sz="2400" b="1" dirty="0" smtClean="0"/>
+              <a:t> תמיכה </a:t>
+            </a:r>
+            <a:r>
+              <a:rPr lang="he-IL" sz="2400" b="1" dirty="0" smtClean="0"/>
+              <a:t>בכמות מידע של עד </a:t>
+            </a:r>
+            <a:r>
+              <a:rPr lang="en-US" sz="2400" b="1" dirty="0" smtClean="0"/>
+              <a:t>GB</a:t>
+            </a:r>
+            <a:r>
+              <a:rPr lang="he-IL" sz="2400" b="1" dirty="0" smtClean="0"/>
+              <a:t>100 (בעיקר לקבצי שמע)</a:t>
+            </a:r>
+            <a:endParaRPr lang="he-IL" sz="2400" b="1" dirty="0" smtClean="0"/>
+          </a:p>
+          <a:p>
+            <a:pPr>
+              <a:buFont typeface="Arial" pitchFamily="34" charset="0"/>
+              <a:buChar char="•"/>
+            </a:pPr>
+            <a:endParaRPr lang="he-IL" sz="2400" b="1" dirty="0"/>
+          </a:p>
+          <a:p>
+            <a:pPr>
+              <a:buFont typeface="Arial" pitchFamily="34" charset="0"/>
+              <a:buChar char="•"/>
+            </a:pPr>
+            <a:r>
+              <a:rPr lang="he-IL" sz="2400" b="1" dirty="0" smtClean="0"/>
+              <a:t> תמיכה </a:t>
+            </a:r>
+            <a:r>
+              <a:rPr lang="he-IL" sz="2400" b="1" dirty="0" smtClean="0"/>
+              <a:t>בכ-500 משתמשים בו-זמנית (מורים ותלמידים)</a:t>
+            </a:r>
+            <a:endParaRPr lang="he-IL" sz="2400" b="1" dirty="0" smtClean="0"/>
+          </a:p>
+          <a:p>
+            <a:pPr>
+              <a:buFont typeface="Arial" pitchFamily="34" charset="0"/>
+              <a:buChar char="•"/>
+            </a:pPr>
+            <a:endParaRPr lang="he-IL" sz="2400" b="1" dirty="0" smtClean="0"/>
+          </a:p>
+          <a:p>
+            <a:pPr>
+              <a:buFont typeface="Arial" pitchFamily="34" charset="0"/>
+              <a:buChar char="•"/>
+            </a:pPr>
+            <a:r>
+              <a:rPr lang="he-IL" sz="2400" b="1" dirty="0" smtClean="0"/>
+              <a:t> אי-אובדן מידע בעת תקשורת לקויה עם השרת</a:t>
+            </a:r>
+            <a:endParaRPr lang="he-IL" sz="2400" b="1" dirty="0"/>
+          </a:p>
+        </p:txBody>
+      </p:sp>
+    </p:spTree>
+  </p:cSld>
+  <p:clrMapOvr>
+    <a:masterClrMapping/>
+  </p:clrMapOvr>
+  <p:timing>
+    <p:tnLst>
+      <p:par>
+        <p:cTn id="1" dur="indefinite" restart="never" nodeType="tmRoot"/>
+      </p:par>
+    </p:tnLst>
+  </p:timing>
+</p:sld>
+</file>
+
+<file path=ppt/slides/slide41.xml><?xml version="1.0" encoding="utf-8"?>
 <p:sld xmlns:a="http://schemas.openxmlformats.org/drawingml/2006/main" xmlns:r="http://schemas.openxmlformats.org/officeDocument/2006/relationships" xmlns:p="http://schemas.openxmlformats.org/presentationml/2006/main">
   <p:cSld>
     <p:spTree>
@@ -13377,7 +14617,7 @@
 </p:sld>
 </file>
 
-<file path=ppt/slides/slide38.xml><?xml version="1.0" encoding="utf-8"?>
+<file path=ppt/slides/slide42.xml><?xml version="1.0" encoding="utf-8"?>
 <p:sld xmlns:a="http://schemas.openxmlformats.org/drawingml/2006/main" xmlns:r="http://schemas.openxmlformats.org/officeDocument/2006/relationships" xmlns:p="http://schemas.openxmlformats.org/presentationml/2006/main">
   <p:cSld>
     <p:spTree>
@@ -13579,7 +14819,40 @@
             </a:pPr>
             <a:r>
               <a:rPr lang="he-IL" sz="2400" b="1" dirty="0" smtClean="0"/>
-              <a:t> התממשקות למערכות חיצוניות:</a:t>
+              <a:t> התממשקות למערכות חיצוניות</a:t>
+            </a:r>
+            <a:r>
+              <a:rPr lang="he-IL" sz="2400" b="1" dirty="0" smtClean="0"/>
+              <a:t>:</a:t>
+            </a:r>
+          </a:p>
+          <a:p>
+            <a:pPr lvl="1">
+              <a:buFont typeface="Arial" pitchFamily="34" charset="0"/>
+              <a:buChar char="•"/>
+            </a:pPr>
+            <a:endParaRPr lang="he-IL" sz="2400" b="1" dirty="0"/>
+          </a:p>
+          <a:p>
+            <a:pPr lvl="1">
+              <a:buFont typeface="Arial" pitchFamily="34" charset="0"/>
+              <a:buChar char="•"/>
+            </a:pPr>
+            <a:r>
+              <a:rPr lang="he-IL" sz="2400" b="1" dirty="0" smtClean="0"/>
+              <a:t> משחקי </a:t>
+            </a:r>
+            <a:r>
+              <a:rPr lang="en-US" sz="2400" b="1" dirty="0" smtClean="0"/>
+              <a:t>online</a:t>
+            </a:r>
+            <a:r>
+              <a:rPr lang="he-IL" sz="2400" b="1" dirty="0" smtClean="0"/>
+              <a:t> חיצוניים (לצורכי מעקב אחר צבירת נקודות</a:t>
+            </a:r>
+            <a:r>
+              <a:rPr lang="he-IL" sz="2400" b="1" dirty="0" smtClean="0"/>
+              <a:t>)</a:t>
             </a:r>
           </a:p>
           <a:p>
@@ -13596,33 +14869,13 @@
             </a:pPr>
             <a:r>
               <a:rPr lang="he-IL" sz="2400" b="1" dirty="0" smtClean="0"/>
-              <a:t> מערכת אוטומטית להקראת טקסט בעברית</a:t>
-            </a:r>
-          </a:p>
-          <a:p>
-            <a:pPr lvl="1">
-              <a:buFont typeface="Arial" pitchFamily="34" charset="0"/>
-              <a:buChar char="•"/>
-            </a:pPr>
-            <a:endParaRPr lang="he-IL" sz="2400" b="1" dirty="0"/>
-          </a:p>
-          <a:p>
-            <a:pPr lvl="1">
-              <a:buFont typeface="Arial" pitchFamily="34" charset="0"/>
-              <a:buChar char="•"/>
-            </a:pPr>
+              <a:t> מערכת אוטומטית להקראת טקסט </a:t>
+            </a:r>
             <a:r>
               <a:rPr lang="he-IL" sz="2400" b="1" dirty="0" smtClean="0"/>
-              <a:t> משחקי </a:t>
-            </a:r>
-            <a:r>
-              <a:rPr lang="en-US" sz="2400" b="1" dirty="0" smtClean="0"/>
-              <a:t>online</a:t>
-            </a:r>
-            <a:r>
-              <a:rPr lang="he-IL" sz="2400" b="1" dirty="0" smtClean="0"/>
-              <a:t> חיצוניים (לצורכי מעקב אחר צבירת נקודות)</a:t>
-            </a:r>
+              <a:t>בעברית (?)</a:t>
+            </a:r>
+            <a:endParaRPr lang="he-IL" sz="2400" b="1" dirty="0" smtClean="0"/>
           </a:p>
         </p:txBody>
       </p:sp>
@@ -13641,7 +14894,7 @@
 </p:sld>
 </file>
 
-<file path=ppt/slides/slide39.xml><?xml version="1.0" encoding="utf-8"?>
+<file path=ppt/slides/slide43.xml><?xml version="1.0" encoding="utf-8"?>
 <p:sld xmlns:a="http://schemas.openxmlformats.org/drawingml/2006/main" xmlns:r="http://schemas.openxmlformats.org/officeDocument/2006/relationships" xmlns:p="http://schemas.openxmlformats.org/presentationml/2006/main">
   <p:cSld>
     <p:spTree>
@@ -13815,6 +15068,161 @@
           </a:p>
         </p:txBody>
       </p:sp>
+      <p:sp>
+        <p:nvSpPr>
+          <p:cNvPr id="5" name="TextBox 4"/>
+          <p:cNvSpPr txBox="1"/>
+          <p:nvPr/>
+        </p:nvSpPr>
+        <p:spPr>
+          <a:xfrm>
+            <a:off x="827584" y="1844824"/>
+            <a:ext cx="7858180" cy="4524315"/>
+          </a:xfrm>
+          <a:prstGeom prst="rect">
+            <a:avLst/>
+          </a:prstGeom>
+          <a:noFill/>
+        </p:spPr>
+        <p:txBody>
+          <a:bodyPr wrap="square" rtlCol="1">
+            <a:spAutoFit/>
+          </a:bodyPr>
+          <a:lstStyle/>
+          <a:p>
+            <a:r>
+              <a:rPr lang="he-IL" sz="2400" b="1" dirty="0" smtClean="0"/>
+              <a:t>      </a:t>
+            </a:r>
+            <a:r>
+              <a:rPr lang="en-US" sz="2400" b="1" u="sng" dirty="0" smtClean="0"/>
+              <a:t>UI </a:t>
+            </a:r>
+            <a:r>
+              <a:rPr lang="en-US" sz="2400" b="1" dirty="0" smtClean="0"/>
+              <a:t>	</a:t>
+            </a:r>
+            <a:endParaRPr lang="he-IL" sz="2400" b="1" dirty="0" smtClean="0"/>
+          </a:p>
+          <a:p>
+            <a:endParaRPr lang="he-IL" sz="2400" b="1" u="sng" dirty="0" smtClean="0"/>
+          </a:p>
+          <a:p>
+            <a:pPr lvl="1">
+              <a:buFont typeface="Arial" pitchFamily="34" charset="0"/>
+              <a:buChar char="•"/>
+            </a:pPr>
+            <a:r>
+              <a:rPr lang="he-IL" sz="2400" b="1" dirty="0" smtClean="0"/>
+              <a:t> עבור ממשק התלמיד: עיצוב תיבת הכתיבה החכמה</a:t>
+            </a:r>
+          </a:p>
+          <a:p>
+            <a:pPr lvl="1">
+              <a:buFont typeface="Arial" pitchFamily="34" charset="0"/>
+              <a:buChar char="•"/>
+            </a:pPr>
+            <a:r>
+              <a:rPr lang="he-IL" sz="2400" b="1" dirty="0" smtClean="0"/>
+              <a:t> עבור ממשק המורה: עיצוב מסכים להעלאת </a:t>
+            </a:r>
+            <a:r>
+              <a:rPr lang="he-IL" sz="2400" b="1" dirty="0" smtClean="0"/>
+              <a:t>תוכן</a:t>
+            </a:r>
+          </a:p>
+          <a:p>
+            <a:pPr lvl="1">
+              <a:buFont typeface="Arial" pitchFamily="34" charset="0"/>
+              <a:buChar char="•"/>
+            </a:pPr>
+            <a:endParaRPr lang="he-IL" sz="2400" b="1" dirty="0" smtClean="0"/>
+          </a:p>
+          <a:p>
+            <a:pPr lvl="1"/>
+            <a:r>
+              <a:rPr lang="en-US" sz="2400" b="1" u="sng" dirty="0" smtClean="0"/>
+              <a:t>Server + DB </a:t>
+            </a:r>
+            <a:endParaRPr lang="he-IL" sz="2400" b="1" u="sng" dirty="0" smtClean="0"/>
+          </a:p>
+          <a:p>
+            <a:pPr lvl="1"/>
+            <a:endParaRPr lang="he-IL" sz="2400" b="1" u="sng" dirty="0" smtClean="0"/>
+          </a:p>
+          <a:p>
+            <a:pPr lvl="1">
+              <a:buFont typeface="Arial" pitchFamily="34" charset="0"/>
+              <a:buChar char="•"/>
+            </a:pPr>
+            <a:r>
+              <a:rPr lang="he-IL" sz="2400" b="1" dirty="0" smtClean="0"/>
+              <a:t> </a:t>
+            </a:r>
+            <a:r>
+              <a:rPr lang="he-IL" sz="2400" b="1" dirty="0" smtClean="0"/>
+              <a:t>תמיכה בפונקציונליות של תיבת הכתיבה החכמה:</a:t>
+            </a:r>
+          </a:p>
+          <a:p>
+            <a:pPr lvl="2">
+              <a:buFont typeface="Arial" pitchFamily="34" charset="0"/>
+              <a:buChar char="•"/>
+            </a:pPr>
+            <a:r>
+              <a:rPr lang="he-IL" sz="2400" b="1" dirty="0" smtClean="0"/>
+              <a:t> </a:t>
+            </a:r>
+            <a:r>
+              <a:rPr lang="he-IL" sz="2400" b="1" dirty="0" smtClean="0"/>
+              <a:t>הגבלה על מספר המילים בתשובה</a:t>
+            </a:r>
+          </a:p>
+          <a:p>
+            <a:pPr lvl="2">
+              <a:buFont typeface="Arial" pitchFamily="34" charset="0"/>
+              <a:buChar char="•"/>
+            </a:pPr>
+            <a:r>
+              <a:rPr lang="he-IL" sz="2400" b="1" dirty="0" smtClean="0"/>
+              <a:t> </a:t>
+            </a:r>
+            <a:r>
+              <a:rPr lang="he-IL" sz="2400" b="1" dirty="0" smtClean="0"/>
+              <a:t>בדיקת שימוש במילות קישור</a:t>
+            </a:r>
+          </a:p>
+          <a:p>
+            <a:pPr lvl="2">
+              <a:buFont typeface="Arial" pitchFamily="34" charset="0"/>
+              <a:buChar char="•"/>
+            </a:pPr>
+            <a:r>
+              <a:rPr lang="he-IL" sz="2400" b="1" dirty="0" smtClean="0"/>
+              <a:t> </a:t>
+            </a:r>
+            <a:r>
+              <a:rPr lang="he-IL" sz="2400" b="1" dirty="0" smtClean="0"/>
+              <a:t>הצעת משפטי מפתח לתשובה</a:t>
+            </a:r>
+          </a:p>
+          <a:p>
+            <a:pPr lvl="2">
+              <a:buFont typeface="Arial" pitchFamily="34" charset="0"/>
+              <a:buChar char="•"/>
+            </a:pPr>
+            <a:r>
+              <a:rPr lang="he-IL" sz="2400" b="1" dirty="0" smtClean="0"/>
+              <a:t> </a:t>
+            </a:r>
+            <a:r>
+              <a:rPr lang="he-IL" sz="2400" b="1" dirty="0" smtClean="0"/>
+              <a:t>בדיקה בסיסית של שימוש בסימני פיסוק</a:t>
+            </a:r>
+            <a:endParaRPr lang="he-IL" sz="2400" b="1" dirty="0" smtClean="0"/>
+          </a:p>
+        </p:txBody>
+      </p:sp>
     </p:spTree>
   </p:cSld>
   <p:clrMapOvr>
@@ -13830,289 +15238,7 @@
 </p:sld>
 </file>
 
-<file path=ppt/slides/slide4.xml><?xml version="1.0" encoding="utf-8"?>
-<p:sld xmlns:a="http://schemas.openxmlformats.org/drawingml/2006/main" xmlns:r="http://schemas.openxmlformats.org/officeDocument/2006/relationships" xmlns:p="http://schemas.openxmlformats.org/presentationml/2006/main">
-  <p:cSld>
-    <p:spTree>
-      <p:nvGrpSpPr>
-        <p:cNvPr id="1" name=""/>
-        <p:cNvGrpSpPr/>
-        <p:nvPr/>
-      </p:nvGrpSpPr>
-      <p:grpSpPr>
-        <a:xfrm>
-          <a:off x="0" y="0"/>
-          <a:ext cx="0" cy="0"/>
-          <a:chOff x="0" y="0"/>
-          <a:chExt cx="0" cy="0"/>
-        </a:xfrm>
-      </p:grpSpPr>
-      <p:pic>
-        <p:nvPicPr>
-          <p:cNvPr id="4" name="תמונה 3" descr="2.png"/>
-          <p:cNvPicPr>
-            <a:picLocks noChangeAspect="1"/>
-          </p:cNvPicPr>
-          <p:nvPr/>
-        </p:nvPicPr>
-        <p:blipFill>
-          <a:blip r:embed="rId2" cstate="print"/>
-          <a:stretch>
-            <a:fillRect/>
-          </a:stretch>
-        </p:blipFill>
-        <p:spPr>
-          <a:xfrm>
-            <a:off x="0" y="0"/>
-            <a:ext cx="2176813" cy="2355312"/>
-          </a:xfrm>
-          <a:prstGeom prst="rect">
-            <a:avLst/>
-          </a:prstGeom>
-        </p:spPr>
-      </p:pic>
-      <p:sp>
-        <p:nvSpPr>
-          <p:cNvPr id="5" name="מלבן 4"/>
-          <p:cNvSpPr/>
-          <p:nvPr/>
-        </p:nvSpPr>
-        <p:spPr>
-          <a:xfrm>
-            <a:off x="3131840" y="404664"/>
-            <a:ext cx="4414148" cy="1754326"/>
-          </a:xfrm>
-          <a:prstGeom prst="rect">
-            <a:avLst/>
-          </a:prstGeom>
-          <a:noFill/>
-        </p:spPr>
-        <p:txBody>
-          <a:bodyPr wrap="square" lIns="91440" tIns="45720" rIns="91440" bIns="45720">
-            <a:spAutoFit/>
-          </a:bodyPr>
-          <a:lstStyle/>
-          <a:p>
-            <a:pPr algn="ctr"/>
-            <a:r>
-              <a:rPr lang="he-IL" sz="5400" b="1" cap="none" spc="0" dirty="0" smtClean="0">
-                <a:ln w="17780" cmpd="sng">
-                  <a:solidFill>
-                    <a:srgbClr val="FFFFFF"/>
-                  </a:solidFill>
-                  <a:prstDash val="solid"/>
-                  <a:miter lim="800000"/>
-                </a:ln>
-                <a:gradFill rotWithShape="1">
-                  <a:gsLst>
-                    <a:gs pos="0">
-                      <a:srgbClr val="000000">
-                        <a:tint val="92000"/>
-                        <a:shade val="100000"/>
-                        <a:satMod val="150000"/>
-                      </a:srgbClr>
-                    </a:gs>
-                    <a:gs pos="49000">
-                      <a:srgbClr val="000000">
-                        <a:tint val="89000"/>
-                        <a:shade val="90000"/>
-                        <a:satMod val="150000"/>
-                      </a:srgbClr>
-                    </a:gs>
-                    <a:gs pos="50000">
-                      <a:srgbClr val="000000">
-                        <a:tint val="100000"/>
-                        <a:shade val="75000"/>
-                        <a:satMod val="150000"/>
-                      </a:srgbClr>
-                    </a:gs>
-                    <a:gs pos="95000">
-                      <a:srgbClr val="000000">
-                        <a:shade val="47000"/>
-                        <a:satMod val="150000"/>
-                      </a:srgbClr>
-                    </a:gs>
-                    <a:gs pos="100000">
-                      <a:srgbClr val="000000">
-                        <a:shade val="39000"/>
-                        <a:satMod val="150000"/>
-                      </a:srgbClr>
-                    </a:gs>
-                  </a:gsLst>
-                  <a:lin ang="5400000"/>
-                </a:gradFill>
-                <a:effectLst>
-                  <a:outerShdw blurRad="50800" algn="tl" rotWithShape="0">
-                    <a:srgbClr val="000000"/>
-                  </a:outerShdw>
-                </a:effectLst>
-              </a:rPr>
-              <a:t>תחום מיומנויות הכתיבה</a:t>
-            </a:r>
-            <a:endParaRPr lang="he-IL" sz="5400" b="1" cap="none" spc="0" dirty="0">
-              <a:ln w="17780" cmpd="sng">
-                <a:solidFill>
-                  <a:srgbClr val="FFFFFF"/>
-                </a:solidFill>
-                <a:prstDash val="solid"/>
-                <a:miter lim="800000"/>
-              </a:ln>
-              <a:gradFill rotWithShape="1">
-                <a:gsLst>
-                  <a:gs pos="0">
-                    <a:srgbClr val="000000">
-                      <a:tint val="92000"/>
-                      <a:shade val="100000"/>
-                      <a:satMod val="150000"/>
-                    </a:srgbClr>
-                  </a:gs>
-                  <a:gs pos="49000">
-                    <a:srgbClr val="000000">
-                      <a:tint val="89000"/>
-                      <a:shade val="90000"/>
-                      <a:satMod val="150000"/>
-                    </a:srgbClr>
-                  </a:gs>
-                  <a:gs pos="50000">
-                    <a:srgbClr val="000000">
-                      <a:tint val="100000"/>
-                      <a:shade val="75000"/>
-                      <a:satMod val="150000"/>
-                    </a:srgbClr>
-                  </a:gs>
-                  <a:gs pos="95000">
-                    <a:srgbClr val="000000">
-                      <a:shade val="47000"/>
-                      <a:satMod val="150000"/>
-                    </a:srgbClr>
-                  </a:gs>
-                  <a:gs pos="100000">
-                    <a:srgbClr val="000000">
-                      <a:shade val="39000"/>
-                      <a:satMod val="150000"/>
-                    </a:srgbClr>
-                  </a:gs>
-                </a:gsLst>
-                <a:lin ang="5400000"/>
-              </a:gradFill>
-              <a:effectLst>
-                <a:outerShdw blurRad="50800" algn="tl" rotWithShape="0">
-                  <a:srgbClr val="000000"/>
-                </a:outerShdw>
-              </a:effectLst>
-            </a:endParaRPr>
-          </a:p>
-        </p:txBody>
-      </p:sp>
-      <p:sp>
-        <p:nvSpPr>
-          <p:cNvPr id="6" name="TextBox 5"/>
-          <p:cNvSpPr txBox="1"/>
-          <p:nvPr/>
-        </p:nvSpPr>
-        <p:spPr>
-          <a:xfrm>
-            <a:off x="539552" y="2636912"/>
-            <a:ext cx="7858180" cy="3785652"/>
-          </a:xfrm>
-          <a:prstGeom prst="rect">
-            <a:avLst/>
-          </a:prstGeom>
-          <a:noFill/>
-        </p:spPr>
-        <p:txBody>
-          <a:bodyPr wrap="square" rtlCol="1">
-            <a:spAutoFit/>
-          </a:bodyPr>
-          <a:lstStyle/>
-          <a:p>
-            <a:pPr>
-              <a:buFont typeface="Arial" pitchFamily="34" charset="0"/>
-              <a:buChar char="•"/>
-            </a:pPr>
-            <a:r>
-              <a:rPr lang="he-IL" sz="2400" b="1" dirty="0" smtClean="0"/>
-              <a:t> </a:t>
-            </a:r>
-            <a:r>
-              <a:rPr lang="he-IL" sz="2400" b="1" dirty="0" smtClean="0"/>
-              <a:t>ליקויי כתיבה גורמים פער משמעותי בין הכתיבה לבין מיומנויות אחרות, כגון חשיבה, היזכרות ויכולת-הניסוח</a:t>
-            </a:r>
-            <a:r>
-              <a:rPr lang="he-IL" sz="2400" b="1" dirty="0" smtClean="0"/>
-              <a:t>.</a:t>
-            </a:r>
-          </a:p>
-          <a:p>
-            <a:pPr>
-              <a:buFont typeface="Arial" pitchFamily="34" charset="0"/>
-              <a:buChar char="•"/>
-            </a:pPr>
-            <a:endParaRPr lang="he-IL" sz="2400" b="1" dirty="0"/>
-          </a:p>
-          <a:p>
-            <a:pPr>
-              <a:buFont typeface="Arial" pitchFamily="34" charset="0"/>
-              <a:buChar char="•"/>
-            </a:pPr>
-            <a:r>
-              <a:rPr lang="he-IL" sz="2400" b="1" dirty="0" smtClean="0"/>
-              <a:t> </a:t>
-            </a:r>
-            <a:r>
-              <a:rPr lang="he-IL" sz="2400" b="1" dirty="0" smtClean="0"/>
-              <a:t>ליקויי כתיבה </a:t>
-            </a:r>
-            <a:r>
-              <a:rPr lang="he-IL" sz="2400" b="1" dirty="0" smtClean="0"/>
-              <a:t>מנמיכים את התיפקוד במבחנים בכתב, וכאשר הם משמעותיים, הם אינם מאפשרים לכותב להפגין את הידע והיכולת האמיתיים שלו באמצעות </a:t>
-            </a:r>
-            <a:r>
-              <a:rPr lang="he-IL" sz="2400" b="1" dirty="0" smtClean="0"/>
-              <a:t>הכתיבה.</a:t>
-            </a:r>
-            <a:endParaRPr lang="he-IL" sz="2400" b="1" dirty="0" smtClean="0"/>
-          </a:p>
-          <a:p>
-            <a:pPr>
-              <a:buFont typeface="Arial" pitchFamily="34" charset="0"/>
-              <a:buChar char="•"/>
-            </a:pPr>
-            <a:endParaRPr lang="he-IL" sz="2400" b="1" dirty="0"/>
-          </a:p>
-          <a:p>
-            <a:pPr>
-              <a:buFont typeface="Arial" pitchFamily="34" charset="0"/>
-              <a:buChar char="•"/>
-            </a:pPr>
-            <a:r>
-              <a:rPr lang="he-IL" sz="2400" b="1" dirty="0"/>
-              <a:t> </a:t>
-            </a:r>
-            <a:r>
-              <a:rPr lang="he-IL" sz="2400" b="1" dirty="0" smtClean="0"/>
-              <a:t>ניתן לשפר את מיומנות הכתיבה על ידי מתן אסטרטגיות כתיבה וטיפים לכתיבה שימושית, בין אם כתיבה בהבעת עמדה ובין אם תשובה לגבי שאלה ספציפית.</a:t>
-            </a:r>
-            <a:endParaRPr lang="he-IL" sz="2400" b="1" dirty="0"/>
-          </a:p>
-        </p:txBody>
-      </p:sp>
-    </p:spTree>
-  </p:cSld>
-  <p:clrMapOvr>
-    <a:masterClrMapping/>
-  </p:clrMapOvr>
-  <p:timing>
-    <p:tnLst>
-      <p:par>
-        <p:cTn id="1" dur="indefinite" restart="never" nodeType="tmRoot"/>
-      </p:par>
-    </p:tnLst>
-  </p:timing>
-</p:sld>
-</file>
-
-<file path=ppt/slides/slide40.xml><?xml version="1.0" encoding="utf-8"?>
+<file path=ppt/slides/slide44.xml><?xml version="1.0" encoding="utf-8"?>
 <p:sld xmlns:a="http://schemas.openxmlformats.org/drawingml/2006/main" xmlns:r="http://schemas.openxmlformats.org/officeDocument/2006/relationships" xmlns:p="http://schemas.openxmlformats.org/presentationml/2006/main">
   <p:cSld>
     <p:spTree>
@@ -14217,8 +15343,8 @@
         </p:nvSpPr>
         <p:spPr>
           <a:xfrm>
-            <a:off x="3707904" y="1196752"/>
-            <a:ext cx="1905000" cy="1371600"/>
+            <a:off x="3635896" y="1196752"/>
+            <a:ext cx="3024336" cy="1587624"/>
           </a:xfrm>
           <a:prstGeom prst="cube">
             <a:avLst/>
@@ -14339,7 +15465,7 @@
             <a:pPr algn="ctr"/>
             <a:r>
               <a:rPr lang="en-US" sz="2000" b="1" dirty="0" smtClean="0"/>
-              <a:t>“</a:t>
+              <a:t>          “</a:t>
             </a:r>
             <a:r>
               <a:rPr lang="en-US" sz="2000" b="1" dirty="0" err="1" smtClean="0"/>
@@ -14347,7 +15473,15 @@
             </a:r>
             <a:r>
               <a:rPr lang="en-US" sz="2000" b="1" dirty="0" smtClean="0"/>
-              <a:t>” Server</a:t>
+              <a:t>” </a:t>
+            </a:r>
+            <a:endParaRPr lang="en-US" sz="2000" b="1" dirty="0" smtClean="0"/>
+          </a:p>
+          <a:p>
+            <a:pPr algn="ctr"/>
+            <a:r>
+              <a:rPr lang="en-US" sz="2000" b="1" dirty="0" smtClean="0"/>
+              <a:t>          Server</a:t>
             </a:r>
             <a:endParaRPr lang="he-IL" sz="2000" b="1" dirty="0"/>
           </a:p>
@@ -14361,8 +15495,8 @@
         </p:nvSpPr>
         <p:spPr>
           <a:xfrm>
-            <a:off x="1193304" y="2339752"/>
-            <a:ext cx="1295400" cy="1447800"/>
+            <a:off x="1259632" y="2492896"/>
+            <a:ext cx="1224136" cy="1296144"/>
           </a:xfrm>
           <a:prstGeom prst="foldedCorner">
             <a:avLst/>
@@ -14483,7 +15617,11 @@
             <a:pPr algn="ctr"/>
             <a:r>
               <a:rPr lang="en-US" sz="2000" b="1" dirty="0" smtClean="0"/>
-              <a:t>Pupils Interface</a:t>
+              <a:t>Pupils WEB </a:t>
+            </a:r>
+            <a:r>
+              <a:rPr lang="en-US" sz="2000" b="1" dirty="0" smtClean="0"/>
+              <a:t>Interface</a:t>
             </a:r>
             <a:endParaRPr lang="he-IL" sz="2000" b="1" dirty="0"/>
           </a:p>
@@ -14497,8 +15635,8 @@
         </p:nvSpPr>
         <p:spPr>
           <a:xfrm>
-            <a:off x="6755904" y="2339752"/>
-            <a:ext cx="1295400" cy="1447800"/>
+            <a:off x="7236296" y="2708920"/>
+            <a:ext cx="1368152" cy="1152128"/>
           </a:xfrm>
           <a:prstGeom prst="foldedCorner">
             <a:avLst/>
@@ -14619,7 +15757,11 @@
             <a:pPr algn="ctr"/>
             <a:r>
               <a:rPr lang="en-US" sz="2000" b="1" dirty="0" smtClean="0"/>
-              <a:t>Teachers Interface</a:t>
+              <a:t>Teachers WEB </a:t>
+            </a:r>
+            <a:r>
+              <a:rPr lang="en-US" sz="2000" b="1" dirty="0" smtClean="0"/>
+              <a:t>Interface</a:t>
             </a:r>
             <a:endParaRPr lang="he-IL" sz="2000" b="1" dirty="0"/>
           </a:p>
@@ -14633,8 +15775,8 @@
         </p:nvCxnSpPr>
         <p:spPr>
           <a:xfrm flipH="1">
-            <a:off x="2336304" y="2187352"/>
-            <a:ext cx="1447800" cy="381000"/>
+            <a:off x="2411760" y="2636912"/>
+            <a:ext cx="1368152" cy="432048"/>
           </a:xfrm>
           <a:prstGeom prst="line">
             <a:avLst/>
@@ -14663,8 +15805,8 @@
         </p:nvCxnSpPr>
         <p:spPr>
           <a:xfrm>
-            <a:off x="5079504" y="2263552"/>
-            <a:ext cx="1981200" cy="304800"/>
+            <a:off x="6084168" y="2636912"/>
+            <a:ext cx="1220688" cy="517376"/>
           </a:xfrm>
           <a:prstGeom prst="line">
             <a:avLst/>
@@ -15629,7 +16771,7 @@
         </p:nvSpPr>
         <p:spPr>
           <a:xfrm>
-            <a:off x="2786050" y="142852"/>
+            <a:off x="3059832" y="188640"/>
             <a:ext cx="4414148" cy="923330"/>
           </a:xfrm>
           <a:prstGeom prst="rect">
@@ -15754,6 +16896,48 @@
           </a:p>
         </p:txBody>
       </p:sp>
+      <p:sp>
+        <p:nvSpPr>
+          <p:cNvPr id="19" name="Flowchart: Magnetic Disk 18"/>
+          <p:cNvSpPr/>
+          <p:nvPr/>
+        </p:nvSpPr>
+        <p:spPr>
+          <a:xfrm>
+            <a:off x="3851920" y="1700808"/>
+            <a:ext cx="648072" cy="792088"/>
+          </a:xfrm>
+          <a:prstGeom prst="flowChartMagneticDisk">
+            <a:avLst/>
+          </a:prstGeom>
+        </p:spPr>
+        <p:style>
+          <a:lnRef idx="1">
+            <a:schemeClr val="accent6"/>
+          </a:lnRef>
+          <a:fillRef idx="2">
+            <a:schemeClr val="accent6"/>
+          </a:fillRef>
+          <a:effectRef idx="1">
+            <a:schemeClr val="accent6"/>
+          </a:effectRef>
+          <a:fontRef idx="minor">
+            <a:schemeClr val="dk1"/>
+          </a:fontRef>
+        </p:style>
+        <p:txBody>
+          <a:bodyPr rtlCol="1" anchor="ctr"/>
+          <a:lstStyle/>
+          <a:p>
+            <a:pPr algn="ctr"/>
+            <a:r>
+              <a:rPr lang="en-US" sz="2400" b="1" dirty="0" smtClean="0"/>
+              <a:t>DB</a:t>
+            </a:r>
+            <a:endParaRPr lang="he-IL" sz="2400" b="1" dirty="0"/>
+          </a:p>
+        </p:txBody>
+      </p:sp>
     </p:spTree>
   </p:cSld>
   <p:clrMapOvr>
@@ -15812,14 +16996,14 @@
       </p:pic>
       <p:sp>
         <p:nvSpPr>
-          <p:cNvPr id="3" name="מלבן 16"/>
-          <p:cNvSpPr/>
-          <p:nvPr/>
-        </p:nvSpPr>
-        <p:spPr>
-          <a:xfrm>
-            <a:off x="2555776" y="332656"/>
-            <a:ext cx="6012160" cy="1754326"/>
+          <p:cNvPr id="17" name="מלבן 16"/>
+          <p:cNvSpPr/>
+          <p:nvPr/>
+        </p:nvSpPr>
+        <p:spPr>
+          <a:xfrm>
+            <a:off x="2987824" y="0"/>
+            <a:ext cx="5400600" cy="923330"/>
           </a:xfrm>
           <a:prstGeom prst="rect">
             <a:avLst/>
@@ -15886,7 +17070,7 @@
                   </a:outerShdw>
                 </a:effectLst>
               </a:rPr>
-              <a:t>דרישות פונקציונליות מרכזיות</a:t>
+              <a:t>יישויות מרכזיות א'</a:t>
             </a:r>
             <a:endParaRPr lang="he-IL" sz="5400" b="1" cap="none" spc="0" dirty="0">
               <a:ln w="17780" cmpd="sng">
@@ -15943,112 +17127,30 @@
           </a:p>
         </p:txBody>
       </p:sp>
-      <p:sp>
-        <p:nvSpPr>
-          <p:cNvPr id="8" name="TextBox 7"/>
-          <p:cNvSpPr txBox="1"/>
-          <p:nvPr/>
-        </p:nvSpPr>
-        <p:spPr>
-          <a:xfrm>
-            <a:off x="539552" y="2636912"/>
-            <a:ext cx="7858180" cy="3785652"/>
+      <p:pic>
+        <p:nvPicPr>
+          <p:cNvPr id="18" name="Picture 17" descr="Text Heirarchy CD.png"/>
+          <p:cNvPicPr>
+            <a:picLocks noChangeAspect="1"/>
+          </p:cNvPicPr>
+          <p:nvPr/>
+        </p:nvPicPr>
+        <p:blipFill>
+          <a:blip r:embed="rId3" cstate="print"/>
+          <a:stretch>
+            <a:fillRect/>
+          </a:stretch>
+        </p:blipFill>
+        <p:spPr>
+          <a:xfrm>
+            <a:off x="1403648" y="1340768"/>
+            <a:ext cx="7509276" cy="5296619"/>
           </a:xfrm>
           <a:prstGeom prst="rect">
             <a:avLst/>
           </a:prstGeom>
-          <a:noFill/>
-        </p:spPr>
-        <p:txBody>
-          <a:bodyPr wrap="square" rtlCol="1">
-            <a:spAutoFit/>
-          </a:bodyPr>
-          <a:lstStyle/>
-          <a:p>
-            <a:pPr>
-              <a:buFont typeface="Arial" pitchFamily="34" charset="0"/>
-              <a:buChar char="•"/>
-            </a:pPr>
-            <a:r>
-              <a:rPr lang="he-IL" sz="2400" b="1" dirty="0" smtClean="0"/>
-              <a:t> הקראת טקסטים בקול</a:t>
-            </a:r>
-          </a:p>
-          <a:p>
-            <a:pPr>
-              <a:buFont typeface="Arial" pitchFamily="34" charset="0"/>
-              <a:buChar char="•"/>
-            </a:pPr>
-            <a:endParaRPr lang="he-IL" sz="2400" b="1" dirty="0" smtClean="0"/>
-          </a:p>
-          <a:p>
-            <a:pPr>
-              <a:buFont typeface="Arial" pitchFamily="34" charset="0"/>
-              <a:buChar char="•"/>
-            </a:pPr>
-            <a:r>
-              <a:rPr lang="he-IL" sz="2400" b="1" dirty="0" smtClean="0"/>
-              <a:t> הצעת משפטי מפתח לשימוש בעת הכתיבה</a:t>
-            </a:r>
-          </a:p>
-          <a:p>
-            <a:pPr>
-              <a:buFont typeface="Arial" pitchFamily="34" charset="0"/>
-              <a:buChar char="•"/>
-            </a:pPr>
-            <a:endParaRPr lang="he-IL" sz="2400" b="1" dirty="0"/>
-          </a:p>
-          <a:p>
-            <a:pPr>
-              <a:buFont typeface="Arial" pitchFamily="34" charset="0"/>
-              <a:buChar char="•"/>
-            </a:pPr>
-            <a:r>
-              <a:rPr lang="he-IL" sz="2400" b="1" dirty="0" smtClean="0"/>
-              <a:t> הצגת מילים נרדפות להעשרת הכתיבה</a:t>
-            </a:r>
-          </a:p>
-          <a:p>
-            <a:pPr>
-              <a:buFont typeface="Arial" pitchFamily="34" charset="0"/>
-              <a:buChar char="•"/>
-            </a:pPr>
-            <a:endParaRPr lang="he-IL" sz="2400" b="1" dirty="0" smtClean="0"/>
-          </a:p>
-          <a:p>
-            <a:pPr>
-              <a:buFont typeface="Arial" pitchFamily="34" charset="0"/>
-              <a:buChar char="•"/>
-            </a:pPr>
-            <a:r>
-              <a:rPr lang="he-IL" sz="2400" b="1" dirty="0" smtClean="0"/>
-              <a:t> הגבלת כמות המילים בתשובה</a:t>
-            </a:r>
-          </a:p>
-          <a:p>
-            <a:pPr>
-              <a:buFont typeface="Arial" pitchFamily="34" charset="0"/>
-              <a:buChar char="•"/>
-            </a:pPr>
-            <a:endParaRPr lang="he-IL" sz="2400" b="1" dirty="0"/>
-          </a:p>
-          <a:p>
-            <a:pPr>
-              <a:buFont typeface="Arial" pitchFamily="34" charset="0"/>
-              <a:buChar char="•"/>
-            </a:pPr>
-            <a:r>
-              <a:rPr lang="he-IL" sz="2400" b="1" dirty="0"/>
-              <a:t> </a:t>
-            </a:r>
-            <a:r>
-              <a:rPr lang="he-IL" sz="2400" b="1" dirty="0" smtClean="0"/>
-              <a:t>הצעת מילות קישור לשימוש בכתיבה ומעקב אחרי הכמות שלהן</a:t>
-            </a:r>
-            <a:endParaRPr lang="he-IL" sz="2400" b="1" dirty="0"/>
-          </a:p>
-        </p:txBody>
-      </p:sp>
+        </p:spPr>
+      </p:pic>
     </p:spTree>
   </p:cSld>
   <p:clrMapOvr>
@@ -16107,14 +17209,14 @@
       </p:pic>
       <p:sp>
         <p:nvSpPr>
-          <p:cNvPr id="3" name="מלבן 16"/>
-          <p:cNvSpPr/>
-          <p:nvPr/>
-        </p:nvSpPr>
-        <p:spPr>
-          <a:xfrm>
-            <a:off x="2555776" y="332656"/>
-            <a:ext cx="6012160" cy="1754326"/>
+          <p:cNvPr id="17" name="מלבן 16"/>
+          <p:cNvSpPr/>
+          <p:nvPr/>
+        </p:nvSpPr>
+        <p:spPr>
+          <a:xfrm>
+            <a:off x="2843808" y="0"/>
+            <a:ext cx="5400600" cy="923330"/>
           </a:xfrm>
           <a:prstGeom prst="rect">
             <a:avLst/>
@@ -16181,7 +17283,7 @@
                   </a:outerShdw>
                 </a:effectLst>
               </a:rPr>
-              <a:t>דרישות לא פונקציונליות</a:t>
+              <a:t>יישויות מרכזיות ב'</a:t>
             </a:r>
             <a:endParaRPr lang="he-IL" sz="5400" b="1" cap="none" spc="0" dirty="0">
               <a:ln w="17780" cmpd="sng">
@@ -16238,113 +17340,30 @@
           </a:p>
         </p:txBody>
       </p:sp>
-      <p:sp>
-        <p:nvSpPr>
-          <p:cNvPr id="8" name="TextBox 7"/>
-          <p:cNvSpPr txBox="1"/>
-          <p:nvPr/>
-        </p:nvSpPr>
-        <p:spPr>
-          <a:xfrm>
-            <a:off x="539552" y="2636912"/>
-            <a:ext cx="7858180" cy="3416320"/>
+      <p:pic>
+        <p:nvPicPr>
+          <p:cNvPr id="5" name="Picture 4" descr="Users &amp; Class CD.png"/>
+          <p:cNvPicPr>
+            <a:picLocks noChangeAspect="1"/>
+          </p:cNvPicPr>
+          <p:nvPr/>
+        </p:nvPicPr>
+        <p:blipFill>
+          <a:blip r:embed="rId3" cstate="print"/>
+          <a:stretch>
+            <a:fillRect/>
+          </a:stretch>
+        </p:blipFill>
+        <p:spPr>
+          <a:xfrm>
+            <a:off x="1042987" y="997170"/>
+            <a:ext cx="7561461" cy="5673647"/>
           </a:xfrm>
           <a:prstGeom prst="rect">
             <a:avLst/>
           </a:prstGeom>
-          <a:noFill/>
-        </p:spPr>
-        <p:txBody>
-          <a:bodyPr wrap="square" rtlCol="1">
-            <a:spAutoFit/>
-          </a:bodyPr>
-          <a:lstStyle/>
-          <a:p>
-            <a:pPr>
-              <a:buFont typeface="Arial" pitchFamily="34" charset="0"/>
-              <a:buChar char="•"/>
-            </a:pPr>
-            <a:r>
-              <a:rPr lang="he-IL" sz="2400" b="1" dirty="0" smtClean="0"/>
-              <a:t> ממשקי משתמש בעברית</a:t>
-            </a:r>
-          </a:p>
-          <a:p>
-            <a:pPr>
-              <a:buFont typeface="Arial" pitchFamily="34" charset="0"/>
-              <a:buChar char="•"/>
-            </a:pPr>
-            <a:endParaRPr lang="he-IL" sz="2400" b="1" dirty="0" smtClean="0"/>
-          </a:p>
-          <a:p>
-            <a:pPr>
-              <a:buFont typeface="Arial" pitchFamily="34" charset="0"/>
-              <a:buChar char="•"/>
-            </a:pPr>
-            <a:r>
-              <a:rPr lang="he-IL" sz="2400" b="1" dirty="0" smtClean="0"/>
-              <a:t> ממשק משתמש נוח וידידותי לתלמידים </a:t>
-            </a:r>
-          </a:p>
-          <a:p>
-            <a:pPr>
-              <a:buFont typeface="Arial" pitchFamily="34" charset="0"/>
-              <a:buChar char="•"/>
-            </a:pPr>
-            <a:endParaRPr lang="he-IL" sz="2400" b="1" dirty="0" smtClean="0"/>
-          </a:p>
-          <a:p>
-            <a:pPr>
-              <a:buFont typeface="Arial" pitchFamily="34" charset="0"/>
-              <a:buChar char="•"/>
-            </a:pPr>
-            <a:r>
-              <a:rPr lang="he-IL" sz="2400" b="1" dirty="0" smtClean="0"/>
-              <a:t> תמיכה בכמות גדולה של </a:t>
-            </a:r>
-            <a:r>
-              <a:rPr lang="en-US" sz="2400" b="1" dirty="0" smtClean="0"/>
-              <a:t>data</a:t>
-            </a:r>
-            <a:endParaRPr lang="he-IL" sz="2400" b="1" dirty="0" smtClean="0"/>
-          </a:p>
-          <a:p>
-            <a:pPr>
-              <a:buFont typeface="Arial" pitchFamily="34" charset="0"/>
-              <a:buChar char="•"/>
-            </a:pPr>
-            <a:endParaRPr lang="he-IL" sz="2400" b="1" dirty="0"/>
-          </a:p>
-          <a:p>
-            <a:pPr>
-              <a:buFont typeface="Arial" pitchFamily="34" charset="0"/>
-              <a:buChar char="•"/>
-            </a:pPr>
-            <a:r>
-              <a:rPr lang="he-IL" sz="2400" b="1" dirty="0" smtClean="0"/>
-              <a:t> תמיכה בכמות גדולה של משתמשים בו-זמנית</a:t>
-            </a:r>
-          </a:p>
-          <a:p>
-            <a:pPr>
-              <a:buFont typeface="Arial" pitchFamily="34" charset="0"/>
-              <a:buChar char="•"/>
-            </a:pPr>
-            <a:endParaRPr lang="he-IL" sz="2400" b="1" dirty="0" smtClean="0"/>
-          </a:p>
-          <a:p>
-            <a:pPr>
-              <a:buFont typeface="Arial" pitchFamily="34" charset="0"/>
-              <a:buChar char="•"/>
-            </a:pPr>
-            <a:r>
-              <a:rPr lang="he-IL" sz="2400" b="1" dirty="0" smtClean="0"/>
-              <a:t> אי-אובדן מידע בעת תקשורת לקויה עם השרת</a:t>
-            </a:r>
-            <a:endParaRPr lang="he-IL" sz="2400" b="1" dirty="0"/>
-          </a:p>
-        </p:txBody>
-      </p:sp>
+        </p:spPr>
+      </p:pic>
     </p:spTree>
   </p:cSld>
   <p:clrMapOvr>
@@ -16403,14 +17422,14 @@
       </p:pic>
       <p:sp>
         <p:nvSpPr>
-          <p:cNvPr id="3" name="מלבן 16"/>
-          <p:cNvSpPr/>
-          <p:nvPr/>
-        </p:nvSpPr>
-        <p:spPr>
-          <a:xfrm>
-            <a:off x="1691680" y="2636912"/>
-            <a:ext cx="6012160" cy="1754326"/>
+          <p:cNvPr id="17" name="מלבן 16"/>
+          <p:cNvSpPr/>
+          <p:nvPr/>
+        </p:nvSpPr>
+        <p:spPr>
+          <a:xfrm>
+            <a:off x="2267744" y="188640"/>
+            <a:ext cx="6624736" cy="923330"/>
           </a:xfrm>
           <a:prstGeom prst="rect">
             <a:avLst/>
@@ -16477,7 +17496,7 @@
                   </a:outerShdw>
                 </a:effectLst>
               </a:rPr>
-              <a:t>אב-טיפוס והדגמת תרחישי שימוש</a:t>
+              <a:t>זרימת מסכים - תלמיד</a:t>
             </a:r>
             <a:endParaRPr lang="he-IL" sz="5400" b="1" cap="none" spc="0" dirty="0">
               <a:ln w="17780" cmpd="sng">
@@ -16534,6 +17553,517 @@
           </a:p>
         </p:txBody>
       </p:sp>
+      <p:sp>
+        <p:nvSpPr>
+          <p:cNvPr id="6" name="Rounded Rectangle 5"/>
+          <p:cNvSpPr/>
+          <p:nvPr/>
+        </p:nvSpPr>
+        <p:spPr>
+          <a:xfrm>
+            <a:off x="4932040" y="1340768"/>
+            <a:ext cx="1800200" cy="792088"/>
+          </a:xfrm>
+          <a:prstGeom prst="roundRect">
+            <a:avLst/>
+          </a:prstGeom>
+        </p:spPr>
+        <p:style>
+          <a:lnRef idx="2">
+            <a:schemeClr val="accent3">
+              <a:shade val="50000"/>
+            </a:schemeClr>
+          </a:lnRef>
+          <a:fillRef idx="1">
+            <a:schemeClr val="accent3"/>
+          </a:fillRef>
+          <a:effectRef idx="0">
+            <a:schemeClr val="accent3"/>
+          </a:effectRef>
+          <a:fontRef idx="minor">
+            <a:schemeClr val="lt1"/>
+          </a:fontRef>
+        </p:style>
+        <p:txBody>
+          <a:bodyPr rtlCol="1" anchor="ctr"/>
+          <a:lstStyle/>
+          <a:p>
+            <a:pPr algn="ctr"/>
+            <a:r>
+              <a:rPr lang="he-IL" sz="2400" b="1" dirty="0" smtClean="0"/>
+              <a:t>בחירת נושא</a:t>
+            </a:r>
+            <a:endParaRPr lang="he-IL" sz="2400" b="1" dirty="0"/>
+          </a:p>
+        </p:txBody>
+      </p:sp>
+      <p:sp>
+        <p:nvSpPr>
+          <p:cNvPr id="7" name="Rounded Rectangle 6"/>
+          <p:cNvSpPr/>
+          <p:nvPr/>
+        </p:nvSpPr>
+        <p:spPr>
+          <a:xfrm>
+            <a:off x="4932040" y="2492896"/>
+            <a:ext cx="1800200" cy="792088"/>
+          </a:xfrm>
+          <a:prstGeom prst="roundRect">
+            <a:avLst/>
+          </a:prstGeom>
+        </p:spPr>
+        <p:style>
+          <a:lnRef idx="2">
+            <a:schemeClr val="accent3">
+              <a:shade val="50000"/>
+            </a:schemeClr>
+          </a:lnRef>
+          <a:fillRef idx="1">
+            <a:schemeClr val="accent3"/>
+          </a:fillRef>
+          <a:effectRef idx="0">
+            <a:schemeClr val="accent3"/>
+          </a:effectRef>
+          <a:fontRef idx="minor">
+            <a:schemeClr val="lt1"/>
+          </a:fontRef>
+        </p:style>
+        <p:txBody>
+          <a:bodyPr rtlCol="1" anchor="ctr"/>
+          <a:lstStyle/>
+          <a:p>
+            <a:pPr algn="ctr"/>
+            <a:r>
+              <a:rPr lang="he-IL" sz="2400" b="1" dirty="0" smtClean="0"/>
+              <a:t>בחירת תת-נושא</a:t>
+            </a:r>
+            <a:endParaRPr lang="he-IL" sz="2400" b="1" dirty="0"/>
+          </a:p>
+        </p:txBody>
+      </p:sp>
+      <p:sp>
+        <p:nvSpPr>
+          <p:cNvPr id="8" name="Rounded Rectangle 7"/>
+          <p:cNvSpPr/>
+          <p:nvPr/>
+        </p:nvSpPr>
+        <p:spPr>
+          <a:xfrm>
+            <a:off x="4932040" y="3717032"/>
+            <a:ext cx="1800200" cy="792088"/>
+          </a:xfrm>
+          <a:prstGeom prst="roundRect">
+            <a:avLst/>
+          </a:prstGeom>
+        </p:spPr>
+        <p:style>
+          <a:lnRef idx="2">
+            <a:schemeClr val="accent3">
+              <a:shade val="50000"/>
+            </a:schemeClr>
+          </a:lnRef>
+          <a:fillRef idx="1">
+            <a:schemeClr val="accent3"/>
+          </a:fillRef>
+          <a:effectRef idx="0">
+            <a:schemeClr val="accent3"/>
+          </a:effectRef>
+          <a:fontRef idx="minor">
+            <a:schemeClr val="lt1"/>
+          </a:fontRef>
+        </p:style>
+        <p:txBody>
+          <a:bodyPr rtlCol="1" anchor="ctr"/>
+          <a:lstStyle/>
+          <a:p>
+            <a:pPr algn="ctr"/>
+            <a:r>
+              <a:rPr lang="he-IL" sz="2400" b="1" dirty="0" smtClean="0"/>
+              <a:t>בחירת קטע קריאה</a:t>
+            </a:r>
+            <a:endParaRPr lang="he-IL" sz="2400" b="1" dirty="0"/>
+          </a:p>
+        </p:txBody>
+      </p:sp>
+      <p:sp>
+        <p:nvSpPr>
+          <p:cNvPr id="9" name="Rounded Rectangle 8"/>
+          <p:cNvSpPr/>
+          <p:nvPr/>
+        </p:nvSpPr>
+        <p:spPr>
+          <a:xfrm>
+            <a:off x="2555776" y="5013176"/>
+            <a:ext cx="1800200" cy="792088"/>
+          </a:xfrm>
+          <a:prstGeom prst="roundRect">
+            <a:avLst/>
+          </a:prstGeom>
+        </p:spPr>
+        <p:style>
+          <a:lnRef idx="2">
+            <a:schemeClr val="accent3">
+              <a:shade val="50000"/>
+            </a:schemeClr>
+          </a:lnRef>
+          <a:fillRef idx="1">
+            <a:schemeClr val="accent3"/>
+          </a:fillRef>
+          <a:effectRef idx="0">
+            <a:schemeClr val="accent3"/>
+          </a:effectRef>
+          <a:fontRef idx="minor">
+            <a:schemeClr val="lt1"/>
+          </a:fontRef>
+        </p:style>
+        <p:txBody>
+          <a:bodyPr rtlCol="1" anchor="ctr"/>
+          <a:lstStyle/>
+          <a:p>
+            <a:pPr algn="ctr"/>
+            <a:r>
+              <a:rPr lang="he-IL" sz="2400" b="1" dirty="0" smtClean="0"/>
+              <a:t>אתגר כתיבה</a:t>
+            </a:r>
+            <a:endParaRPr lang="he-IL" sz="2400" b="1" dirty="0"/>
+          </a:p>
+        </p:txBody>
+      </p:sp>
+      <p:sp>
+        <p:nvSpPr>
+          <p:cNvPr id="10" name="Rounded Rectangle 9"/>
+          <p:cNvSpPr/>
+          <p:nvPr/>
+        </p:nvSpPr>
+        <p:spPr>
+          <a:xfrm>
+            <a:off x="4860032" y="5013176"/>
+            <a:ext cx="1800200" cy="792088"/>
+          </a:xfrm>
+          <a:prstGeom prst="roundRect">
+            <a:avLst/>
+          </a:prstGeom>
+        </p:spPr>
+        <p:style>
+          <a:lnRef idx="2">
+            <a:schemeClr val="accent3">
+              <a:shade val="50000"/>
+            </a:schemeClr>
+          </a:lnRef>
+          <a:fillRef idx="1">
+            <a:schemeClr val="accent3"/>
+          </a:fillRef>
+          <a:effectRef idx="0">
+            <a:schemeClr val="accent3"/>
+          </a:effectRef>
+          <a:fontRef idx="minor">
+            <a:schemeClr val="lt1"/>
+          </a:fontRef>
+        </p:style>
+        <p:txBody>
+          <a:bodyPr rtlCol="1" anchor="ctr"/>
+          <a:lstStyle/>
+          <a:p>
+            <a:pPr algn="ctr"/>
+            <a:r>
+              <a:rPr lang="he-IL" sz="2400" b="1" dirty="0" smtClean="0"/>
+              <a:t>משחקי אוצר מילים</a:t>
+            </a:r>
+            <a:endParaRPr lang="he-IL" sz="2400" b="1" dirty="0"/>
+          </a:p>
+        </p:txBody>
+      </p:sp>
+      <p:sp>
+        <p:nvSpPr>
+          <p:cNvPr id="11" name="Rounded Rectangle 10"/>
+          <p:cNvSpPr/>
+          <p:nvPr/>
+        </p:nvSpPr>
+        <p:spPr>
+          <a:xfrm>
+            <a:off x="7164288" y="5013176"/>
+            <a:ext cx="1800200" cy="792088"/>
+          </a:xfrm>
+          <a:prstGeom prst="roundRect">
+            <a:avLst/>
+          </a:prstGeom>
+        </p:spPr>
+        <p:style>
+          <a:lnRef idx="2">
+            <a:schemeClr val="accent3">
+              <a:shade val="50000"/>
+            </a:schemeClr>
+          </a:lnRef>
+          <a:fillRef idx="1">
+            <a:schemeClr val="accent3"/>
+          </a:fillRef>
+          <a:effectRef idx="0">
+            <a:schemeClr val="accent3"/>
+          </a:effectRef>
+          <a:fontRef idx="minor">
+            <a:schemeClr val="lt1"/>
+          </a:fontRef>
+        </p:style>
+        <p:txBody>
+          <a:bodyPr rtlCol="1" anchor="ctr"/>
+          <a:lstStyle/>
+          <a:p>
+            <a:pPr algn="ctr"/>
+            <a:r>
+              <a:rPr lang="he-IL" sz="2400" b="1" dirty="0" smtClean="0"/>
+              <a:t>המשך לקטע הקריאה</a:t>
+            </a:r>
+            <a:endParaRPr lang="he-IL" sz="2400" b="1" dirty="0"/>
+          </a:p>
+        </p:txBody>
+      </p:sp>
+      <p:cxnSp>
+        <p:nvCxnSpPr>
+          <p:cNvPr id="13" name="Straight Arrow Connector 12"/>
+          <p:cNvCxnSpPr>
+            <a:stCxn id="6" idx="2"/>
+            <a:endCxn id="7" idx="0"/>
+          </p:cNvCxnSpPr>
+          <p:nvPr/>
+        </p:nvCxnSpPr>
+        <p:spPr>
+          <a:xfrm>
+            <a:off x="5832140" y="2132856"/>
+            <a:ext cx="0" cy="360040"/>
+          </a:xfrm>
+          <a:prstGeom prst="straightConnector1">
+            <a:avLst/>
+          </a:prstGeom>
+          <a:ln>
+            <a:tailEnd type="arrow"/>
+          </a:ln>
+        </p:spPr>
+        <p:style>
+          <a:lnRef idx="1">
+            <a:schemeClr val="dk1"/>
+          </a:lnRef>
+          <a:fillRef idx="0">
+            <a:schemeClr val="dk1"/>
+          </a:fillRef>
+          <a:effectRef idx="0">
+            <a:schemeClr val="dk1"/>
+          </a:effectRef>
+          <a:fontRef idx="minor">
+            <a:schemeClr val="tx1"/>
+          </a:fontRef>
+        </p:style>
+      </p:cxnSp>
+      <p:cxnSp>
+        <p:nvCxnSpPr>
+          <p:cNvPr id="15" name="Straight Arrow Connector 14"/>
+          <p:cNvCxnSpPr/>
+          <p:nvPr/>
+        </p:nvCxnSpPr>
+        <p:spPr>
+          <a:xfrm>
+            <a:off x="5796136" y="3284984"/>
+            <a:ext cx="0" cy="360040"/>
+          </a:xfrm>
+          <a:prstGeom prst="straightConnector1">
+            <a:avLst/>
+          </a:prstGeom>
+          <a:ln>
+            <a:tailEnd type="arrow"/>
+          </a:ln>
+        </p:spPr>
+        <p:style>
+          <a:lnRef idx="1">
+            <a:schemeClr val="dk1"/>
+          </a:lnRef>
+          <a:fillRef idx="0">
+            <a:schemeClr val="dk1"/>
+          </a:fillRef>
+          <a:effectRef idx="0">
+            <a:schemeClr val="dk1"/>
+          </a:effectRef>
+          <a:fontRef idx="minor">
+            <a:schemeClr val="tx1"/>
+          </a:fontRef>
+        </p:style>
+      </p:cxnSp>
+      <p:cxnSp>
+        <p:nvCxnSpPr>
+          <p:cNvPr id="16" name="Straight Arrow Connector 15"/>
+          <p:cNvCxnSpPr/>
+          <p:nvPr/>
+        </p:nvCxnSpPr>
+        <p:spPr>
+          <a:xfrm>
+            <a:off x="5796136" y="4509120"/>
+            <a:ext cx="0" cy="432048"/>
+          </a:xfrm>
+          <a:prstGeom prst="straightConnector1">
+            <a:avLst/>
+          </a:prstGeom>
+          <a:ln>
+            <a:tailEnd type="arrow"/>
+          </a:ln>
+        </p:spPr>
+        <p:style>
+          <a:lnRef idx="1">
+            <a:schemeClr val="dk1"/>
+          </a:lnRef>
+          <a:fillRef idx="0">
+            <a:schemeClr val="dk1"/>
+          </a:fillRef>
+          <a:effectRef idx="0">
+            <a:schemeClr val="dk1"/>
+          </a:effectRef>
+          <a:fontRef idx="minor">
+            <a:schemeClr val="tx1"/>
+          </a:fontRef>
+        </p:style>
+      </p:cxnSp>
+      <p:cxnSp>
+        <p:nvCxnSpPr>
+          <p:cNvPr id="18" name="Straight Arrow Connector 17"/>
+          <p:cNvCxnSpPr/>
+          <p:nvPr/>
+        </p:nvCxnSpPr>
+        <p:spPr>
+          <a:xfrm flipH="1">
+            <a:off x="3779912" y="4437112"/>
+            <a:ext cx="1152128" cy="504056"/>
+          </a:xfrm>
+          <a:prstGeom prst="straightConnector1">
+            <a:avLst/>
+          </a:prstGeom>
+          <a:ln>
+            <a:tailEnd type="arrow"/>
+          </a:ln>
+        </p:spPr>
+        <p:style>
+          <a:lnRef idx="1">
+            <a:schemeClr val="dk1"/>
+          </a:lnRef>
+          <a:fillRef idx="0">
+            <a:schemeClr val="dk1"/>
+          </a:fillRef>
+          <a:effectRef idx="0">
+            <a:schemeClr val="dk1"/>
+          </a:effectRef>
+          <a:fontRef idx="minor">
+            <a:schemeClr val="tx1"/>
+          </a:fontRef>
+        </p:style>
+      </p:cxnSp>
+      <p:cxnSp>
+        <p:nvCxnSpPr>
+          <p:cNvPr id="20" name="Straight Arrow Connector 19"/>
+          <p:cNvCxnSpPr/>
+          <p:nvPr/>
+        </p:nvCxnSpPr>
+        <p:spPr>
+          <a:xfrm>
+            <a:off x="6660232" y="4437112"/>
+            <a:ext cx="1152128" cy="504056"/>
+          </a:xfrm>
+          <a:prstGeom prst="straightConnector1">
+            <a:avLst/>
+          </a:prstGeom>
+          <a:ln>
+            <a:tailEnd type="arrow"/>
+          </a:ln>
+        </p:spPr>
+        <p:style>
+          <a:lnRef idx="1">
+            <a:schemeClr val="dk1"/>
+          </a:lnRef>
+          <a:fillRef idx="0">
+            <a:schemeClr val="dk1"/>
+          </a:fillRef>
+          <a:effectRef idx="0">
+            <a:schemeClr val="dk1"/>
+          </a:effectRef>
+          <a:fontRef idx="minor">
+            <a:schemeClr val="tx1"/>
+          </a:fontRef>
+        </p:style>
+      </p:cxnSp>
+      <p:sp>
+        <p:nvSpPr>
+          <p:cNvPr id="29" name="Rounded Rectangle 28"/>
+          <p:cNvSpPr/>
+          <p:nvPr/>
+        </p:nvSpPr>
+        <p:spPr>
+          <a:xfrm>
+            <a:off x="323528" y="4869160"/>
+            <a:ext cx="1872208" cy="1008112"/>
+          </a:xfrm>
+          <a:prstGeom prst="roundRect">
+            <a:avLst/>
+          </a:prstGeom>
+        </p:spPr>
+        <p:style>
+          <a:lnRef idx="2">
+            <a:schemeClr val="accent2">
+              <a:shade val="50000"/>
+            </a:schemeClr>
+          </a:lnRef>
+          <a:fillRef idx="1">
+            <a:schemeClr val="accent2"/>
+          </a:fillRef>
+          <a:effectRef idx="0">
+            <a:schemeClr val="accent2"/>
+          </a:effectRef>
+          <a:fontRef idx="minor">
+            <a:schemeClr val="lt1"/>
+          </a:fontRef>
+        </p:style>
+        <p:txBody>
+          <a:bodyPr rtlCol="1" anchor="ctr"/>
+          <a:lstStyle/>
+          <a:p>
+            <a:pPr algn="ctr"/>
+            <a:r>
+              <a:rPr lang="he-IL" sz="2400" b="1" dirty="0" smtClean="0"/>
+              <a:t>תיבת כתיבה חכמה</a:t>
+            </a:r>
+            <a:endParaRPr lang="he-IL" sz="2400" b="1" dirty="0"/>
+          </a:p>
+        </p:txBody>
+      </p:sp>
+      <p:cxnSp>
+        <p:nvCxnSpPr>
+          <p:cNvPr id="30" name="Straight Arrow Connector 29"/>
+          <p:cNvCxnSpPr>
+            <a:endCxn id="29" idx="3"/>
+          </p:cNvCxnSpPr>
+          <p:nvPr/>
+        </p:nvCxnSpPr>
+        <p:spPr>
+          <a:xfrm flipH="1">
+            <a:off x="2195736" y="5373216"/>
+            <a:ext cx="360040" cy="0"/>
+          </a:xfrm>
+          <a:prstGeom prst="straightConnector1">
+            <a:avLst/>
+          </a:prstGeom>
+          <a:ln>
+            <a:tailEnd type="arrow"/>
+          </a:ln>
+        </p:spPr>
+        <p:style>
+          <a:lnRef idx="1">
+            <a:schemeClr val="dk1"/>
+          </a:lnRef>
+          <a:fillRef idx="0">
+            <a:schemeClr val="dk1"/>
+          </a:fillRef>
+          <a:effectRef idx="0">
+            <a:schemeClr val="dk1"/>
+          </a:effectRef>
+          <a:fontRef idx="minor">
+            <a:schemeClr val="tx1"/>
+          </a:fontRef>
+        </p:style>
+      </p:cxnSp>
     </p:spTree>
   </p:cSld>
   <p:clrMapOvr>
@@ -16568,7 +18098,7 @@
       </p:grpSpPr>
       <p:pic>
         <p:nvPicPr>
-          <p:cNvPr id="5" name="Picture 4" descr="1a.png"/>
+          <p:cNvPr id="4" name="תמונה 3" descr="2.png"/>
           <p:cNvPicPr>
             <a:picLocks noChangeAspect="1"/>
           </p:cNvPicPr>
@@ -16582,8 +18112,8 @@
         </p:blipFill>
         <p:spPr>
           <a:xfrm>
-            <a:off x="2438400" y="0"/>
-            <a:ext cx="4762500" cy="2743200"/>
+            <a:off x="0" y="0"/>
+            <a:ext cx="2176813" cy="2355312"/>
           </a:xfrm>
           <a:prstGeom prst="rect">
             <a:avLst/>
@@ -16592,14 +18122,147 @@
       </p:pic>
       <p:sp>
         <p:nvSpPr>
+          <p:cNvPr id="17" name="מלבן 16"/>
+          <p:cNvSpPr/>
+          <p:nvPr/>
+        </p:nvSpPr>
+        <p:spPr>
+          <a:xfrm>
+            <a:off x="2267744" y="188640"/>
+            <a:ext cx="6624736" cy="923330"/>
+          </a:xfrm>
+          <a:prstGeom prst="rect">
+            <a:avLst/>
+          </a:prstGeom>
+          <a:noFill/>
+        </p:spPr>
+        <p:txBody>
+          <a:bodyPr wrap="square" lIns="91440" tIns="45720" rIns="91440" bIns="45720">
+            <a:spAutoFit/>
+          </a:bodyPr>
+          <a:lstStyle/>
+          <a:p>
+            <a:pPr algn="ctr"/>
+            <a:r>
+              <a:rPr lang="he-IL" sz="5400" b="1" cap="none" spc="0" dirty="0" smtClean="0">
+                <a:ln w="17780" cmpd="sng">
+                  <a:solidFill>
+                    <a:srgbClr val="FFFFFF"/>
+                  </a:solidFill>
+                  <a:prstDash val="solid"/>
+                  <a:miter lim="800000"/>
+                </a:ln>
+                <a:gradFill rotWithShape="1">
+                  <a:gsLst>
+                    <a:gs pos="0">
+                      <a:srgbClr val="000000">
+                        <a:tint val="92000"/>
+                        <a:shade val="100000"/>
+                        <a:satMod val="150000"/>
+                      </a:srgbClr>
+                    </a:gs>
+                    <a:gs pos="49000">
+                      <a:srgbClr val="000000">
+                        <a:tint val="89000"/>
+                        <a:shade val="90000"/>
+                        <a:satMod val="150000"/>
+                      </a:srgbClr>
+                    </a:gs>
+                    <a:gs pos="50000">
+                      <a:srgbClr val="000000">
+                        <a:tint val="100000"/>
+                        <a:shade val="75000"/>
+                        <a:satMod val="150000"/>
+                      </a:srgbClr>
+                    </a:gs>
+                    <a:gs pos="95000">
+                      <a:srgbClr val="000000">
+                        <a:shade val="47000"/>
+                        <a:satMod val="150000"/>
+                      </a:srgbClr>
+                    </a:gs>
+                    <a:gs pos="100000">
+                      <a:srgbClr val="000000">
+                        <a:shade val="39000"/>
+                        <a:satMod val="150000"/>
+                      </a:srgbClr>
+                    </a:gs>
+                  </a:gsLst>
+                  <a:lin ang="5400000"/>
+                </a:gradFill>
+                <a:effectLst>
+                  <a:outerShdw blurRad="50800" algn="tl" rotWithShape="0">
+                    <a:srgbClr val="000000"/>
+                  </a:outerShdw>
+                </a:effectLst>
+              </a:rPr>
+              <a:t>זרימת מסכים - מורה</a:t>
+            </a:r>
+            <a:endParaRPr lang="he-IL" sz="5400" b="1" cap="none" spc="0" dirty="0">
+              <a:ln w="17780" cmpd="sng">
+                <a:solidFill>
+                  <a:srgbClr val="FFFFFF"/>
+                </a:solidFill>
+                <a:prstDash val="solid"/>
+                <a:miter lim="800000"/>
+              </a:ln>
+              <a:gradFill rotWithShape="1">
+                <a:gsLst>
+                  <a:gs pos="0">
+                    <a:srgbClr val="000000">
+                      <a:tint val="92000"/>
+                      <a:shade val="100000"/>
+                      <a:satMod val="150000"/>
+                    </a:srgbClr>
+                  </a:gs>
+                  <a:gs pos="49000">
+                    <a:srgbClr val="000000">
+                      <a:tint val="89000"/>
+                      <a:shade val="90000"/>
+                      <a:satMod val="150000"/>
+                    </a:srgbClr>
+                  </a:gs>
+                  <a:gs pos="50000">
+                    <a:srgbClr val="000000">
+                      <a:tint val="100000"/>
+                      <a:shade val="75000"/>
+                      <a:satMod val="150000"/>
+                    </a:srgbClr>
+                  </a:gs>
+                  <a:gs pos="95000">
+                    <a:srgbClr val="000000">
+                      <a:shade val="47000"/>
+                      <a:satMod val="150000"/>
+                    </a:srgbClr>
+                  </a:gs>
+                  <a:gs pos="100000">
+                    <a:srgbClr val="000000">
+                      <a:shade val="39000"/>
+                      <a:satMod val="150000"/>
+                    </a:srgbClr>
+                  </a:gs>
+                </a:gsLst>
+                <a:lin ang="5400000"/>
+              </a:gradFill>
+              <a:effectLst>
+                <a:outerShdw blurRad="50800" algn="tl" rotWithShape="0">
+                  <a:srgbClr val="000000"/>
+                </a:outerShdw>
+              </a:effectLst>
+            </a:endParaRPr>
+          </a:p>
+        </p:txBody>
+      </p:sp>
+      <p:sp>
+        <p:nvSpPr>
           <p:cNvPr id="6" name="Rounded Rectangle 5"/>
           <p:cNvSpPr/>
           <p:nvPr/>
         </p:nvSpPr>
         <p:spPr>
           <a:xfrm>
-            <a:off x="990600" y="3124200"/>
-            <a:ext cx="2971800" cy="1752600"/>
+            <a:off x="4572000" y="1844824"/>
+            <a:ext cx="1800200" cy="792088"/>
           </a:xfrm>
           <a:prstGeom prst="roundRect">
             <a:avLst/>
@@ -16607,15 +18270,15 @@
         </p:spPr>
         <p:style>
           <a:lnRef idx="2">
-            <a:schemeClr val="accent6">
+            <a:schemeClr val="accent3">
               <a:shade val="50000"/>
             </a:schemeClr>
           </a:lnRef>
           <a:fillRef idx="1">
-            <a:schemeClr val="accent6"/>
+            <a:schemeClr val="accent3"/>
           </a:fillRef>
           <a:effectRef idx="0">
-            <a:schemeClr val="accent6"/>
+            <a:schemeClr val="accent3"/>
           </a:effectRef>
           <a:fontRef idx="minor">
             <a:schemeClr val="lt1"/>
@@ -16627,10 +18290,10 @@
           <a:p>
             <a:pPr algn="ctr"/>
             <a:r>
-              <a:rPr lang="he-IL" sz="3600" dirty="0" smtClean="0"/>
-              <a:t>כניסה למורה</a:t>
-            </a:r>
-            <a:endParaRPr lang="he-IL" sz="3600" dirty="0"/>
+              <a:rPr lang="he-IL" sz="2400" b="1" dirty="0" smtClean="0"/>
+              <a:t>תפריט ראשי</a:t>
+            </a:r>
+            <a:endParaRPr lang="he-IL" sz="2400" b="1" dirty="0"/>
           </a:p>
         </p:txBody>
       </p:sp>
@@ -16642,8 +18305,8 @@
         </p:nvSpPr>
         <p:spPr>
           <a:xfrm>
-            <a:off x="4876800" y="3124200"/>
-            <a:ext cx="2971800" cy="1752600"/>
+            <a:off x="4572000" y="3429000"/>
+            <a:ext cx="1800200" cy="792088"/>
           </a:xfrm>
           <a:prstGeom prst="roundRect">
             <a:avLst/>
@@ -16651,15 +18314,15 @@
         </p:spPr>
         <p:style>
           <a:lnRef idx="2">
-            <a:schemeClr val="accent6">
+            <a:schemeClr val="accent3">
               <a:shade val="50000"/>
             </a:schemeClr>
           </a:lnRef>
           <a:fillRef idx="1">
-            <a:schemeClr val="accent6"/>
+            <a:schemeClr val="accent3"/>
           </a:fillRef>
           <a:effectRef idx="0">
-            <a:schemeClr val="accent6"/>
+            <a:schemeClr val="accent3"/>
           </a:effectRef>
           <a:fontRef idx="minor">
             <a:schemeClr val="lt1"/>
@@ -16671,13 +18334,434 @@
           <a:p>
             <a:pPr algn="ctr"/>
             <a:r>
-              <a:rPr lang="he-IL" sz="3600" dirty="0" smtClean="0"/>
-              <a:t>כניסה לתלמיד</a:t>
-            </a:r>
-            <a:endParaRPr lang="he-IL" sz="3600" dirty="0"/>
-          </a:p>
-        </p:txBody>
-      </p:sp>
+              <a:rPr lang="he-IL" sz="2400" b="1" dirty="0" smtClean="0"/>
+              <a:t>הוספת תוכן</a:t>
+            </a:r>
+            <a:endParaRPr lang="he-IL" sz="2400" b="1" dirty="0"/>
+          </a:p>
+        </p:txBody>
+      </p:sp>
+      <p:sp>
+        <p:nvSpPr>
+          <p:cNvPr id="8" name="Rounded Rectangle 7"/>
+          <p:cNvSpPr/>
+          <p:nvPr/>
+        </p:nvSpPr>
+        <p:spPr>
+          <a:xfrm>
+            <a:off x="2987824" y="4797152"/>
+            <a:ext cx="1800200" cy="792088"/>
+          </a:xfrm>
+          <a:prstGeom prst="roundRect">
+            <a:avLst/>
+          </a:prstGeom>
+        </p:spPr>
+        <p:style>
+          <a:lnRef idx="2">
+            <a:schemeClr val="accent3">
+              <a:shade val="50000"/>
+            </a:schemeClr>
+          </a:lnRef>
+          <a:fillRef idx="1">
+            <a:schemeClr val="accent3"/>
+          </a:fillRef>
+          <a:effectRef idx="0">
+            <a:schemeClr val="accent3"/>
+          </a:effectRef>
+          <a:fontRef idx="minor">
+            <a:schemeClr val="lt1"/>
+          </a:fontRef>
+        </p:style>
+        <p:txBody>
+          <a:bodyPr rtlCol="1" anchor="ctr"/>
+          <a:lstStyle/>
+          <a:p>
+            <a:pPr algn="ctr"/>
+            <a:r>
+              <a:rPr lang="he-IL" sz="2400" b="1" dirty="0" smtClean="0"/>
+              <a:t>הוספת טקסט</a:t>
+            </a:r>
+            <a:endParaRPr lang="he-IL" sz="2400" b="1" dirty="0"/>
+          </a:p>
+        </p:txBody>
+      </p:sp>
+      <p:sp>
+        <p:nvSpPr>
+          <p:cNvPr id="9" name="Rounded Rectangle 8"/>
+          <p:cNvSpPr/>
+          <p:nvPr/>
+        </p:nvSpPr>
+        <p:spPr>
+          <a:xfrm>
+            <a:off x="1835696" y="3068960"/>
+            <a:ext cx="1800200" cy="792088"/>
+          </a:xfrm>
+          <a:prstGeom prst="roundRect">
+            <a:avLst/>
+          </a:prstGeom>
+        </p:spPr>
+        <p:style>
+          <a:lnRef idx="2">
+            <a:schemeClr val="accent3">
+              <a:shade val="50000"/>
+            </a:schemeClr>
+          </a:lnRef>
+          <a:fillRef idx="1">
+            <a:schemeClr val="accent3"/>
+          </a:fillRef>
+          <a:effectRef idx="0">
+            <a:schemeClr val="accent3"/>
+          </a:effectRef>
+          <a:fontRef idx="minor">
+            <a:schemeClr val="lt1"/>
+          </a:fontRef>
+        </p:style>
+        <p:txBody>
+          <a:bodyPr rtlCol="1" anchor="ctr"/>
+          <a:lstStyle/>
+          <a:p>
+            <a:pPr algn="ctr"/>
+            <a:r>
+              <a:rPr lang="he-IL" sz="2400" b="1" dirty="0" smtClean="0"/>
+              <a:t>בדיקת שאלות</a:t>
+            </a:r>
+            <a:endParaRPr lang="he-IL" sz="2400" b="1" dirty="0"/>
+          </a:p>
+        </p:txBody>
+      </p:sp>
+      <p:sp>
+        <p:nvSpPr>
+          <p:cNvPr id="10" name="Rounded Rectangle 9"/>
+          <p:cNvSpPr/>
+          <p:nvPr/>
+        </p:nvSpPr>
+        <p:spPr>
+          <a:xfrm>
+            <a:off x="4932040" y="4797152"/>
+            <a:ext cx="1800200" cy="792088"/>
+          </a:xfrm>
+          <a:prstGeom prst="roundRect">
+            <a:avLst/>
+          </a:prstGeom>
+        </p:spPr>
+        <p:style>
+          <a:lnRef idx="2">
+            <a:schemeClr val="accent3">
+              <a:shade val="50000"/>
+            </a:schemeClr>
+          </a:lnRef>
+          <a:fillRef idx="1">
+            <a:schemeClr val="accent3"/>
+          </a:fillRef>
+          <a:effectRef idx="0">
+            <a:schemeClr val="accent3"/>
+          </a:effectRef>
+          <a:fontRef idx="minor">
+            <a:schemeClr val="lt1"/>
+          </a:fontRef>
+        </p:style>
+        <p:txBody>
+          <a:bodyPr rtlCol="1" anchor="ctr"/>
+          <a:lstStyle/>
+          <a:p>
+            <a:pPr algn="ctr"/>
+            <a:r>
+              <a:rPr lang="he-IL" sz="2400" b="1" dirty="0" smtClean="0"/>
+              <a:t>הוספת שמע</a:t>
+            </a:r>
+            <a:endParaRPr lang="he-IL" sz="2400" b="1" dirty="0"/>
+          </a:p>
+        </p:txBody>
+      </p:sp>
+      <p:sp>
+        <p:nvSpPr>
+          <p:cNvPr id="11" name="Rounded Rectangle 10"/>
+          <p:cNvSpPr/>
+          <p:nvPr/>
+        </p:nvSpPr>
+        <p:spPr>
+          <a:xfrm>
+            <a:off x="6876256" y="4797152"/>
+            <a:ext cx="1800200" cy="792088"/>
+          </a:xfrm>
+          <a:prstGeom prst="roundRect">
+            <a:avLst/>
+          </a:prstGeom>
+        </p:spPr>
+        <p:style>
+          <a:lnRef idx="2">
+            <a:schemeClr val="accent3">
+              <a:shade val="50000"/>
+            </a:schemeClr>
+          </a:lnRef>
+          <a:fillRef idx="1">
+            <a:schemeClr val="accent3"/>
+          </a:fillRef>
+          <a:effectRef idx="0">
+            <a:schemeClr val="accent3"/>
+          </a:effectRef>
+          <a:fontRef idx="minor">
+            <a:schemeClr val="lt1"/>
+          </a:fontRef>
+        </p:style>
+        <p:txBody>
+          <a:bodyPr rtlCol="1" anchor="ctr"/>
+          <a:lstStyle/>
+          <a:p>
+            <a:pPr algn="ctr"/>
+            <a:r>
+              <a:rPr lang="he-IL" sz="2400" b="1" dirty="0" smtClean="0"/>
+              <a:t>הוספת שאלות</a:t>
+            </a:r>
+            <a:endParaRPr lang="he-IL" sz="2400" b="1" dirty="0"/>
+          </a:p>
+        </p:txBody>
+      </p:sp>
+      <p:cxnSp>
+        <p:nvCxnSpPr>
+          <p:cNvPr id="13" name="Straight Arrow Connector 12"/>
+          <p:cNvCxnSpPr>
+            <a:stCxn id="6" idx="2"/>
+            <a:endCxn id="7" idx="0"/>
+          </p:cNvCxnSpPr>
+          <p:nvPr/>
+        </p:nvCxnSpPr>
+        <p:spPr>
+          <a:xfrm>
+            <a:off x="5472100" y="2636912"/>
+            <a:ext cx="0" cy="792088"/>
+          </a:xfrm>
+          <a:prstGeom prst="straightConnector1">
+            <a:avLst/>
+          </a:prstGeom>
+          <a:ln>
+            <a:tailEnd type="arrow"/>
+          </a:ln>
+        </p:spPr>
+        <p:style>
+          <a:lnRef idx="1">
+            <a:schemeClr val="dk1"/>
+          </a:lnRef>
+          <a:fillRef idx="0">
+            <a:schemeClr val="dk1"/>
+          </a:fillRef>
+          <a:effectRef idx="0">
+            <a:schemeClr val="dk1"/>
+          </a:effectRef>
+          <a:fontRef idx="minor">
+            <a:schemeClr val="tx1"/>
+          </a:fontRef>
+        </p:style>
+      </p:cxnSp>
+      <p:cxnSp>
+        <p:nvCxnSpPr>
+          <p:cNvPr id="15" name="Straight Arrow Connector 14"/>
+          <p:cNvCxnSpPr/>
+          <p:nvPr/>
+        </p:nvCxnSpPr>
+        <p:spPr>
+          <a:xfrm flipH="1">
+            <a:off x="3995936" y="4221088"/>
+            <a:ext cx="648072" cy="504056"/>
+          </a:xfrm>
+          <a:prstGeom prst="straightConnector1">
+            <a:avLst/>
+          </a:prstGeom>
+          <a:ln>
+            <a:tailEnd type="arrow"/>
+          </a:ln>
+        </p:spPr>
+        <p:style>
+          <a:lnRef idx="1">
+            <a:schemeClr val="dk1"/>
+          </a:lnRef>
+          <a:fillRef idx="0">
+            <a:schemeClr val="dk1"/>
+          </a:fillRef>
+          <a:effectRef idx="0">
+            <a:schemeClr val="dk1"/>
+          </a:effectRef>
+          <a:fontRef idx="minor">
+            <a:schemeClr val="tx1"/>
+          </a:fontRef>
+        </p:style>
+      </p:cxnSp>
+      <p:cxnSp>
+        <p:nvCxnSpPr>
+          <p:cNvPr id="16" name="Straight Arrow Connector 15"/>
+          <p:cNvCxnSpPr/>
+          <p:nvPr/>
+        </p:nvCxnSpPr>
+        <p:spPr>
+          <a:xfrm>
+            <a:off x="5580112" y="4221088"/>
+            <a:ext cx="0" cy="504056"/>
+          </a:xfrm>
+          <a:prstGeom prst="straightConnector1">
+            <a:avLst/>
+          </a:prstGeom>
+          <a:ln>
+            <a:tailEnd type="arrow"/>
+          </a:ln>
+        </p:spPr>
+        <p:style>
+          <a:lnRef idx="1">
+            <a:schemeClr val="dk1"/>
+          </a:lnRef>
+          <a:fillRef idx="0">
+            <a:schemeClr val="dk1"/>
+          </a:fillRef>
+          <a:effectRef idx="0">
+            <a:schemeClr val="dk1"/>
+          </a:effectRef>
+          <a:fontRef idx="minor">
+            <a:schemeClr val="tx1"/>
+          </a:fontRef>
+        </p:style>
+      </p:cxnSp>
+      <p:cxnSp>
+        <p:nvCxnSpPr>
+          <p:cNvPr id="18" name="Straight Arrow Connector 17"/>
+          <p:cNvCxnSpPr/>
+          <p:nvPr/>
+        </p:nvCxnSpPr>
+        <p:spPr>
+          <a:xfrm flipH="1">
+            <a:off x="3419872" y="2564904"/>
+            <a:ext cx="1152128" cy="432048"/>
+          </a:xfrm>
+          <a:prstGeom prst="straightConnector1">
+            <a:avLst/>
+          </a:prstGeom>
+          <a:ln>
+            <a:tailEnd type="arrow"/>
+          </a:ln>
+        </p:spPr>
+        <p:style>
+          <a:lnRef idx="1">
+            <a:schemeClr val="dk1"/>
+          </a:lnRef>
+          <a:fillRef idx="0">
+            <a:schemeClr val="dk1"/>
+          </a:fillRef>
+          <a:effectRef idx="0">
+            <a:schemeClr val="dk1"/>
+          </a:effectRef>
+          <a:fontRef idx="minor">
+            <a:schemeClr val="tx1"/>
+          </a:fontRef>
+        </p:style>
+      </p:cxnSp>
+      <p:cxnSp>
+        <p:nvCxnSpPr>
+          <p:cNvPr id="20" name="Straight Arrow Connector 19"/>
+          <p:cNvCxnSpPr/>
+          <p:nvPr/>
+        </p:nvCxnSpPr>
+        <p:spPr>
+          <a:xfrm>
+            <a:off x="6156176" y="4221088"/>
+            <a:ext cx="1224136" cy="504056"/>
+          </a:xfrm>
+          <a:prstGeom prst="straightConnector1">
+            <a:avLst/>
+          </a:prstGeom>
+          <a:ln>
+            <a:tailEnd type="arrow"/>
+          </a:ln>
+        </p:spPr>
+        <p:style>
+          <a:lnRef idx="1">
+            <a:schemeClr val="dk1"/>
+          </a:lnRef>
+          <a:fillRef idx="0">
+            <a:schemeClr val="dk1"/>
+          </a:fillRef>
+          <a:effectRef idx="0">
+            <a:schemeClr val="dk1"/>
+          </a:effectRef>
+          <a:fontRef idx="minor">
+            <a:schemeClr val="tx1"/>
+          </a:fontRef>
+        </p:style>
+      </p:cxnSp>
+      <p:sp>
+        <p:nvSpPr>
+          <p:cNvPr id="22" name="Rounded Rectangle 21"/>
+          <p:cNvSpPr/>
+          <p:nvPr/>
+        </p:nvSpPr>
+        <p:spPr>
+          <a:xfrm>
+            <a:off x="683568" y="4797152"/>
+            <a:ext cx="2088232" cy="792088"/>
+          </a:xfrm>
+          <a:prstGeom prst="roundRect">
+            <a:avLst/>
+          </a:prstGeom>
+        </p:spPr>
+        <p:style>
+          <a:lnRef idx="2">
+            <a:schemeClr val="accent3">
+              <a:shade val="50000"/>
+            </a:schemeClr>
+          </a:lnRef>
+          <a:fillRef idx="1">
+            <a:schemeClr val="accent3"/>
+          </a:fillRef>
+          <a:effectRef idx="0">
+            <a:schemeClr val="accent3"/>
+          </a:effectRef>
+          <a:fontRef idx="minor">
+            <a:schemeClr val="lt1"/>
+          </a:fontRef>
+        </p:style>
+        <p:txBody>
+          <a:bodyPr rtlCol="1" anchor="ctr"/>
+          <a:lstStyle/>
+          <a:p>
+            <a:pPr algn="ctr"/>
+            <a:r>
+              <a:rPr lang="he-IL" sz="2400" b="1" dirty="0" smtClean="0"/>
+              <a:t>הוספת פירושי מילים</a:t>
+            </a:r>
+            <a:endParaRPr lang="he-IL" sz="2400" b="1" dirty="0"/>
+          </a:p>
+        </p:txBody>
+      </p:sp>
+      <p:cxnSp>
+        <p:nvCxnSpPr>
+          <p:cNvPr id="23" name="Straight Arrow Connector 22"/>
+          <p:cNvCxnSpPr/>
+          <p:nvPr/>
+        </p:nvCxnSpPr>
+        <p:spPr>
+          <a:xfrm flipH="1">
+            <a:off x="2411760" y="4005064"/>
+            <a:ext cx="2160240" cy="720080"/>
+          </a:xfrm>
+          <a:prstGeom prst="straightConnector1">
+            <a:avLst/>
+          </a:prstGeom>
+          <a:ln>
+            <a:tailEnd type="arrow"/>
+          </a:ln>
+        </p:spPr>
+        <p:style>
+          <a:lnRef idx="1">
+            <a:schemeClr val="dk1"/>
+          </a:lnRef>
+          <a:fillRef idx="0">
+            <a:schemeClr val="dk1"/>
+          </a:fillRef>
+          <a:effectRef idx="0">
+            <a:schemeClr val="dk1"/>
+          </a:effectRef>
+          <a:fontRef idx="minor">
+            <a:schemeClr val="tx1"/>
+          </a:fontRef>
+        </p:style>
+      </p:cxnSp>
     </p:spTree>
   </p:cSld>
   <p:clrMapOvr>
